--- a/Presentation/DPO-Filomeno.pptx
+++ b/Presentation/DPO-Filomeno.pptx
@@ -6,31 +6,42 @@
     <p:sldMasterId id="2147483700" r:id="rId2"/>
   </p:sldMasterIdLst>
   <p:notesMasterIdLst>
-    <p:notesMasterId r:id="rId13"/>
+    <p:notesMasterId r:id="rId19"/>
   </p:notesMasterIdLst>
   <p:sldIdLst>
     <p:sldId id="256" r:id="rId3"/>
-    <p:sldId id="257" r:id="rId4"/>
-    <p:sldId id="265" r:id="rId5"/>
-    <p:sldId id="258" r:id="rId6"/>
-    <p:sldId id="266" r:id="rId7"/>
-    <p:sldId id="267" r:id="rId8"/>
-    <p:sldId id="268" r:id="rId9"/>
-    <p:sldId id="259" r:id="rId10"/>
-    <p:sldId id="263" r:id="rId11"/>
-    <p:sldId id="264" r:id="rId12"/>
+    <p:sldId id="271" r:id="rId4"/>
+    <p:sldId id="272" r:id="rId5"/>
+    <p:sldId id="257" r:id="rId6"/>
+    <p:sldId id="265" r:id="rId7"/>
+    <p:sldId id="258" r:id="rId8"/>
+    <p:sldId id="266" r:id="rId9"/>
+    <p:sldId id="267" r:id="rId10"/>
+    <p:sldId id="268" r:id="rId11"/>
+    <p:sldId id="273" r:id="rId12"/>
+    <p:sldId id="274" r:id="rId13"/>
+    <p:sldId id="275" r:id="rId14"/>
+    <p:sldId id="263" r:id="rId15"/>
+    <p:sldId id="264" r:id="rId16"/>
+    <p:sldId id="269" r:id="rId17"/>
+    <p:sldId id="270" r:id="rId18"/>
   </p:sldIdLst>
   <p:sldSz cx="9144000" cy="5143500" type="screen16x9"/>
   <p:notesSz cx="6858000" cy="9144000"/>
   <p:embeddedFontLst>
     <p:embeddedFont>
       <p:font typeface="Arial Black" panose="020B0604020202020204" pitchFamily="34" charset="0"/>
-      <p:regular r:id="rId14"/>
-      <p:bold r:id="rId15"/>
+      <p:regular r:id="rId20"/>
+      <p:bold r:id="rId21"/>
     </p:embeddedFont>
     <p:embeddedFont>
       <p:font typeface="Cambria Math" panose="02040503050406030204" pitchFamily="18" charset="0"/>
-      <p:regular r:id="rId16"/>
+      <p:regular r:id="rId22"/>
+    </p:embeddedFont>
+    <p:embeddedFont>
+      <p:font typeface="Noto Sans Symbols" pitchFamily="2" charset="0"/>
+      <p:regular r:id="rId23"/>
+      <p:bold r:id="rId24"/>
     </p:embeddedFont>
   </p:embeddedFontLst>
   <p:defaultTextStyle>
@@ -1980,7 +1991,7 @@
             </a:pPr>
             <a:fld id="{00000000-1234-1234-1234-123412341234}" type="slidenum">
               <a:rPr lang="en-US"/>
-              <a:t>2</a:t>
+              <a:t>4</a:t>
             </a:fld>
             <a:endParaRPr/>
           </a:p>
@@ -2155,7 +2166,7 @@
             </a:pPr>
             <a:fld id="{00000000-1234-1234-1234-123412341234}" type="slidenum">
               <a:rPr lang="en-US"/>
-              <a:t>3</a:t>
+              <a:t>5</a:t>
             </a:fld>
             <a:endParaRPr/>
           </a:p>
@@ -2311,7 +2322,7 @@
             </a:pPr>
             <a:fld id="{00000000-1234-1234-1234-123412341234}" type="slidenum">
               <a:rPr lang="en-US"/>
-              <a:t>4</a:t>
+              <a:t>6</a:t>
             </a:fld>
             <a:endParaRPr/>
           </a:p>
@@ -2326,157 +2337,6 @@
 </file>
 
 <file path=ppt/notesSlides/notesSlide5.xml><?xml version="1.0" encoding="utf-8"?>
-<p:notes xmlns:a="http://schemas.openxmlformats.org/drawingml/2006/main" xmlns:r="http://schemas.openxmlformats.org/officeDocument/2006/relationships" xmlns:p="http://schemas.openxmlformats.org/presentationml/2006/main" showMasterSp="0" showMasterPhAnim="0">
-  <p:cSld>
-    <p:spTree>
-      <p:nvGrpSpPr>
-        <p:cNvPr id="1" name="Shape 326"/>
-        <p:cNvGrpSpPr/>
-        <p:nvPr/>
-      </p:nvGrpSpPr>
-      <p:grpSpPr>
-        <a:xfrm>
-          <a:off x="0" y="0"/>
-          <a:ext cx="0" cy="0"/>
-          <a:chOff x="0" y="0"/>
-          <a:chExt cx="0" cy="0"/>
-        </a:xfrm>
-      </p:grpSpPr>
-      <p:sp>
-        <p:nvSpPr>
-          <p:cNvPr id="327" name="Google Shape;327;g29a77499f06_1_0:notes"/>
-          <p:cNvSpPr>
-            <a:spLocks noGrp="1" noRot="1" noChangeAspect="1"/>
-          </p:cNvSpPr>
-          <p:nvPr>
-            <p:ph type="sldImg" idx="2"/>
-          </p:nvPr>
-        </p:nvSpPr>
-        <p:spPr>
-          <a:xfrm>
-            <a:off x="381000" y="685800"/>
-            <a:ext cx="6096000" cy="3429000"/>
-          </a:xfrm>
-          <a:custGeom>
-            <a:avLst/>
-            <a:gdLst/>
-            <a:ahLst/>
-            <a:cxnLst/>
-            <a:rect l="l" t="t" r="r" b="b"/>
-            <a:pathLst>
-              <a:path w="120000" h="120000" extrusionOk="0">
-                <a:moveTo>
-                  <a:pt x="0" y="0"/>
-                </a:moveTo>
-                <a:lnTo>
-                  <a:pt x="120000" y="0"/>
-                </a:lnTo>
-                <a:lnTo>
-                  <a:pt x="120000" y="120000"/>
-                </a:lnTo>
-                <a:lnTo>
-                  <a:pt x="0" y="120000"/>
-                </a:lnTo>
-                <a:close/>
-              </a:path>
-            </a:pathLst>
-          </a:custGeom>
-        </p:spPr>
-      </p:sp>
-      <p:sp>
-        <p:nvSpPr>
-          <p:cNvPr id="328" name="Google Shape;328;g29a77499f06_1_0:notes"/>
-          <p:cNvSpPr txBox="1">
-            <a:spLocks noGrp="1"/>
-          </p:cNvSpPr>
-          <p:nvPr>
-            <p:ph type="body" idx="1"/>
-          </p:nvPr>
-        </p:nvSpPr>
-        <p:spPr>
-          <a:xfrm>
-            <a:off x="685800" y="4343400"/>
-            <a:ext cx="5486400" cy="4114800"/>
-          </a:xfrm>
-          <a:prstGeom prst="rect">
-            <a:avLst/>
-          </a:prstGeom>
-        </p:spPr>
-        <p:txBody>
-          <a:bodyPr spcFirstLastPara="1" wrap="square" lIns="91425" tIns="45700" rIns="91425" bIns="45700" anchor="t" anchorCtr="0">
-            <a:noAutofit/>
-          </a:bodyPr>
-          <a:lstStyle/>
-          <a:p>
-            <a:pPr marL="0" lvl="0" indent="0" algn="l" rtl="0">
-              <a:spcBef>
-                <a:spcPts val="0"/>
-              </a:spcBef>
-              <a:spcAft>
-                <a:spcPts val="0"/>
-              </a:spcAft>
-              <a:buNone/>
-            </a:pPr>
-            <a:endParaRPr/>
-          </a:p>
-        </p:txBody>
-      </p:sp>
-      <p:sp>
-        <p:nvSpPr>
-          <p:cNvPr id="329" name="Google Shape;329;g29a77499f06_1_0:notes"/>
-          <p:cNvSpPr txBox="1">
-            <a:spLocks noGrp="1"/>
-          </p:cNvSpPr>
-          <p:nvPr>
-            <p:ph type="sldNum" idx="12"/>
-          </p:nvPr>
-        </p:nvSpPr>
-        <p:spPr>
-          <a:xfrm>
-            <a:off x="3884613" y="8685213"/>
-            <a:ext cx="2971800" cy="457200"/>
-          </a:xfrm>
-          <a:prstGeom prst="rect">
-            <a:avLst/>
-          </a:prstGeom>
-        </p:spPr>
-        <p:txBody>
-          <a:bodyPr spcFirstLastPara="1" wrap="square" lIns="91425" tIns="45700" rIns="91425" bIns="45700" anchor="b" anchorCtr="0">
-            <a:noAutofit/>
-          </a:bodyPr>
-          <a:lstStyle/>
-          <a:p>
-            <a:pPr marL="0" lvl="0" indent="0" algn="r" rtl="0">
-              <a:spcBef>
-                <a:spcPts val="0"/>
-              </a:spcBef>
-              <a:spcAft>
-                <a:spcPts val="0"/>
-              </a:spcAft>
-              <a:buClr>
-                <a:srgbClr val="000000"/>
-              </a:buClr>
-              <a:buSzPts val="1200"/>
-              <a:buFont typeface="Arial"/>
-              <a:buNone/>
-            </a:pPr>
-            <a:fld id="{00000000-1234-1234-1234-123412341234}" type="slidenum">
-              <a:rPr lang="en-US"/>
-              <a:t>8</a:t>
-            </a:fld>
-            <a:endParaRPr/>
-          </a:p>
-        </p:txBody>
-      </p:sp>
-    </p:spTree>
-  </p:cSld>
-  <p:clrMapOvr>
-    <a:masterClrMapping/>
-  </p:clrMapOvr>
-</p:notes>
-</file>
-
-<file path=ppt/notesSlides/notesSlide6.xml><?xml version="1.0" encoding="utf-8"?>
 <p:notes xmlns:a="http://schemas.openxmlformats.org/drawingml/2006/main" xmlns:r="http://schemas.openxmlformats.org/officeDocument/2006/relationships" xmlns:p="http://schemas.openxmlformats.org/presentationml/2006/main" showMasterSp="0" showMasterPhAnim="0">
   <p:cSld>
     <p:spTree>
@@ -2608,7 +2468,7 @@
             </a:pPr>
             <a:fld id="{00000000-1234-1234-1234-123412341234}" type="slidenum">
               <a:rPr lang="en-US"/>
-              <a:t>9</a:t>
+              <a:t>13</a:t>
             </a:fld>
             <a:endParaRPr/>
           </a:p>
@@ -2622,7 +2482,7 @@
 </p:notes>
 </file>
 
-<file path=ppt/notesSlides/notesSlide7.xml><?xml version="1.0" encoding="utf-8"?>
+<file path=ppt/notesSlides/notesSlide6.xml><?xml version="1.0" encoding="utf-8"?>
 <p:notes xmlns:a="http://schemas.openxmlformats.org/drawingml/2006/main" xmlns:r="http://schemas.openxmlformats.org/officeDocument/2006/relationships" xmlns:p="http://schemas.openxmlformats.org/presentationml/2006/main" showMasterSp="0" showMasterPhAnim="0">
   <p:cSld>
     <p:spTree>
@@ -2754,7 +2614,7 @@
             </a:pPr>
             <a:fld id="{00000000-1234-1234-1234-123412341234}" type="slidenum">
               <a:rPr lang="en-US"/>
-              <a:t>10</a:t>
+              <a:t>14</a:t>
             </a:fld>
             <a:endParaRPr/>
           </a:p>
@@ -37576,6 +37436,1309 @@
   <p:cSld>
     <p:spTree>
       <p:nvGrpSpPr>
+        <p:cNvPr id="1" name=""/>
+        <p:cNvGrpSpPr/>
+        <p:nvPr/>
+      </p:nvGrpSpPr>
+      <p:grpSpPr>
+        <a:xfrm>
+          <a:off x="0" y="0"/>
+          <a:ext cx="0" cy="0"/>
+          <a:chOff x="0" y="0"/>
+          <a:chExt cx="0" cy="0"/>
+        </a:xfrm>
+      </p:grpSpPr>
+      <p:sp>
+        <p:nvSpPr>
+          <p:cNvPr id="2" name="Title 1">
+            <a:extLst>
+              <a:ext uri="{FF2B5EF4-FFF2-40B4-BE49-F238E27FC236}">
+                <a16:creationId xmlns:a16="http://schemas.microsoft.com/office/drawing/2014/main" id="{DA886278-E4E7-ADAF-D420-C484F5A1ED4F}"/>
+              </a:ext>
+            </a:extLst>
+          </p:cNvPr>
+          <p:cNvSpPr>
+            <a:spLocks noGrp="1"/>
+          </p:cNvSpPr>
+          <p:nvPr>
+            <p:ph type="title"/>
+          </p:nvPr>
+        </p:nvSpPr>
+        <p:spPr/>
+        <p:txBody>
+          <a:bodyPr>
+            <a:normAutofit fontScale="90000"/>
+          </a:bodyPr>
+          <a:lstStyle/>
+          <a:p>
+            <a:r>
+              <a:rPr lang="en-US" dirty="0"/>
+              <a:t>Experimental Results: DPO vs RLHF</a:t>
+            </a:r>
+          </a:p>
+        </p:txBody>
+      </p:sp>
+      <p:sp>
+        <p:nvSpPr>
+          <p:cNvPr id="3" name="Text Placeholder 2">
+            <a:extLst>
+              <a:ext uri="{FF2B5EF4-FFF2-40B4-BE49-F238E27FC236}">
+                <a16:creationId xmlns:a16="http://schemas.microsoft.com/office/drawing/2014/main" id="{79E57751-13B9-80A0-DBF4-11456A94A879}"/>
+              </a:ext>
+            </a:extLst>
+          </p:cNvPr>
+          <p:cNvSpPr>
+            <a:spLocks noGrp="1"/>
+          </p:cNvSpPr>
+          <p:nvPr>
+            <p:ph type="body" idx="1"/>
+          </p:nvPr>
+        </p:nvSpPr>
+        <p:spPr>
+          <a:xfrm>
+            <a:off x="457200" y="1200151"/>
+            <a:ext cx="8391832" cy="3394500"/>
+          </a:xfrm>
+        </p:spPr>
+        <p:txBody>
+          <a:bodyPr>
+            <a:normAutofit/>
+          </a:bodyPr>
+          <a:lstStyle/>
+          <a:p>
+            <a:pPr marL="457200" lvl="1">
+              <a:spcBef>
+                <a:spcPts val="360"/>
+              </a:spcBef>
+              <a:buFont typeface="+mj-lt"/>
+              <a:buAutoNum type="arabicPeriod"/>
+            </a:pPr>
+            <a:r>
+              <a:rPr lang="en-US" dirty="0"/>
+              <a:t>Sentiment Modulation (Positive/Negative Text Generation):</a:t>
+            </a:r>
+          </a:p>
+          <a:p>
+            <a:pPr lvl="1">
+              <a:spcBef>
+                <a:spcPts val="0"/>
+              </a:spcBef>
+              <a:buFont typeface="Arial" panose="020B0604020202020204" pitchFamily="34" charset="0"/>
+              <a:buChar char="•"/>
+            </a:pPr>
+            <a:r>
+              <a:rPr lang="en-US" dirty="0"/>
+              <a:t>DPO achieves </a:t>
+            </a:r>
+            <a:r>
+              <a:rPr lang="en-US" b="1" dirty="0"/>
+              <a:t>higher reward with lower KL </a:t>
+            </a:r>
+            <a:r>
+              <a:rPr lang="en-US" dirty="0"/>
+              <a:t>divergence compared to RLHF.</a:t>
+            </a:r>
+          </a:p>
+          <a:p>
+            <a:pPr lvl="1">
+              <a:spcBef>
+                <a:spcPts val="0"/>
+              </a:spcBef>
+              <a:buFont typeface="Arial" panose="020B0604020202020204" pitchFamily="34" charset="0"/>
+              <a:buChar char="•"/>
+            </a:pPr>
+            <a:r>
+              <a:rPr lang="en-US" dirty="0"/>
+              <a:t>DPO consistently </a:t>
+            </a:r>
+            <a:r>
+              <a:rPr lang="en-US" b="1" dirty="0"/>
+              <a:t>outperforms PPO </a:t>
+            </a:r>
+            <a:r>
+              <a:rPr lang="en-US" dirty="0"/>
+              <a:t>in balancing sentiment generation and maintaining policy stability.</a:t>
+            </a:r>
+          </a:p>
+          <a:p>
+            <a:pPr marL="457200" lvl="1">
+              <a:spcBef>
+                <a:spcPts val="360"/>
+              </a:spcBef>
+              <a:buFont typeface="+mj-lt"/>
+              <a:buAutoNum type="arabicPeriod" startAt="2"/>
+            </a:pPr>
+            <a:r>
+              <a:rPr lang="en-US" dirty="0"/>
+              <a:t>Summarization (TL; DR):</a:t>
+            </a:r>
+          </a:p>
+          <a:p>
+            <a:pPr lvl="1">
+              <a:lnSpc>
+                <a:spcPct val="125000"/>
+              </a:lnSpc>
+              <a:spcBef>
+                <a:spcPts val="0"/>
+              </a:spcBef>
+              <a:buFont typeface="Arial" panose="020B0604020202020204" pitchFamily="34" charset="0"/>
+              <a:buChar char="•"/>
+            </a:pPr>
+            <a:r>
+              <a:rPr lang="en-US" dirty="0"/>
+              <a:t>DPO achieves a </a:t>
+            </a:r>
+            <a:r>
+              <a:rPr lang="en-US" b="1" dirty="0"/>
+              <a:t>61% win rate </a:t>
+            </a:r>
+            <a:r>
+              <a:rPr lang="en-US" dirty="0"/>
+              <a:t>over human-written summaries (evaluated by GPT-4).</a:t>
+            </a:r>
+          </a:p>
+          <a:p>
+            <a:pPr lvl="1">
+              <a:lnSpc>
+                <a:spcPct val="125000"/>
+              </a:lnSpc>
+              <a:spcBef>
+                <a:spcPts val="0"/>
+              </a:spcBef>
+              <a:buFont typeface="Arial" panose="020B0604020202020204" pitchFamily="34" charset="0"/>
+              <a:buChar char="•"/>
+            </a:pPr>
+            <a:r>
+              <a:rPr lang="en-US" b="1" dirty="0"/>
+              <a:t>Performance is robust </a:t>
+            </a:r>
+            <a:r>
+              <a:rPr lang="en-US" dirty="0"/>
+              <a:t>across sampling temperatures, outperforming RLHF (57% win rate).</a:t>
+            </a:r>
+          </a:p>
+          <a:p>
+            <a:pPr marL="457200" lvl="1">
+              <a:spcBef>
+                <a:spcPts val="360"/>
+              </a:spcBef>
+              <a:buFont typeface="+mj-lt"/>
+              <a:buAutoNum type="arabicPeriod" startAt="3"/>
+            </a:pPr>
+            <a:r>
+              <a:rPr lang="en-US" dirty="0"/>
+              <a:t>Dialogue (Single-Turn Chat):</a:t>
+            </a:r>
+          </a:p>
+          <a:p>
+            <a:pPr lvl="1">
+              <a:lnSpc>
+                <a:spcPct val="125000"/>
+              </a:lnSpc>
+              <a:spcBef>
+                <a:spcPts val="0"/>
+              </a:spcBef>
+              <a:buFont typeface="Arial" panose="020B0604020202020204" pitchFamily="34" charset="0"/>
+              <a:buChar char="•"/>
+            </a:pPr>
+            <a:r>
+              <a:rPr lang="en-US" dirty="0"/>
+              <a:t>DPO </a:t>
+            </a:r>
+            <a:r>
+              <a:rPr lang="en-US" b="1" dirty="0"/>
+              <a:t>matches</a:t>
+            </a:r>
+            <a:r>
+              <a:rPr lang="en-US" dirty="0"/>
+              <a:t> or </a:t>
+            </a:r>
+            <a:r>
+              <a:rPr lang="en-US" b="1" dirty="0"/>
+              <a:t>outperforms</a:t>
+            </a:r>
+            <a:r>
+              <a:rPr lang="en-US" dirty="0"/>
+              <a:t> RLHF while avoiding computational overhead.</a:t>
+            </a:r>
+          </a:p>
+          <a:p>
+            <a:pPr lvl="1">
+              <a:lnSpc>
+                <a:spcPct val="125000"/>
+              </a:lnSpc>
+              <a:spcBef>
+                <a:spcPts val="0"/>
+              </a:spcBef>
+              <a:buFont typeface="Arial" panose="020B0604020202020204" pitchFamily="34" charset="0"/>
+              <a:buChar char="•"/>
+            </a:pPr>
+            <a:r>
+              <a:rPr lang="en-US" dirty="0"/>
+              <a:t>Win rates remain stable across evaluation scenarios.</a:t>
+            </a:r>
+          </a:p>
+          <a:p>
+            <a:pPr marL="114300" indent="0">
+              <a:buNone/>
+            </a:pPr>
+            <a:endParaRPr lang="en-US" dirty="0"/>
+          </a:p>
+        </p:txBody>
+      </p:sp>
+      <p:sp>
+        <p:nvSpPr>
+          <p:cNvPr id="4" name="Slide Number Placeholder 3">
+            <a:extLst>
+              <a:ext uri="{FF2B5EF4-FFF2-40B4-BE49-F238E27FC236}">
+                <a16:creationId xmlns:a16="http://schemas.microsoft.com/office/drawing/2014/main" id="{F4E86218-514B-C6DE-1363-BB04C14B7356}"/>
+              </a:ext>
+            </a:extLst>
+          </p:cNvPr>
+          <p:cNvSpPr>
+            <a:spLocks noGrp="1"/>
+          </p:cNvSpPr>
+          <p:nvPr>
+            <p:ph type="sldNum" idx="12"/>
+          </p:nvPr>
+        </p:nvSpPr>
+        <p:spPr/>
+        <p:txBody>
+          <a:bodyPr/>
+          <a:lstStyle/>
+          <a:p>
+            <a:pPr marL="0" lvl="0" indent="0" algn="r" rtl="0">
+              <a:spcBef>
+                <a:spcPts val="0"/>
+              </a:spcBef>
+              <a:spcAft>
+                <a:spcPts val="0"/>
+              </a:spcAft>
+              <a:buNone/>
+            </a:pPr>
+            <a:fld id="{00000000-1234-1234-1234-123412341234}" type="slidenum">
+              <a:rPr lang="en-US" smtClean="0"/>
+              <a:t>10</a:t>
+            </a:fld>
+            <a:endParaRPr lang="en-US"/>
+          </a:p>
+        </p:txBody>
+      </p:sp>
+    </p:spTree>
+    <p:extLst>
+      <p:ext uri="{BB962C8B-B14F-4D97-AF65-F5344CB8AC3E}">
+        <p14:creationId xmlns:p14="http://schemas.microsoft.com/office/powerpoint/2010/main" val="3467186745"/>
+      </p:ext>
+    </p:extLst>
+  </p:cSld>
+  <p:clrMapOvr>
+    <a:masterClrMapping/>
+  </p:clrMapOvr>
+</p:sld>
+</file>
+
+<file path=ppt/slides/slide11.xml><?xml version="1.0" encoding="utf-8"?>
+<p:sld xmlns:a="http://schemas.openxmlformats.org/drawingml/2006/main" xmlns:r="http://schemas.openxmlformats.org/officeDocument/2006/relationships" xmlns:p="http://schemas.openxmlformats.org/presentationml/2006/main">
+  <p:cSld>
+    <p:spTree>
+      <p:nvGrpSpPr>
+        <p:cNvPr id="1" name=""/>
+        <p:cNvGrpSpPr/>
+        <p:nvPr/>
+      </p:nvGrpSpPr>
+      <p:grpSpPr>
+        <a:xfrm>
+          <a:off x="0" y="0"/>
+          <a:ext cx="0" cy="0"/>
+          <a:chOff x="0" y="0"/>
+          <a:chExt cx="0" cy="0"/>
+        </a:xfrm>
+      </p:grpSpPr>
+      <p:sp>
+        <p:nvSpPr>
+          <p:cNvPr id="2" name="Title 1">
+            <a:extLst>
+              <a:ext uri="{FF2B5EF4-FFF2-40B4-BE49-F238E27FC236}">
+                <a16:creationId xmlns:a16="http://schemas.microsoft.com/office/drawing/2014/main" id="{189158C6-44F9-D482-6289-63C16042F561}"/>
+              </a:ext>
+            </a:extLst>
+          </p:cNvPr>
+          <p:cNvSpPr>
+            <a:spLocks noGrp="1"/>
+          </p:cNvSpPr>
+          <p:nvPr>
+            <p:ph type="title"/>
+          </p:nvPr>
+        </p:nvSpPr>
+        <p:spPr/>
+        <p:txBody>
+          <a:bodyPr>
+            <a:normAutofit fontScale="90000"/>
+          </a:bodyPr>
+          <a:lstStyle/>
+          <a:p>
+            <a:r>
+              <a:rPr lang="en-US" dirty="0"/>
+              <a:t>Disadvantages of DPO (from Paper)</a:t>
+            </a:r>
+          </a:p>
+        </p:txBody>
+      </p:sp>
+      <p:sp>
+        <p:nvSpPr>
+          <p:cNvPr id="3" name="Text Placeholder 2">
+            <a:extLst>
+              <a:ext uri="{FF2B5EF4-FFF2-40B4-BE49-F238E27FC236}">
+                <a16:creationId xmlns:a16="http://schemas.microsoft.com/office/drawing/2014/main" id="{3B053B90-EB62-8575-90CC-3ABDF9495637}"/>
+              </a:ext>
+            </a:extLst>
+          </p:cNvPr>
+          <p:cNvSpPr>
+            <a:spLocks noGrp="1"/>
+          </p:cNvSpPr>
+          <p:nvPr>
+            <p:ph type="body" idx="1"/>
+          </p:nvPr>
+        </p:nvSpPr>
+        <p:spPr/>
+        <p:txBody>
+          <a:bodyPr>
+            <a:normAutofit lnSpcReduction="10000"/>
+          </a:bodyPr>
+          <a:lstStyle/>
+          <a:p>
+            <a:pPr marL="457200" lvl="1">
+              <a:spcBef>
+                <a:spcPts val="360"/>
+              </a:spcBef>
+              <a:buFont typeface="+mj-lt"/>
+              <a:buAutoNum type="arabicPeriod"/>
+            </a:pPr>
+            <a:r>
+              <a:rPr lang="en-US" dirty="0"/>
+              <a:t>Limited Empirical Scaling:</a:t>
+            </a:r>
+          </a:p>
+          <a:p>
+            <a:pPr lvl="1">
+              <a:spcBef>
+                <a:spcPts val="0"/>
+              </a:spcBef>
+              <a:buFont typeface="Arial" panose="020B0604020202020204" pitchFamily="34" charset="0"/>
+              <a:buChar char="•"/>
+            </a:pPr>
+            <a:r>
+              <a:rPr lang="en-US" dirty="0"/>
+              <a:t>DPO has been tested on models up to </a:t>
+            </a:r>
+            <a:r>
+              <a:rPr lang="en-US" b="1" dirty="0"/>
+              <a:t>6B parameters</a:t>
+            </a:r>
+            <a:r>
+              <a:rPr lang="en-US" dirty="0"/>
+              <a:t>.</a:t>
+            </a:r>
+          </a:p>
+          <a:p>
+            <a:pPr lvl="1">
+              <a:spcBef>
+                <a:spcPts val="0"/>
+              </a:spcBef>
+              <a:buFont typeface="Arial" panose="020B0604020202020204" pitchFamily="34" charset="0"/>
+              <a:buChar char="•"/>
+            </a:pPr>
+            <a:r>
+              <a:rPr lang="en-US" dirty="0"/>
+              <a:t>Further experiments are needed to confirm its effectiveness on state-of-the-art models like GPT-4 or Gemini.</a:t>
+            </a:r>
+          </a:p>
+          <a:p>
+            <a:pPr marL="457200" lvl="1">
+              <a:spcBef>
+                <a:spcPts val="360"/>
+              </a:spcBef>
+              <a:buFont typeface="+mj-lt"/>
+              <a:buAutoNum type="arabicPeriod" startAt="2"/>
+            </a:pPr>
+            <a:r>
+              <a:rPr lang="en-US" dirty="0"/>
+              <a:t>Lack of Explicit Reward Modeling:</a:t>
+            </a:r>
+          </a:p>
+          <a:p>
+            <a:pPr lvl="1">
+              <a:lnSpc>
+                <a:spcPct val="125000"/>
+              </a:lnSpc>
+              <a:spcBef>
+                <a:spcPts val="0"/>
+              </a:spcBef>
+              <a:buFont typeface="Arial" panose="020B0604020202020204" pitchFamily="34" charset="0"/>
+              <a:buChar char="•"/>
+            </a:pPr>
+            <a:r>
+              <a:rPr lang="en-US" dirty="0"/>
+              <a:t>While DPO simplifies optimization by removing reward modeling, it may limit interpretability of the reward structure</a:t>
+            </a:r>
+          </a:p>
+          <a:p>
+            <a:pPr lvl="1">
+              <a:lnSpc>
+                <a:spcPct val="125000"/>
+              </a:lnSpc>
+              <a:spcBef>
+                <a:spcPts val="0"/>
+              </a:spcBef>
+              <a:buFont typeface="Arial" panose="020B0604020202020204" pitchFamily="34" charset="0"/>
+              <a:buChar char="•"/>
+            </a:pPr>
+            <a:r>
+              <a:rPr lang="en-US" dirty="0"/>
+              <a:t>Understanding </a:t>
+            </a:r>
+            <a:r>
+              <a:rPr lang="en-US" b="1" dirty="0"/>
+              <a:t>why</a:t>
+            </a:r>
+            <a:r>
+              <a:rPr lang="en-US" dirty="0"/>
+              <a:t> a model prefers certain outputs could be less clear</a:t>
+            </a:r>
+          </a:p>
+          <a:p>
+            <a:pPr marL="457200" lvl="1">
+              <a:spcBef>
+                <a:spcPts val="360"/>
+              </a:spcBef>
+              <a:buFont typeface="+mj-lt"/>
+              <a:buAutoNum type="arabicPeriod" startAt="3"/>
+            </a:pPr>
+            <a:r>
+              <a:rPr lang="en-US" dirty="0"/>
+              <a:t>Generalization Under Distribution Shifts</a:t>
+            </a:r>
+          </a:p>
+          <a:p>
+            <a:pPr lvl="1">
+              <a:lnSpc>
+                <a:spcPct val="125000"/>
+              </a:lnSpc>
+              <a:spcBef>
+                <a:spcPts val="0"/>
+              </a:spcBef>
+              <a:buFont typeface="Arial" panose="020B0604020202020204" pitchFamily="34" charset="0"/>
+              <a:buChar char="•"/>
+            </a:pPr>
+            <a:r>
+              <a:rPr lang="en-US" dirty="0"/>
+              <a:t>Initial results suggest DPO performs well on out-of-distribution tasks, but comprehensive testing is still required.</a:t>
+            </a:r>
+          </a:p>
+          <a:p>
+            <a:pPr lvl="1">
+              <a:lnSpc>
+                <a:spcPct val="125000"/>
+              </a:lnSpc>
+              <a:spcBef>
+                <a:spcPts val="0"/>
+              </a:spcBef>
+              <a:buFont typeface="Arial" panose="020B0604020202020204" pitchFamily="34" charset="0"/>
+              <a:buChar char="•"/>
+            </a:pPr>
+            <a:r>
+              <a:rPr lang="en-US" dirty="0"/>
+              <a:t>Potential vulnerabilities in </a:t>
+            </a:r>
+            <a:r>
+              <a:rPr lang="en-US" b="1" dirty="0"/>
+              <a:t>unseen input distributions </a:t>
+            </a:r>
+            <a:r>
+              <a:rPr lang="en-US" dirty="0"/>
+              <a:t>need further analysis.</a:t>
+            </a:r>
+          </a:p>
+          <a:p>
+            <a:endParaRPr lang="en-US" dirty="0"/>
+          </a:p>
+        </p:txBody>
+      </p:sp>
+      <p:sp>
+        <p:nvSpPr>
+          <p:cNvPr id="4" name="Slide Number Placeholder 3">
+            <a:extLst>
+              <a:ext uri="{FF2B5EF4-FFF2-40B4-BE49-F238E27FC236}">
+                <a16:creationId xmlns:a16="http://schemas.microsoft.com/office/drawing/2014/main" id="{C269F6A1-9412-4316-07F7-544537B38438}"/>
+              </a:ext>
+            </a:extLst>
+          </p:cNvPr>
+          <p:cNvSpPr>
+            <a:spLocks noGrp="1"/>
+          </p:cNvSpPr>
+          <p:nvPr>
+            <p:ph type="sldNum" idx="12"/>
+          </p:nvPr>
+        </p:nvSpPr>
+        <p:spPr/>
+        <p:txBody>
+          <a:bodyPr/>
+          <a:lstStyle/>
+          <a:p>
+            <a:pPr marL="0" lvl="0" indent="0" algn="r" rtl="0">
+              <a:spcBef>
+                <a:spcPts val="0"/>
+              </a:spcBef>
+              <a:spcAft>
+                <a:spcPts val="0"/>
+              </a:spcAft>
+              <a:buNone/>
+            </a:pPr>
+            <a:fld id="{00000000-1234-1234-1234-123412341234}" type="slidenum">
+              <a:rPr lang="en-US" smtClean="0"/>
+              <a:t>11</a:t>
+            </a:fld>
+            <a:endParaRPr lang="en-US"/>
+          </a:p>
+        </p:txBody>
+      </p:sp>
+    </p:spTree>
+    <p:extLst>
+      <p:ext uri="{BB962C8B-B14F-4D97-AF65-F5344CB8AC3E}">
+        <p14:creationId xmlns:p14="http://schemas.microsoft.com/office/powerpoint/2010/main" val="1035322704"/>
+      </p:ext>
+    </p:extLst>
+  </p:cSld>
+  <p:clrMapOvr>
+    <a:masterClrMapping/>
+  </p:clrMapOvr>
+</p:sld>
+</file>
+
+<file path=ppt/slides/slide12.xml><?xml version="1.0" encoding="utf-8"?>
+<p:sld xmlns:a="http://schemas.openxmlformats.org/drawingml/2006/main" xmlns:r="http://schemas.openxmlformats.org/officeDocument/2006/relationships" xmlns:p="http://schemas.openxmlformats.org/presentationml/2006/main">
+  <p:cSld>
+    <p:spTree>
+      <p:nvGrpSpPr>
+        <p:cNvPr id="1" name="">
+          <a:extLst>
+            <a:ext uri="{FF2B5EF4-FFF2-40B4-BE49-F238E27FC236}">
+              <a16:creationId xmlns:a16="http://schemas.microsoft.com/office/drawing/2014/main" id="{0E04461D-1F22-DB8E-F600-37961E234D94}"/>
+            </a:ext>
+          </a:extLst>
+        </p:cNvPr>
+        <p:cNvGrpSpPr/>
+        <p:nvPr/>
+      </p:nvGrpSpPr>
+      <p:grpSpPr>
+        <a:xfrm>
+          <a:off x="0" y="0"/>
+          <a:ext cx="0" cy="0"/>
+          <a:chOff x="0" y="0"/>
+          <a:chExt cx="0" cy="0"/>
+        </a:xfrm>
+      </p:grpSpPr>
+      <p:sp>
+        <p:nvSpPr>
+          <p:cNvPr id="2" name="Title 1">
+            <a:extLst>
+              <a:ext uri="{FF2B5EF4-FFF2-40B4-BE49-F238E27FC236}">
+                <a16:creationId xmlns:a16="http://schemas.microsoft.com/office/drawing/2014/main" id="{B69B95A9-B038-E17A-7237-AA75DA3C30E2}"/>
+              </a:ext>
+            </a:extLst>
+          </p:cNvPr>
+          <p:cNvSpPr>
+            <a:spLocks noGrp="1"/>
+          </p:cNvSpPr>
+          <p:nvPr>
+            <p:ph type="title"/>
+          </p:nvPr>
+        </p:nvSpPr>
+        <p:spPr/>
+        <p:txBody>
+          <a:bodyPr>
+            <a:normAutofit fontScale="90000"/>
+          </a:bodyPr>
+          <a:lstStyle/>
+          <a:p>
+            <a:r>
+              <a:rPr lang="en-US" dirty="0"/>
+              <a:t>Disadvantages of DPO (from me)</a:t>
+            </a:r>
+          </a:p>
+        </p:txBody>
+      </p:sp>
+      <mc:AlternateContent xmlns:mc="http://schemas.openxmlformats.org/markup-compatibility/2006" xmlns:a14="http://schemas.microsoft.com/office/drawing/2010/main">
+        <mc:Choice Requires="a14">
+          <p:sp>
+            <p:nvSpPr>
+              <p:cNvPr id="3" name="Text Placeholder 2">
+                <a:extLst>
+                  <a:ext uri="{FF2B5EF4-FFF2-40B4-BE49-F238E27FC236}">
+                    <a16:creationId xmlns:a16="http://schemas.microsoft.com/office/drawing/2014/main" id="{64B34179-42A0-4109-A03F-FE2F451A1C4E}"/>
+                  </a:ext>
+                </a:extLst>
+              </p:cNvPr>
+              <p:cNvSpPr>
+                <a:spLocks noGrp="1"/>
+              </p:cNvSpPr>
+              <p:nvPr>
+                <p:ph type="body" idx="1"/>
+              </p:nvPr>
+            </p:nvSpPr>
+            <p:spPr/>
+            <p:txBody>
+              <a:bodyPr>
+                <a:normAutofit/>
+              </a:bodyPr>
+              <a:lstStyle/>
+              <a:p>
+                <a:pPr marL="457200" lvl="1">
+                  <a:spcBef>
+                    <a:spcPts val="360"/>
+                  </a:spcBef>
+                  <a:buFont typeface="+mj-lt"/>
+                  <a:buAutoNum type="arabicPeriod"/>
+                </a:pPr>
+                <a:r>
+                  <a:rPr lang="en-US" dirty="0"/>
+                  <a:t>No Fine-Grained Reward Control:</a:t>
+                </a:r>
+              </a:p>
+              <a:p>
+                <a:pPr lvl="1">
+                  <a:spcBef>
+                    <a:spcPts val="0"/>
+                  </a:spcBef>
+                  <a:buFont typeface="Arial" panose="020B0604020202020204" pitchFamily="34" charset="0"/>
+                  <a:buChar char="•"/>
+                </a:pPr>
+                <a:r>
+                  <a:rPr lang="en-US" dirty="0"/>
+                  <a:t>DPO directly optimizes preferences but may lack the ability to fine-tune outputs for </a:t>
+                </a:r>
+                <a:r>
+                  <a:rPr lang="en-US" b="1" dirty="0"/>
+                  <a:t>complex multi-objective tasks </a:t>
+                </a:r>
+                <a:r>
+                  <a:rPr lang="en-US" dirty="0"/>
+                  <a:t>where granular reward control is essential.</a:t>
+                </a:r>
+              </a:p>
+              <a:p>
+                <a:pPr marL="457200" lvl="1">
+                  <a:spcBef>
+                    <a:spcPts val="360"/>
+                  </a:spcBef>
+                  <a:buFont typeface="+mj-lt"/>
+                  <a:buAutoNum type="arabicPeriod" startAt="2"/>
+                </a:pPr>
+                <a:r>
+                  <a:rPr lang="en-US" dirty="0"/>
+                  <a:t>Hyperparameter Sensitivity:</a:t>
+                </a:r>
+              </a:p>
+              <a:p>
+                <a:pPr lvl="1">
+                  <a:lnSpc>
+                    <a:spcPct val="125000"/>
+                  </a:lnSpc>
+                  <a:spcBef>
+                    <a:spcPts val="0"/>
+                  </a:spcBef>
+                  <a:buFont typeface="Arial" panose="020B0604020202020204" pitchFamily="34" charset="0"/>
+                  <a:buChar char="•"/>
+                </a:pPr>
+                <a:r>
+                  <a:rPr lang="en-US" dirty="0"/>
+                  <a:t>Although simpler than RLHF, DPO still relies on parameters like </a:t>
+                </a:r>
+                <a14:m>
+                  <m:oMath xmlns:m="http://schemas.openxmlformats.org/officeDocument/2006/math">
+                    <m:r>
+                      <a:rPr lang="en-US" i="1" smtClean="0">
+                        <a:latin typeface="Cambria Math" panose="02040503050406030204" pitchFamily="18" charset="0"/>
+                        <a:ea typeface="Cambria Math" panose="02040503050406030204" pitchFamily="18" charset="0"/>
+                      </a:rPr>
+                      <m:t>𝛽</m:t>
+                    </m:r>
+                  </m:oMath>
+                </a14:m>
+                <a:r>
+                  <a:rPr lang="en-US" dirty="0"/>
+                  <a:t> (KL divergence strength) that may require tuning for optimal results.</a:t>
+                </a:r>
+              </a:p>
+            </p:txBody>
+          </p:sp>
+        </mc:Choice>
+        <mc:Fallback xmlns="">
+          <p:sp>
+            <p:nvSpPr>
+              <p:cNvPr id="3" name="Text Placeholder 2">
+                <a:extLst>
+                  <a:ext uri="{FF2B5EF4-FFF2-40B4-BE49-F238E27FC236}">
+                    <a16:creationId xmlns:a16="http://schemas.microsoft.com/office/drawing/2014/main" id="{64B34179-42A0-4109-A03F-FE2F451A1C4E}"/>
+                  </a:ext>
+                </a:extLst>
+              </p:cNvPr>
+              <p:cNvSpPr>
+                <a:spLocks noGrp="1" noRot="1" noChangeAspect="1" noMove="1" noResize="1" noEditPoints="1" noAdjustHandles="1" noChangeArrowheads="1" noChangeShapeType="1" noTextEdit="1"/>
+              </p:cNvSpPr>
+              <p:nvPr>
+                <p:ph type="body" idx="1"/>
+              </p:nvPr>
+            </p:nvSpPr>
+            <p:spPr>
+              <a:blipFill>
+                <a:blip r:embed="rId2"/>
+                <a:stretch>
+                  <a:fillRect/>
+                </a:stretch>
+              </a:blipFill>
+            </p:spPr>
+            <p:txBody>
+              <a:bodyPr/>
+              <a:lstStyle/>
+              <a:p>
+                <a:r>
+                  <a:rPr lang="en-US">
+                    <a:noFill/>
+                  </a:rPr>
+                  <a:t> </a:t>
+                </a:r>
+              </a:p>
+            </p:txBody>
+          </p:sp>
+        </mc:Fallback>
+      </mc:AlternateContent>
+      <p:sp>
+        <p:nvSpPr>
+          <p:cNvPr id="4" name="Slide Number Placeholder 3">
+            <a:extLst>
+              <a:ext uri="{FF2B5EF4-FFF2-40B4-BE49-F238E27FC236}">
+                <a16:creationId xmlns:a16="http://schemas.microsoft.com/office/drawing/2014/main" id="{D61C8245-BE27-9C71-6E95-D52F4BB612C6}"/>
+              </a:ext>
+            </a:extLst>
+          </p:cNvPr>
+          <p:cNvSpPr>
+            <a:spLocks noGrp="1"/>
+          </p:cNvSpPr>
+          <p:nvPr>
+            <p:ph type="sldNum" idx="12"/>
+          </p:nvPr>
+        </p:nvSpPr>
+        <p:spPr/>
+        <p:txBody>
+          <a:bodyPr/>
+          <a:lstStyle/>
+          <a:p>
+            <a:pPr marL="0" lvl="0" indent="0" algn="r" rtl="0">
+              <a:spcBef>
+                <a:spcPts val="0"/>
+              </a:spcBef>
+              <a:spcAft>
+                <a:spcPts val="0"/>
+              </a:spcAft>
+              <a:buNone/>
+            </a:pPr>
+            <a:fld id="{00000000-1234-1234-1234-123412341234}" type="slidenum">
+              <a:rPr lang="en-US" smtClean="0"/>
+              <a:t>12</a:t>
+            </a:fld>
+            <a:endParaRPr lang="en-US"/>
+          </a:p>
+        </p:txBody>
+      </p:sp>
+    </p:spTree>
+    <p:extLst>
+      <p:ext uri="{BB962C8B-B14F-4D97-AF65-F5344CB8AC3E}">
+        <p14:creationId xmlns:p14="http://schemas.microsoft.com/office/powerpoint/2010/main" val="2429833226"/>
+      </p:ext>
+    </p:extLst>
+  </p:cSld>
+  <p:clrMapOvr>
+    <a:masterClrMapping/>
+  </p:clrMapOvr>
+</p:sld>
+</file>
+
+<file path=ppt/slides/slide13.xml><?xml version="1.0" encoding="utf-8"?>
+<p:sld xmlns:a="http://schemas.openxmlformats.org/drawingml/2006/main" xmlns:r="http://schemas.openxmlformats.org/officeDocument/2006/relationships" xmlns:p="http://schemas.openxmlformats.org/presentationml/2006/main">
+  <p:cSld>
+    <p:spTree>
+      <p:nvGrpSpPr>
+        <p:cNvPr id="1" name="Shape 362"/>
+        <p:cNvGrpSpPr/>
+        <p:nvPr/>
+      </p:nvGrpSpPr>
+      <p:grpSpPr>
+        <a:xfrm>
+          <a:off x="0" y="0"/>
+          <a:ext cx="0" cy="0"/>
+          <a:chOff x="0" y="0"/>
+          <a:chExt cx="0" cy="0"/>
+        </a:xfrm>
+      </p:grpSpPr>
+      <p:sp>
+        <p:nvSpPr>
+          <p:cNvPr id="363" name="Google Shape;363;p61"/>
+          <p:cNvSpPr txBox="1">
+            <a:spLocks noGrp="1"/>
+          </p:cNvSpPr>
+          <p:nvPr>
+            <p:ph type="title"/>
+          </p:nvPr>
+        </p:nvSpPr>
+        <p:spPr>
+          <a:xfrm>
+            <a:off x="457200" y="205979"/>
+            <a:ext cx="8229600" cy="857400"/>
+          </a:xfrm>
+          <a:prstGeom prst="rect">
+            <a:avLst/>
+          </a:prstGeom>
+        </p:spPr>
+        <p:txBody>
+          <a:bodyPr spcFirstLastPara="1" wrap="square" lIns="91425" tIns="45700" rIns="91425" bIns="45700" anchor="ctr" anchorCtr="0">
+            <a:normAutofit/>
+          </a:bodyPr>
+          <a:lstStyle/>
+          <a:p>
+            <a:pPr marL="0" lvl="0" indent="0" algn="ctr" rtl="0">
+              <a:spcBef>
+                <a:spcPts val="0"/>
+              </a:spcBef>
+              <a:spcAft>
+                <a:spcPts val="0"/>
+              </a:spcAft>
+              <a:buNone/>
+            </a:pPr>
+            <a:r>
+              <a:rPr lang="en-US"/>
+              <a:t>Summary</a:t>
+            </a:r>
+            <a:endParaRPr/>
+          </a:p>
+        </p:txBody>
+      </p:sp>
+      <p:sp>
+        <p:nvSpPr>
+          <p:cNvPr id="364" name="Google Shape;364;p61"/>
+          <p:cNvSpPr txBox="1">
+            <a:spLocks noGrp="1"/>
+          </p:cNvSpPr>
+          <p:nvPr>
+            <p:ph type="body" idx="1"/>
+          </p:nvPr>
+        </p:nvSpPr>
+        <p:spPr>
+          <a:xfrm>
+            <a:off x="457200" y="1200151"/>
+            <a:ext cx="8229600" cy="3394500"/>
+          </a:xfrm>
+          <a:prstGeom prst="rect">
+            <a:avLst/>
+          </a:prstGeom>
+        </p:spPr>
+        <p:txBody>
+          <a:bodyPr spcFirstLastPara="1" wrap="square" lIns="91425" tIns="45700" rIns="91425" bIns="45700" anchor="t" anchorCtr="0">
+            <a:normAutofit fontScale="92500" lnSpcReduction="10000"/>
+          </a:bodyPr>
+          <a:lstStyle/>
+          <a:p>
+            <a:pPr marL="285750" indent="-285750"/>
+            <a:r>
+              <a:rPr lang="de-DE" dirty="0"/>
+              <a:t>The Problem:</a:t>
+            </a:r>
+          </a:p>
+          <a:p>
+            <a:pPr marL="742950" lvl="1" indent="-285750"/>
+            <a:r>
+              <a:rPr lang="de-DE" dirty="0"/>
+              <a:t>RLHF </a:t>
+            </a:r>
+            <a:r>
+              <a:rPr lang="de-DE" dirty="0" err="1"/>
+              <a:t>is</a:t>
+            </a:r>
+            <a:r>
+              <a:rPr lang="de-DE" dirty="0"/>
+              <a:t> </a:t>
+            </a:r>
+            <a:r>
+              <a:rPr lang="de-DE" b="1" dirty="0" err="1"/>
+              <a:t>complex</a:t>
+            </a:r>
+            <a:r>
+              <a:rPr lang="de-DE" dirty="0"/>
+              <a:t>, </a:t>
+            </a:r>
+            <a:r>
+              <a:rPr lang="de-DE" b="1" dirty="0" err="1"/>
+              <a:t>unstable</a:t>
+            </a:r>
+            <a:r>
+              <a:rPr lang="de-DE" dirty="0"/>
+              <a:t>, and </a:t>
+            </a:r>
+            <a:r>
+              <a:rPr lang="de-DE" b="1" dirty="0" err="1"/>
+              <a:t>computationally</a:t>
+            </a:r>
+            <a:r>
+              <a:rPr lang="de-DE" b="1" dirty="0"/>
+              <a:t> </a:t>
+            </a:r>
+            <a:r>
+              <a:rPr lang="de-DE" b="1" dirty="0" err="1"/>
+              <a:t>costly</a:t>
+            </a:r>
+            <a:r>
+              <a:rPr lang="de-DE" dirty="0"/>
+              <a:t>. </a:t>
+            </a:r>
+          </a:p>
+          <a:p>
+            <a:pPr marL="285750" indent="-285750"/>
+            <a:r>
+              <a:rPr lang="de-DE" dirty="0"/>
+              <a:t>The Solution:</a:t>
+            </a:r>
+          </a:p>
+          <a:p>
+            <a:pPr marL="742950" lvl="1" indent="-285750"/>
+            <a:r>
+              <a:rPr lang="de-DE" dirty="0"/>
+              <a:t>DPO (</a:t>
+            </a:r>
+            <a:r>
+              <a:rPr lang="de-DE" dirty="0" err="1"/>
+              <a:t>Direct</a:t>
+            </a:r>
+            <a:r>
+              <a:rPr lang="de-DE" dirty="0"/>
+              <a:t> Preference </a:t>
+            </a:r>
+            <a:r>
+              <a:rPr lang="de-DE" dirty="0" err="1"/>
+              <a:t>Optimization</a:t>
+            </a:r>
+            <a:r>
+              <a:rPr lang="de-DE" dirty="0"/>
+              <a:t>) </a:t>
+            </a:r>
+            <a:r>
+              <a:rPr lang="de-DE" dirty="0" err="1"/>
+              <a:t>simplifies</a:t>
+            </a:r>
+            <a:r>
+              <a:rPr lang="de-DE" dirty="0"/>
+              <a:t> </a:t>
+            </a:r>
+            <a:r>
+              <a:rPr lang="de-DE" dirty="0" err="1"/>
+              <a:t>alignment</a:t>
+            </a:r>
+            <a:r>
+              <a:rPr lang="de-DE" dirty="0"/>
+              <a:t> </a:t>
+            </a:r>
+            <a:r>
+              <a:rPr lang="de-DE" dirty="0" err="1"/>
+              <a:t>with</a:t>
+            </a:r>
+            <a:r>
+              <a:rPr lang="de-DE" dirty="0"/>
+              <a:t> </a:t>
+            </a:r>
+            <a:r>
+              <a:rPr lang="de-DE" b="1" dirty="0" err="1"/>
+              <a:t>no</a:t>
+            </a:r>
+            <a:r>
+              <a:rPr lang="de-DE" b="1" dirty="0"/>
+              <a:t> RL </a:t>
+            </a:r>
+            <a:r>
+              <a:rPr lang="de-DE" dirty="0" err="1"/>
+              <a:t>or</a:t>
+            </a:r>
+            <a:r>
+              <a:rPr lang="de-DE" dirty="0"/>
+              <a:t> </a:t>
+            </a:r>
+            <a:r>
+              <a:rPr lang="de-DE" b="1" dirty="0" err="1"/>
+              <a:t>reward</a:t>
+            </a:r>
+            <a:r>
+              <a:rPr lang="de-DE" b="1" dirty="0"/>
+              <a:t> </a:t>
+            </a:r>
+            <a:r>
+              <a:rPr lang="de-DE" b="1" dirty="0" err="1"/>
+              <a:t>modeling</a:t>
+            </a:r>
+            <a:r>
+              <a:rPr lang="de-DE" b="1" dirty="0"/>
+              <a:t> </a:t>
+            </a:r>
+            <a:r>
+              <a:rPr lang="de-DE" dirty="0"/>
+              <a:t>and </a:t>
+            </a:r>
+            <a:r>
+              <a:rPr lang="de-DE" b="1" dirty="0" err="1"/>
+              <a:t>lower</a:t>
+            </a:r>
+            <a:r>
+              <a:rPr lang="de-DE" b="1" dirty="0"/>
+              <a:t> </a:t>
+            </a:r>
+            <a:r>
+              <a:rPr lang="de-DE" b="1" dirty="0" err="1"/>
+              <a:t>cost</a:t>
+            </a:r>
+            <a:r>
+              <a:rPr lang="de-DE" b="1" dirty="0"/>
+              <a:t> </a:t>
+            </a:r>
+            <a:r>
+              <a:rPr lang="de-DE" dirty="0"/>
+              <a:t>and </a:t>
+            </a:r>
+            <a:r>
+              <a:rPr lang="de-DE" b="1" dirty="0" err="1"/>
+              <a:t>improved</a:t>
+            </a:r>
+            <a:r>
+              <a:rPr lang="de-DE" b="1" dirty="0"/>
+              <a:t> </a:t>
+            </a:r>
+            <a:r>
+              <a:rPr lang="de-DE" b="1" dirty="0" err="1"/>
+              <a:t>sta</a:t>
+            </a:r>
+            <a:r>
+              <a:rPr lang="de-DE" dirty="0" err="1"/>
+              <a:t>bility</a:t>
+            </a:r>
+            <a:r>
+              <a:rPr lang="de-DE" dirty="0"/>
+              <a:t>.</a:t>
+            </a:r>
+          </a:p>
+          <a:p>
+            <a:pPr marL="285750" indent="-285750"/>
+            <a:r>
+              <a:rPr lang="de-DE" dirty="0"/>
+              <a:t>Key </a:t>
+            </a:r>
+            <a:r>
+              <a:rPr lang="de-DE" dirty="0" err="1"/>
+              <a:t>Results</a:t>
+            </a:r>
+            <a:r>
+              <a:rPr lang="de-DE" dirty="0"/>
+              <a:t>:</a:t>
+            </a:r>
+          </a:p>
+          <a:p>
+            <a:pPr marL="742950" lvl="1" indent="-285750"/>
+            <a:r>
+              <a:rPr lang="de-DE" dirty="0" err="1"/>
+              <a:t>Comparable</a:t>
+            </a:r>
+            <a:r>
+              <a:rPr lang="de-DE" dirty="0"/>
+              <a:t> </a:t>
+            </a:r>
+            <a:r>
+              <a:rPr lang="de-DE" dirty="0" err="1"/>
+              <a:t>or</a:t>
+            </a:r>
+            <a:r>
+              <a:rPr lang="de-DE" dirty="0"/>
+              <a:t> </a:t>
+            </a:r>
+            <a:r>
+              <a:rPr lang="de-DE" dirty="0" err="1"/>
+              <a:t>better</a:t>
+            </a:r>
+            <a:r>
+              <a:rPr lang="de-DE" dirty="0"/>
+              <a:t> </a:t>
+            </a:r>
+            <a:r>
+              <a:rPr lang="de-DE" dirty="0" err="1"/>
+              <a:t>performance</a:t>
+            </a:r>
+            <a:r>
+              <a:rPr lang="de-DE" dirty="0"/>
+              <a:t> </a:t>
+            </a:r>
+            <a:r>
+              <a:rPr lang="de-DE" dirty="0" err="1"/>
+              <a:t>than</a:t>
+            </a:r>
+            <a:r>
+              <a:rPr lang="de-DE" dirty="0"/>
+              <a:t> RLHF.</a:t>
+            </a:r>
+          </a:p>
+          <a:p>
+            <a:pPr marL="742950" lvl="1" indent="-285750"/>
+            <a:r>
+              <a:rPr lang="de-DE" dirty="0"/>
+              <a:t>Higher </a:t>
+            </a:r>
+            <a:r>
+              <a:rPr lang="de-DE" b="1" dirty="0" err="1"/>
+              <a:t>win</a:t>
+            </a:r>
+            <a:r>
+              <a:rPr lang="de-DE" b="1" dirty="0"/>
+              <a:t> </a:t>
+            </a:r>
+            <a:r>
+              <a:rPr lang="de-DE" b="1" dirty="0" err="1"/>
+              <a:t>wates</a:t>
+            </a:r>
+            <a:r>
+              <a:rPr lang="de-DE" b="1" dirty="0"/>
+              <a:t> </a:t>
+            </a:r>
+            <a:r>
+              <a:rPr lang="de-DE" dirty="0"/>
+              <a:t>and </a:t>
+            </a:r>
+            <a:r>
+              <a:rPr lang="de-DE" dirty="0" err="1"/>
+              <a:t>lower</a:t>
+            </a:r>
+            <a:r>
+              <a:rPr lang="de-DE" dirty="0"/>
+              <a:t> </a:t>
+            </a:r>
+            <a:r>
+              <a:rPr lang="de-DE" b="1" dirty="0"/>
+              <a:t>KL </a:t>
+            </a:r>
+            <a:r>
+              <a:rPr lang="de-DE" b="1" dirty="0" err="1"/>
+              <a:t>divergence</a:t>
+            </a:r>
+            <a:r>
+              <a:rPr lang="de-DE" dirty="0"/>
+              <a:t>.</a:t>
+            </a:r>
+          </a:p>
+          <a:p>
+            <a:pPr marL="285750" indent="-285750"/>
+            <a:r>
+              <a:rPr lang="de-DE" dirty="0"/>
+              <a:t>Takeaway:</a:t>
+            </a:r>
+          </a:p>
+          <a:p>
+            <a:pPr marL="742950" lvl="1" indent="-285750"/>
+            <a:r>
+              <a:rPr lang="de-DE" dirty="0"/>
+              <a:t>DPO: a </a:t>
+            </a:r>
+            <a:r>
+              <a:rPr lang="de-DE" b="1" dirty="0"/>
+              <a:t>simpler</a:t>
+            </a:r>
+            <a:r>
+              <a:rPr lang="de-DE" dirty="0"/>
+              <a:t>, </a:t>
+            </a:r>
+            <a:r>
+              <a:rPr lang="de-DE" b="1" dirty="0" err="1"/>
+              <a:t>stable</a:t>
+            </a:r>
+            <a:r>
+              <a:rPr lang="de-DE" dirty="0"/>
+              <a:t>, and </a:t>
+            </a:r>
+            <a:r>
+              <a:rPr lang="de-DE" b="1" dirty="0" err="1"/>
+              <a:t>cost-efficient</a:t>
+            </a:r>
+            <a:r>
+              <a:rPr lang="de-DE" dirty="0"/>
+              <a:t> alternative </a:t>
+            </a:r>
+            <a:r>
+              <a:rPr lang="de-DE" dirty="0" err="1"/>
+              <a:t>to</a:t>
+            </a:r>
+            <a:r>
+              <a:rPr lang="de-DE" dirty="0"/>
+              <a:t> RLHF.</a:t>
+            </a:r>
+          </a:p>
+        </p:txBody>
+      </p:sp>
+      <p:sp>
+        <p:nvSpPr>
+          <p:cNvPr id="365" name="Google Shape;365;p61"/>
+          <p:cNvSpPr txBox="1">
+            <a:spLocks noGrp="1"/>
+          </p:cNvSpPr>
+          <p:nvPr>
+            <p:ph type="sldNum" idx="12"/>
+          </p:nvPr>
+        </p:nvSpPr>
+        <p:spPr>
+          <a:xfrm>
+            <a:off x="6553200" y="4767264"/>
+            <a:ext cx="2133600" cy="273900"/>
+          </a:xfrm>
+          <a:prstGeom prst="rect">
+            <a:avLst/>
+          </a:prstGeom>
+        </p:spPr>
+        <p:txBody>
+          <a:bodyPr spcFirstLastPara="1" wrap="square" lIns="91425" tIns="45700" rIns="91425" bIns="45700" anchor="ctr" anchorCtr="0">
+            <a:normAutofit/>
+          </a:bodyPr>
+          <a:lstStyle/>
+          <a:p>
+            <a:pPr marL="0" lvl="0" indent="0" algn="r" rtl="0">
+              <a:spcBef>
+                <a:spcPts val="0"/>
+              </a:spcBef>
+              <a:spcAft>
+                <a:spcPts val="0"/>
+              </a:spcAft>
+              <a:buNone/>
+            </a:pPr>
+            <a:fld id="{00000000-1234-1234-1234-123412341234}" type="slidenum">
+              <a:rPr lang="en-US"/>
+              <a:t>13</a:t>
+            </a:fld>
+            <a:endParaRPr/>
+          </a:p>
+        </p:txBody>
+      </p:sp>
+    </p:spTree>
+  </p:cSld>
+  <p:clrMapOvr>
+    <a:masterClrMapping/>
+  </p:clrMapOvr>
+</p:sld>
+</file>
+
+<file path=ppt/slides/slide14.xml><?xml version="1.0" encoding="utf-8"?>
+<p:sld xmlns:a="http://schemas.openxmlformats.org/drawingml/2006/main" xmlns:r="http://schemas.openxmlformats.org/officeDocument/2006/relationships" xmlns:p="http://schemas.openxmlformats.org/presentationml/2006/main">
+  <p:cSld>
+    <p:spTree>
+      <p:nvGrpSpPr>
         <p:cNvPr id="1" name="Shape 370"/>
         <p:cNvGrpSpPr/>
         <p:nvPr/>
@@ -37807,7 +38970,7 @@
             </a:pPr>
             <a:fld id="{00000000-1234-1234-1234-123412341234}" type="slidenum">
               <a:rPr lang="en-US"/>
-              <a:t>10</a:t>
+              <a:t>14</a:t>
             </a:fld>
             <a:endParaRPr/>
           </a:p>
@@ -37821,7 +38984,631 @@
 </p:sld>
 </file>
 
+<file path=ppt/slides/slide15.xml><?xml version="1.0" encoding="utf-8"?>
+<p:sld xmlns:a="http://schemas.openxmlformats.org/drawingml/2006/main" xmlns:r="http://schemas.openxmlformats.org/officeDocument/2006/relationships" xmlns:p="http://schemas.openxmlformats.org/presentationml/2006/main">
+  <p:cSld>
+    <p:spTree>
+      <p:nvGrpSpPr>
+        <p:cNvPr id="1" name=""/>
+        <p:cNvGrpSpPr/>
+        <p:nvPr/>
+      </p:nvGrpSpPr>
+      <p:grpSpPr>
+        <a:xfrm>
+          <a:off x="0" y="0"/>
+          <a:ext cx="0" cy="0"/>
+          <a:chOff x="0" y="0"/>
+          <a:chExt cx="0" cy="0"/>
+        </a:xfrm>
+      </p:grpSpPr>
+      <p:sp>
+        <p:nvSpPr>
+          <p:cNvPr id="2" name="Title 1">
+            <a:extLst>
+              <a:ext uri="{FF2B5EF4-FFF2-40B4-BE49-F238E27FC236}">
+                <a16:creationId xmlns:a16="http://schemas.microsoft.com/office/drawing/2014/main" id="{9AD2137E-1BEC-C6BF-3A40-4D713F907B5F}"/>
+              </a:ext>
+            </a:extLst>
+          </p:cNvPr>
+          <p:cNvSpPr>
+            <a:spLocks noGrp="1"/>
+          </p:cNvSpPr>
+          <p:nvPr>
+            <p:ph type="title"/>
+          </p:nvPr>
+        </p:nvSpPr>
+        <p:spPr>
+          <a:xfrm>
+            <a:off x="457200" y="2143050"/>
+            <a:ext cx="8229600" cy="857400"/>
+          </a:xfrm>
+        </p:spPr>
+        <p:txBody>
+          <a:bodyPr/>
+          <a:lstStyle/>
+          <a:p>
+            <a:r>
+              <a:rPr lang="en-US" dirty="0"/>
+              <a:t>Backup</a:t>
+            </a:r>
+          </a:p>
+        </p:txBody>
+      </p:sp>
+      <p:sp>
+        <p:nvSpPr>
+          <p:cNvPr id="4" name="Slide Number Placeholder 3">
+            <a:extLst>
+              <a:ext uri="{FF2B5EF4-FFF2-40B4-BE49-F238E27FC236}">
+                <a16:creationId xmlns:a16="http://schemas.microsoft.com/office/drawing/2014/main" id="{60366F67-5228-208F-1957-4422D212D3FC}"/>
+              </a:ext>
+            </a:extLst>
+          </p:cNvPr>
+          <p:cNvSpPr>
+            <a:spLocks noGrp="1"/>
+          </p:cNvSpPr>
+          <p:nvPr>
+            <p:ph type="sldNum" idx="12"/>
+          </p:nvPr>
+        </p:nvSpPr>
+        <p:spPr/>
+        <p:txBody>
+          <a:bodyPr/>
+          <a:lstStyle/>
+          <a:p>
+            <a:pPr marL="0" lvl="0" indent="0" algn="r" rtl="0">
+              <a:spcBef>
+                <a:spcPts val="0"/>
+              </a:spcBef>
+              <a:spcAft>
+                <a:spcPts val="0"/>
+              </a:spcAft>
+              <a:buNone/>
+            </a:pPr>
+            <a:fld id="{00000000-1234-1234-1234-123412341234}" type="slidenum">
+              <a:rPr lang="en-US" smtClean="0"/>
+              <a:t>15</a:t>
+            </a:fld>
+            <a:endParaRPr lang="en-US"/>
+          </a:p>
+        </p:txBody>
+      </p:sp>
+    </p:spTree>
+    <p:extLst>
+      <p:ext uri="{BB962C8B-B14F-4D97-AF65-F5344CB8AC3E}">
+        <p14:creationId xmlns:p14="http://schemas.microsoft.com/office/powerpoint/2010/main" val="1861860746"/>
+      </p:ext>
+    </p:extLst>
+  </p:cSld>
+  <p:clrMapOvr>
+    <a:masterClrMapping/>
+  </p:clrMapOvr>
+</p:sld>
+</file>
+
+<file path=ppt/slides/slide16.xml><?xml version="1.0" encoding="utf-8"?>
+<p:sld xmlns:a="http://schemas.openxmlformats.org/drawingml/2006/main" xmlns:r="http://schemas.openxmlformats.org/officeDocument/2006/relationships" xmlns:p="http://schemas.openxmlformats.org/presentationml/2006/main">
+  <p:cSld>
+    <p:spTree>
+      <p:nvGrpSpPr>
+        <p:cNvPr id="1" name=""/>
+        <p:cNvGrpSpPr/>
+        <p:nvPr/>
+      </p:nvGrpSpPr>
+      <p:grpSpPr>
+        <a:xfrm>
+          <a:off x="0" y="0"/>
+          <a:ext cx="0" cy="0"/>
+          <a:chOff x="0" y="0"/>
+          <a:chExt cx="0" cy="0"/>
+        </a:xfrm>
+      </p:grpSpPr>
+      <p:sp>
+        <p:nvSpPr>
+          <p:cNvPr id="2" name="Title 1">
+            <a:extLst>
+              <a:ext uri="{FF2B5EF4-FFF2-40B4-BE49-F238E27FC236}">
+                <a16:creationId xmlns:a16="http://schemas.microsoft.com/office/drawing/2014/main" id="{457212D0-6C7F-2160-1894-18245F5DA75D}"/>
+              </a:ext>
+            </a:extLst>
+          </p:cNvPr>
+          <p:cNvSpPr>
+            <a:spLocks noGrp="1"/>
+          </p:cNvSpPr>
+          <p:nvPr>
+            <p:ph type="title"/>
+          </p:nvPr>
+        </p:nvSpPr>
+        <p:spPr/>
+        <p:txBody>
+          <a:bodyPr/>
+          <a:lstStyle/>
+          <a:p>
+            <a:r>
+              <a:rPr lang="en-US"/>
+              <a:t>Todo</a:t>
+            </a:r>
+          </a:p>
+        </p:txBody>
+      </p:sp>
+      <p:sp>
+        <p:nvSpPr>
+          <p:cNvPr id="3" name="Text Placeholder 2">
+            <a:extLst>
+              <a:ext uri="{FF2B5EF4-FFF2-40B4-BE49-F238E27FC236}">
+                <a16:creationId xmlns:a16="http://schemas.microsoft.com/office/drawing/2014/main" id="{BF649786-F573-04F9-DAA6-2FDD989DF251}"/>
+              </a:ext>
+            </a:extLst>
+          </p:cNvPr>
+          <p:cNvSpPr>
+            <a:spLocks noGrp="1"/>
+          </p:cNvSpPr>
+          <p:nvPr>
+            <p:ph type="body" idx="1"/>
+          </p:nvPr>
+        </p:nvSpPr>
+        <p:spPr/>
+        <p:txBody>
+          <a:bodyPr/>
+          <a:lstStyle/>
+          <a:p>
+            <a:endParaRPr lang="en-US"/>
+          </a:p>
+        </p:txBody>
+      </p:sp>
+      <p:sp>
+        <p:nvSpPr>
+          <p:cNvPr id="4" name="Slide Number Placeholder 3">
+            <a:extLst>
+              <a:ext uri="{FF2B5EF4-FFF2-40B4-BE49-F238E27FC236}">
+                <a16:creationId xmlns:a16="http://schemas.microsoft.com/office/drawing/2014/main" id="{50B23E8E-E858-3AA0-F422-F24FA36149E7}"/>
+              </a:ext>
+            </a:extLst>
+          </p:cNvPr>
+          <p:cNvSpPr>
+            <a:spLocks noGrp="1"/>
+          </p:cNvSpPr>
+          <p:nvPr>
+            <p:ph type="sldNum" idx="12"/>
+          </p:nvPr>
+        </p:nvSpPr>
+        <p:spPr/>
+        <p:txBody>
+          <a:bodyPr/>
+          <a:lstStyle/>
+          <a:p>
+            <a:pPr marL="0" lvl="0" indent="0" algn="r" rtl="0">
+              <a:spcBef>
+                <a:spcPts val="0"/>
+              </a:spcBef>
+              <a:spcAft>
+                <a:spcPts val="0"/>
+              </a:spcAft>
+              <a:buNone/>
+            </a:pPr>
+            <a:fld id="{00000000-1234-1234-1234-123412341234}" type="slidenum">
+              <a:rPr lang="en-US" smtClean="0"/>
+              <a:t>16</a:t>
+            </a:fld>
+            <a:endParaRPr lang="en-US"/>
+          </a:p>
+        </p:txBody>
+      </p:sp>
+    </p:spTree>
+    <p:extLst>
+      <p:ext uri="{BB962C8B-B14F-4D97-AF65-F5344CB8AC3E}">
+        <p14:creationId xmlns:p14="http://schemas.microsoft.com/office/powerpoint/2010/main" val="1411808308"/>
+      </p:ext>
+    </p:extLst>
+  </p:cSld>
+  <p:clrMapOvr>
+    <a:masterClrMapping/>
+  </p:clrMapOvr>
+</p:sld>
+</file>
+
 <file path=ppt/slides/slide2.xml><?xml version="1.0" encoding="utf-8"?>
+<p:sld xmlns:a="http://schemas.openxmlformats.org/drawingml/2006/main" xmlns:r="http://schemas.openxmlformats.org/officeDocument/2006/relationships" xmlns:p="http://schemas.openxmlformats.org/presentationml/2006/main">
+  <p:cSld>
+    <p:spTree>
+      <p:nvGrpSpPr>
+        <p:cNvPr id="1" name=""/>
+        <p:cNvGrpSpPr/>
+        <p:nvPr/>
+      </p:nvGrpSpPr>
+      <p:grpSpPr>
+        <a:xfrm>
+          <a:off x="0" y="0"/>
+          <a:ext cx="0" cy="0"/>
+          <a:chOff x="0" y="0"/>
+          <a:chExt cx="0" cy="0"/>
+        </a:xfrm>
+      </p:grpSpPr>
+      <p:sp>
+        <p:nvSpPr>
+          <p:cNvPr id="2" name="Title 1">
+            <a:extLst>
+              <a:ext uri="{FF2B5EF4-FFF2-40B4-BE49-F238E27FC236}">
+                <a16:creationId xmlns:a16="http://schemas.microsoft.com/office/drawing/2014/main" id="{957DC378-CC76-3888-58FC-2FFDAE5476F1}"/>
+              </a:ext>
+            </a:extLst>
+          </p:cNvPr>
+          <p:cNvSpPr>
+            <a:spLocks noGrp="1"/>
+          </p:cNvSpPr>
+          <p:nvPr>
+            <p:ph type="title"/>
+          </p:nvPr>
+        </p:nvSpPr>
+        <p:spPr/>
+        <p:txBody>
+          <a:bodyPr/>
+          <a:lstStyle/>
+          <a:p>
+            <a:r>
+              <a:rPr lang="en-US" dirty="0"/>
+              <a:t>The impact and Cost of Leading AI Models</a:t>
+            </a:r>
+          </a:p>
+        </p:txBody>
+      </p:sp>
+      <p:sp>
+        <p:nvSpPr>
+          <p:cNvPr id="3" name="Text Placeholder 2">
+            <a:extLst>
+              <a:ext uri="{FF2B5EF4-FFF2-40B4-BE49-F238E27FC236}">
+                <a16:creationId xmlns:a16="http://schemas.microsoft.com/office/drawing/2014/main" id="{65C60476-31BF-EA1A-BC5B-8739ACCB4AE8}"/>
+              </a:ext>
+            </a:extLst>
+          </p:cNvPr>
+          <p:cNvSpPr>
+            <a:spLocks noGrp="1"/>
+          </p:cNvSpPr>
+          <p:nvPr>
+            <p:ph type="body" idx="1"/>
+          </p:nvPr>
+        </p:nvSpPr>
+        <p:spPr>
+          <a:xfrm>
+            <a:off x="353700" y="1090507"/>
+            <a:ext cx="8168250" cy="2753906"/>
+          </a:xfrm>
+        </p:spPr>
+        <p:txBody>
+          <a:bodyPr/>
+          <a:lstStyle/>
+          <a:p>
+            <a:pPr marL="114300" indent="0">
+              <a:buNone/>
+            </a:pPr>
+            <a:r>
+              <a:rPr lang="en-US" dirty="0"/>
+              <a:t>OpenAI’s ChatGPT and Google’s Gemini are revolutionizing the world. Goldman Sachs projects Generative AI could boost global GDP by 7% over next decade. The results the models achieved are unbelievable: </a:t>
+            </a:r>
+          </a:p>
+          <a:p>
+            <a:r>
+              <a:rPr lang="en-US" dirty="0"/>
+              <a:t>ChatGPT: First service to reach 100M users in only 2 months</a:t>
+            </a:r>
+          </a:p>
+          <a:p>
+            <a:r>
+              <a:rPr lang="en-US" dirty="0"/>
+              <a:t>Gemini: First to surpass humans on the MMLU benchmark</a:t>
+            </a:r>
+          </a:p>
+          <a:p>
+            <a:endParaRPr lang="en-US" dirty="0"/>
+          </a:p>
+          <a:p>
+            <a:pPr marL="114300" indent="0">
+              <a:buNone/>
+            </a:pPr>
+            <a:r>
+              <a:rPr lang="en-US" dirty="0"/>
+              <a:t>Despite their success, training costs and complexity remain high: $78M for GPT-4 and $191M for Gemini</a:t>
+            </a:r>
+          </a:p>
+          <a:p>
+            <a:pPr marL="114300" indent="0">
+              <a:buNone/>
+            </a:pPr>
+            <a:endParaRPr lang="en-US" dirty="0"/>
+          </a:p>
+          <a:p>
+            <a:pPr marL="114300" indent="0">
+              <a:buNone/>
+            </a:pPr>
+            <a:r>
+              <a:rPr lang="en-US" dirty="0">
+                <a:sym typeface="Wingdings" pitchFamily="2" charset="2"/>
+              </a:rPr>
+              <a:t> Optimizing training can achieve significant cost savings and performance gains</a:t>
+            </a:r>
+            <a:endParaRPr lang="en-US" dirty="0"/>
+          </a:p>
+          <a:p>
+            <a:pPr marL="114300" indent="0">
+              <a:buNone/>
+            </a:pPr>
+            <a:endParaRPr lang="en-US" dirty="0"/>
+          </a:p>
+          <a:p>
+            <a:pPr marL="114300" indent="0">
+              <a:buNone/>
+            </a:pPr>
+            <a:endParaRPr lang="en-US" dirty="0"/>
+          </a:p>
+        </p:txBody>
+      </p:sp>
+      <p:sp>
+        <p:nvSpPr>
+          <p:cNvPr id="4" name="Text Placeholder 3">
+            <a:extLst>
+              <a:ext uri="{FF2B5EF4-FFF2-40B4-BE49-F238E27FC236}">
+                <a16:creationId xmlns:a16="http://schemas.microsoft.com/office/drawing/2014/main" id="{A5640E77-749C-1FC8-BACF-7033C327C613}"/>
+              </a:ext>
+            </a:extLst>
+          </p:cNvPr>
+          <p:cNvSpPr>
+            <a:spLocks noGrp="1"/>
+          </p:cNvSpPr>
+          <p:nvPr>
+            <p:ph type="body" idx="2"/>
+          </p:nvPr>
+        </p:nvSpPr>
+        <p:spPr/>
+        <p:txBody>
+          <a:bodyPr/>
+          <a:lstStyle/>
+          <a:p>
+            <a:endParaRPr lang="en-US" dirty="0"/>
+          </a:p>
+        </p:txBody>
+      </p:sp>
+      <p:sp>
+        <p:nvSpPr>
+          <p:cNvPr id="5" name="Slide Number Placeholder 4">
+            <a:extLst>
+              <a:ext uri="{FF2B5EF4-FFF2-40B4-BE49-F238E27FC236}">
+                <a16:creationId xmlns:a16="http://schemas.microsoft.com/office/drawing/2014/main" id="{354510D4-2A6A-EA5A-4FC1-DC1A78C8BE6A}"/>
+              </a:ext>
+            </a:extLst>
+          </p:cNvPr>
+          <p:cNvSpPr>
+            <a:spLocks noGrp="1"/>
+          </p:cNvSpPr>
+          <p:nvPr>
+            <p:ph type="sldNum" idx="12"/>
+          </p:nvPr>
+        </p:nvSpPr>
+        <p:spPr/>
+        <p:txBody>
+          <a:bodyPr/>
+          <a:lstStyle/>
+          <a:p>
+            <a:pPr marL="0" lvl="0" indent="0" algn="r" rtl="0">
+              <a:spcBef>
+                <a:spcPts val="0"/>
+              </a:spcBef>
+              <a:spcAft>
+                <a:spcPts val="0"/>
+              </a:spcAft>
+              <a:buNone/>
+            </a:pPr>
+            <a:fld id="{00000000-1234-1234-1234-123412341234}" type="slidenum">
+              <a:rPr lang="en-US" smtClean="0"/>
+              <a:t>2</a:t>
+            </a:fld>
+            <a:endParaRPr lang="en-US"/>
+          </a:p>
+        </p:txBody>
+      </p:sp>
+    </p:spTree>
+    <p:extLst>
+      <p:ext uri="{BB962C8B-B14F-4D97-AF65-F5344CB8AC3E}">
+        <p14:creationId xmlns:p14="http://schemas.microsoft.com/office/powerpoint/2010/main" val="1808046606"/>
+      </p:ext>
+    </p:extLst>
+  </p:cSld>
+  <p:clrMapOvr>
+    <a:masterClrMapping/>
+  </p:clrMapOvr>
+</p:sld>
+</file>
+
+<file path=ppt/slides/slide3.xml><?xml version="1.0" encoding="utf-8"?>
+<p:sld xmlns:a="http://schemas.openxmlformats.org/drawingml/2006/main" xmlns:r="http://schemas.openxmlformats.org/officeDocument/2006/relationships" xmlns:p="http://schemas.openxmlformats.org/presentationml/2006/main">
+  <p:cSld>
+    <p:spTree>
+      <p:nvGrpSpPr>
+        <p:cNvPr id="1" name=""/>
+        <p:cNvGrpSpPr/>
+        <p:nvPr/>
+      </p:nvGrpSpPr>
+      <p:grpSpPr>
+        <a:xfrm>
+          <a:off x="0" y="0"/>
+          <a:ext cx="0" cy="0"/>
+          <a:chOff x="0" y="0"/>
+          <a:chExt cx="0" cy="0"/>
+        </a:xfrm>
+      </p:grpSpPr>
+      <p:sp>
+        <p:nvSpPr>
+          <p:cNvPr id="2" name="Title 1">
+            <a:extLst>
+              <a:ext uri="{FF2B5EF4-FFF2-40B4-BE49-F238E27FC236}">
+                <a16:creationId xmlns:a16="http://schemas.microsoft.com/office/drawing/2014/main" id="{2113E397-0B31-F7DF-6B31-C55AE79DC878}"/>
+              </a:ext>
+            </a:extLst>
+          </p:cNvPr>
+          <p:cNvSpPr>
+            <a:spLocks noGrp="1"/>
+          </p:cNvSpPr>
+          <p:nvPr>
+            <p:ph type="title"/>
+          </p:nvPr>
+        </p:nvSpPr>
+        <p:spPr/>
+        <p:txBody>
+          <a:bodyPr/>
+          <a:lstStyle/>
+          <a:p>
+            <a:r>
+              <a:rPr lang="en-US" dirty="0"/>
+              <a:t>Training Cost vs Model Scale</a:t>
+            </a:r>
+          </a:p>
+        </p:txBody>
+      </p:sp>
+      <p:sp>
+        <p:nvSpPr>
+          <p:cNvPr id="3" name="Text Placeholder 2">
+            <a:extLst>
+              <a:ext uri="{FF2B5EF4-FFF2-40B4-BE49-F238E27FC236}">
+                <a16:creationId xmlns:a16="http://schemas.microsoft.com/office/drawing/2014/main" id="{6B6F461B-55E9-B110-3295-E496DD740392}"/>
+              </a:ext>
+            </a:extLst>
+          </p:cNvPr>
+          <p:cNvSpPr>
+            <a:spLocks noGrp="1"/>
+          </p:cNvSpPr>
+          <p:nvPr>
+            <p:ph type="body" idx="1"/>
+          </p:nvPr>
+        </p:nvSpPr>
+        <p:spPr/>
+        <p:txBody>
+          <a:bodyPr/>
+          <a:lstStyle/>
+          <a:p>
+            <a:endParaRPr lang="en-US" dirty="0"/>
+          </a:p>
+        </p:txBody>
+      </p:sp>
+      <p:sp>
+        <p:nvSpPr>
+          <p:cNvPr id="4" name="Text Placeholder 3">
+            <a:extLst>
+              <a:ext uri="{FF2B5EF4-FFF2-40B4-BE49-F238E27FC236}">
+                <a16:creationId xmlns:a16="http://schemas.microsoft.com/office/drawing/2014/main" id="{467252E8-8C28-9EFD-2D23-E029F2994246}"/>
+              </a:ext>
+            </a:extLst>
+          </p:cNvPr>
+          <p:cNvSpPr>
+            <a:spLocks noGrp="1"/>
+          </p:cNvSpPr>
+          <p:nvPr>
+            <p:ph type="body" idx="2"/>
+          </p:nvPr>
+        </p:nvSpPr>
+        <p:spPr/>
+        <p:txBody>
+          <a:bodyPr/>
+          <a:lstStyle/>
+          <a:p>
+            <a:endParaRPr lang="en-US"/>
+          </a:p>
+        </p:txBody>
+      </p:sp>
+      <p:sp>
+        <p:nvSpPr>
+          <p:cNvPr id="5" name="Slide Number Placeholder 4">
+            <a:extLst>
+              <a:ext uri="{FF2B5EF4-FFF2-40B4-BE49-F238E27FC236}">
+                <a16:creationId xmlns:a16="http://schemas.microsoft.com/office/drawing/2014/main" id="{C1908BE8-8231-8405-D401-5426B1A20B5B}"/>
+              </a:ext>
+            </a:extLst>
+          </p:cNvPr>
+          <p:cNvSpPr>
+            <a:spLocks noGrp="1"/>
+          </p:cNvSpPr>
+          <p:nvPr>
+            <p:ph type="sldNum" idx="12"/>
+          </p:nvPr>
+        </p:nvSpPr>
+        <p:spPr/>
+        <p:txBody>
+          <a:bodyPr/>
+          <a:lstStyle/>
+          <a:p>
+            <a:pPr marL="0" lvl="0" indent="0" algn="r" rtl="0">
+              <a:spcBef>
+                <a:spcPts val="0"/>
+              </a:spcBef>
+              <a:spcAft>
+                <a:spcPts val="0"/>
+              </a:spcAft>
+              <a:buNone/>
+            </a:pPr>
+            <a:fld id="{00000000-1234-1234-1234-123412341234}" type="slidenum">
+              <a:rPr lang="en-US" smtClean="0"/>
+              <a:t>3</a:t>
+            </a:fld>
+            <a:endParaRPr lang="en-US"/>
+          </a:p>
+        </p:txBody>
+      </p:sp>
+      <p:pic>
+        <p:nvPicPr>
+          <p:cNvPr id="6" name="Picture 2" descr="AI Index: State of AI in 13 Charts">
+            <a:extLst>
+              <a:ext uri="{FF2B5EF4-FFF2-40B4-BE49-F238E27FC236}">
+                <a16:creationId xmlns:a16="http://schemas.microsoft.com/office/drawing/2014/main" id="{7D554EB9-DF3E-58AF-3CE6-9B8F9C65E257}"/>
+              </a:ext>
+            </a:extLst>
+          </p:cNvPr>
+          <p:cNvPicPr>
+            <a:picLocks noChangeAspect="1" noChangeArrowheads="1"/>
+          </p:cNvPicPr>
+          <p:nvPr/>
+        </p:nvPicPr>
+        <p:blipFill rotWithShape="1">
+          <a:blip r:embed="rId2">
+            <a:extLst>
+              <a:ext uri="{28A0092B-C50C-407E-A947-70E740481C1C}">
+                <a14:useLocalDpi xmlns:a14="http://schemas.microsoft.com/office/drawing/2010/main" val="0"/>
+              </a:ext>
+            </a:extLst>
+          </a:blip>
+          <a:srcRect l="5195" t="34139" r="6061"/>
+          <a:stretch/>
+        </p:blipFill>
+        <p:spPr bwMode="auto">
+          <a:xfrm>
+            <a:off x="1107177" y="877950"/>
+            <a:ext cx="6846845" cy="3387600"/>
+          </a:xfrm>
+          <a:prstGeom prst="rect">
+            <a:avLst/>
+          </a:prstGeom>
+          <a:noFill/>
+          <a:extLst>
+            <a:ext uri="{909E8E84-426E-40DD-AFC4-6F175D3DCCD1}">
+              <a14:hiddenFill xmlns:a14="http://schemas.microsoft.com/office/drawing/2010/main">
+                <a:solidFill>
+                  <a:srgbClr val="FFFFFF"/>
+                </a:solidFill>
+              </a14:hiddenFill>
+            </a:ext>
+          </a:extLst>
+        </p:spPr>
+      </p:pic>
+    </p:spTree>
+    <p:extLst>
+      <p:ext uri="{BB962C8B-B14F-4D97-AF65-F5344CB8AC3E}">
+        <p14:creationId xmlns:p14="http://schemas.microsoft.com/office/powerpoint/2010/main" val="2516638037"/>
+      </p:ext>
+    </p:extLst>
+  </p:cSld>
+  <p:clrMapOvr>
+    <a:masterClrMapping/>
+  </p:clrMapOvr>
+</p:sld>
+</file>
+
+<file path=ppt/slides/slide4.xml><?xml version="1.0" encoding="utf-8"?>
 <p:sld xmlns:a="http://schemas.openxmlformats.org/drawingml/2006/main" xmlns:r="http://schemas.openxmlformats.org/officeDocument/2006/relationships" xmlns:p="http://schemas.openxmlformats.org/presentationml/2006/main">
   <p:cSld>
     <p:spTree>
@@ -38031,7 +39818,7 @@
             </a:pPr>
             <a:fld id="{00000000-1234-1234-1234-123412341234}" type="slidenum">
               <a:rPr lang="en-US"/>
-              <a:t>2</a:t>
+              <a:t>4</a:t>
             </a:fld>
             <a:endParaRPr/>
           </a:p>
@@ -38595,7 +40382,7 @@
 </p:sld>
 </file>
 
-<file path=ppt/slides/slide3.xml><?xml version="1.0" encoding="utf-8"?>
+<file path=ppt/slides/slide5.xml><?xml version="1.0" encoding="utf-8"?>
 <p:sld xmlns:a="http://schemas.openxmlformats.org/drawingml/2006/main" xmlns:r="http://schemas.openxmlformats.org/officeDocument/2006/relationships" xmlns:p="http://schemas.openxmlformats.org/presentationml/2006/main">
   <p:cSld>
     <p:spTree>
@@ -38793,7 +40580,7 @@
             </a:pPr>
             <a:fld id="{00000000-1234-1234-1234-123412341234}" type="slidenum">
               <a:rPr lang="en-US"/>
-              <a:t>3</a:t>
+              <a:t>5</a:t>
             </a:fld>
             <a:endParaRPr/>
           </a:p>
@@ -39121,7 +40908,7 @@
             </a:r>
             <a:r>
               <a:rPr lang="de-DE" dirty="0" err="1"/>
-              <a:t>ror</a:t>
+              <a:t>or</a:t>
             </a:r>
             <a:r>
               <a:rPr lang="de-DE" dirty="0"/>
@@ -39459,7 +41246,7 @@
 </p:sld>
 </file>
 
-<file path=ppt/slides/slide4.xml><?xml version="1.0" encoding="utf-8"?>
+<file path=ppt/slides/slide6.xml><?xml version="1.0" encoding="utf-8"?>
 <p:sld xmlns:a="http://schemas.openxmlformats.org/drawingml/2006/main" xmlns:r="http://schemas.openxmlformats.org/officeDocument/2006/relationships" xmlns:p="http://schemas.openxmlformats.org/presentationml/2006/main">
   <p:cSld>
     <p:spTree>
@@ -39518,8 +41305,8 @@
           </a:p>
         </p:txBody>
       </p:sp>
-      <mc:AlternateContent xmlns:mc="http://schemas.openxmlformats.org/markup-compatibility/2006">
-        <mc:Choice xmlns:a14="http://schemas.microsoft.com/office/drawing/2010/main" Requires="a14">
+      <mc:AlternateContent xmlns:mc="http://schemas.openxmlformats.org/markup-compatibility/2006" xmlns:a14="http://schemas.microsoft.com/office/drawing/2010/main">
+        <mc:Choice Requires="a14">
           <p:sp>
             <p:nvSpPr>
               <p:cNvPr id="324" name="Google Shape;324;p56"/>
@@ -41093,7 +42880,7 @@
             </p:txBody>
           </p:sp>
         </mc:Choice>
-        <mc:Fallback>
+        <mc:Fallback xmlns="">
           <p:sp>
             <p:nvSpPr>
               <p:cNvPr id="324" name="Google Shape;324;p56"/>
@@ -41175,7 +42962,7 @@
             </a:pPr>
             <a:fld id="{00000000-1234-1234-1234-123412341234}" type="slidenum">
               <a:rPr lang="en-US"/>
-              <a:t>4</a:t>
+              <a:t>6</a:t>
             </a:fld>
             <a:endParaRPr/>
           </a:p>
@@ -41189,7 +42976,7 @@
 </p:sld>
 </file>
 
-<file path=ppt/slides/slide5.xml><?xml version="1.0" encoding="utf-8"?>
+<file path=ppt/slides/slide7.xml><?xml version="1.0" encoding="utf-8"?>
 <p:sld xmlns:a="http://schemas.openxmlformats.org/drawingml/2006/main" xmlns:r="http://schemas.openxmlformats.org/officeDocument/2006/relationships" xmlns:p="http://schemas.openxmlformats.org/presentationml/2006/main">
   <p:cSld>
     <p:spTree>
@@ -41408,7 +43195,7 @@
             </a:pPr>
             <a:fld id="{00000000-1234-1234-1234-123412341234}" type="slidenum">
               <a:rPr lang="en-US" smtClean="0"/>
-              <a:t>5</a:t>
+              <a:t>7</a:t>
             </a:fld>
             <a:endParaRPr lang="en-US"/>
           </a:p>
@@ -41427,7 +43214,7 @@
 </p:sld>
 </file>
 
-<file path=ppt/slides/slide6.xml><?xml version="1.0" encoding="utf-8"?>
+<file path=ppt/slides/slide8.xml><?xml version="1.0" encoding="utf-8"?>
 <p:sld xmlns:a="http://schemas.openxmlformats.org/drawingml/2006/main" xmlns:r="http://schemas.openxmlformats.org/officeDocument/2006/relationships" xmlns:p="http://schemas.openxmlformats.org/presentationml/2006/main">
   <p:cSld>
     <p:spTree>
@@ -41504,7 +43291,7 @@
             </a:pPr>
             <a:fld id="{00000000-1234-1234-1234-123412341234}" type="slidenum">
               <a:rPr lang="en-US" smtClean="0"/>
-              <a:t>6</a:t>
+              <a:t>8</a:t>
             </a:fld>
             <a:endParaRPr lang="en-US"/>
           </a:p>
@@ -41525,7 +43312,7 @@
           <p:nvPr>
             <p:extLst>
               <p:ext uri="{D42A27DB-BD31-4B8C-83A1-F6EECF244321}">
-                <p14:modId xmlns:p14="http://schemas.microsoft.com/office/powerpoint/2010/main" val="2842586448"/>
+                <p14:modId xmlns:p14="http://schemas.microsoft.com/office/powerpoint/2010/main" val="3885850542"/>
               </p:ext>
             </p:extLst>
           </p:nvPr>
@@ -42258,7 +44045,11 @@
                     <a:lstStyle/>
                     <a:p>
                       <a:r>
-                        <a:rPr lang="en-US" dirty="0"/>
+                        <a:rPr lang="en-US" b="1" dirty="0">
+                          <a:solidFill>
+                            <a:srgbClr val="FF0000"/>
+                          </a:solidFill>
+                        </a:rPr>
                         <a:t>High</a:t>
                       </a:r>
                     </a:p>
@@ -42308,7 +44099,11 @@
                     <a:lstStyle/>
                     <a:p>
                       <a:r>
-                        <a:rPr lang="en-US" dirty="0"/>
+                        <a:rPr lang="en-US" b="1" dirty="0">
+                          <a:solidFill>
+                            <a:srgbClr val="00B050"/>
+                          </a:solidFill>
+                        </a:rPr>
                         <a:t>Low</a:t>
                       </a:r>
                     </a:p>
@@ -42532,7 +44327,7 @@
 </p:sld>
 </file>
 
-<file path=ppt/slides/slide7.xml><?xml version="1.0" encoding="utf-8"?>
+<file path=ppt/slides/slide9.xml><?xml version="1.0" encoding="utf-8"?>
 <p:sld xmlns:a="http://schemas.openxmlformats.org/drawingml/2006/main" xmlns:r="http://schemas.openxmlformats.org/officeDocument/2006/relationships" xmlns:p="http://schemas.openxmlformats.org/presentationml/2006/main">
   <p:cSld>
     <p:spTree>
@@ -42809,7 +44604,7 @@
             </a:pPr>
             <a:fld id="{00000000-1234-1234-1234-123412341234}" type="slidenum">
               <a:rPr lang="en-US" smtClean="0"/>
-              <a:t>7</a:t>
+              <a:t>9</a:t>
             </a:fld>
             <a:endParaRPr lang="en-US"/>
           </a:p>
@@ -42821,541 +44616,6 @@
         <p14:creationId xmlns:p14="http://schemas.microsoft.com/office/powerpoint/2010/main" val="910835647"/>
       </p:ext>
     </p:extLst>
-  </p:cSld>
-  <p:clrMapOvr>
-    <a:masterClrMapping/>
-  </p:clrMapOvr>
-</p:sld>
-</file>
-
-<file path=ppt/slides/slide8.xml><?xml version="1.0" encoding="utf-8"?>
-<p:sld xmlns:a="http://schemas.openxmlformats.org/drawingml/2006/main" xmlns:r="http://schemas.openxmlformats.org/officeDocument/2006/relationships" xmlns:p="http://schemas.openxmlformats.org/presentationml/2006/main">
-  <p:cSld>
-    <p:spTree>
-      <p:nvGrpSpPr>
-        <p:cNvPr id="1" name="Shape 330"/>
-        <p:cNvGrpSpPr/>
-        <p:nvPr/>
-      </p:nvGrpSpPr>
-      <p:grpSpPr>
-        <a:xfrm>
-          <a:off x="0" y="0"/>
-          <a:ext cx="0" cy="0"/>
-          <a:chOff x="0" y="0"/>
-          <a:chExt cx="0" cy="0"/>
-        </a:xfrm>
-      </p:grpSpPr>
-      <p:sp>
-        <p:nvSpPr>
-          <p:cNvPr id="331" name="Google Shape;331;p57"/>
-          <p:cNvSpPr txBox="1">
-            <a:spLocks noGrp="1"/>
-          </p:cNvSpPr>
-          <p:nvPr>
-            <p:ph type="title"/>
-          </p:nvPr>
-        </p:nvSpPr>
-        <p:spPr>
-          <a:xfrm>
-            <a:off x="457200" y="205979"/>
-            <a:ext cx="8229600" cy="857400"/>
-          </a:xfrm>
-          <a:prstGeom prst="rect">
-            <a:avLst/>
-          </a:prstGeom>
-        </p:spPr>
-        <p:txBody>
-          <a:bodyPr spcFirstLastPara="1" wrap="square" lIns="91425" tIns="45700" rIns="91425" bIns="45700" anchor="ctr" anchorCtr="0">
-            <a:normAutofit/>
-          </a:bodyPr>
-          <a:lstStyle/>
-          <a:p>
-            <a:pPr marL="0" lvl="0" indent="0" algn="ctr" rtl="0">
-              <a:spcBef>
-                <a:spcPts val="0"/>
-              </a:spcBef>
-              <a:spcAft>
-                <a:spcPts val="0"/>
-              </a:spcAft>
-              <a:buNone/>
-            </a:pPr>
-            <a:r>
-              <a:rPr lang="en-US"/>
-              <a:t>Outline</a:t>
-            </a:r>
-            <a:endParaRPr/>
-          </a:p>
-        </p:txBody>
-      </p:sp>
-      <p:sp>
-        <p:nvSpPr>
-          <p:cNvPr id="332" name="Google Shape;332;p57"/>
-          <p:cNvSpPr txBox="1">
-            <a:spLocks noGrp="1"/>
-          </p:cNvSpPr>
-          <p:nvPr>
-            <p:ph type="body" idx="1"/>
-          </p:nvPr>
-        </p:nvSpPr>
-        <p:spPr>
-          <a:xfrm>
-            <a:off x="457200" y="1200151"/>
-            <a:ext cx="8229600" cy="3394500"/>
-          </a:xfrm>
-          <a:prstGeom prst="rect">
-            <a:avLst/>
-          </a:prstGeom>
-        </p:spPr>
-        <p:txBody>
-          <a:bodyPr spcFirstLastPara="1" wrap="square" lIns="91425" tIns="45700" rIns="91425" bIns="45700" anchor="t" anchorCtr="0">
-            <a:normAutofit/>
-          </a:bodyPr>
-          <a:lstStyle/>
-          <a:p>
-            <a:pPr marL="0" lvl="0" indent="0" algn="l" rtl="0">
-              <a:spcBef>
-                <a:spcPts val="360"/>
-              </a:spcBef>
-              <a:spcAft>
-                <a:spcPts val="0"/>
-              </a:spcAft>
-              <a:buNone/>
-            </a:pPr>
-            <a:r>
-              <a:rPr lang="en-US"/>
-              <a:t>[Try to structure it somehow like this:]</a:t>
-            </a:r>
-            <a:endParaRPr/>
-          </a:p>
-          <a:p>
-            <a:pPr marL="0" lvl="0" indent="0" algn="l" rtl="0">
-              <a:spcBef>
-                <a:spcPts val="360"/>
-              </a:spcBef>
-              <a:spcAft>
-                <a:spcPts val="0"/>
-              </a:spcAft>
-              <a:buNone/>
-            </a:pPr>
-            <a:endParaRPr/>
-          </a:p>
-          <a:p>
-            <a:pPr marL="457200" lvl="0" indent="-342900" algn="l" rtl="0">
-              <a:spcBef>
-                <a:spcPts val="360"/>
-              </a:spcBef>
-              <a:spcAft>
-                <a:spcPts val="0"/>
-              </a:spcAft>
-              <a:buSzPts val="1800"/>
-              <a:buChar char="●"/>
-            </a:pPr>
-            <a:r>
-              <a:rPr lang="en-US"/>
-              <a:t>[Icebreaker: Introduction to provide intuition, etc.]</a:t>
-            </a:r>
-            <a:endParaRPr/>
-          </a:p>
-          <a:p>
-            <a:pPr marL="457200" lvl="0" indent="-342900" algn="l" rtl="0">
-              <a:spcBef>
-                <a:spcPts val="0"/>
-              </a:spcBef>
-              <a:spcAft>
-                <a:spcPts val="0"/>
-              </a:spcAft>
-              <a:buSzPts val="1800"/>
-              <a:buChar char="●"/>
-            </a:pPr>
-            <a:r>
-              <a:rPr lang="en-US"/>
-              <a:t>[Problem description (use formulas if needed), e.g. Object Centric learning]</a:t>
-            </a:r>
-            <a:endParaRPr/>
-          </a:p>
-          <a:p>
-            <a:pPr marL="457200" lvl="0" indent="-342900" algn="l" rtl="0">
-              <a:spcBef>
-                <a:spcPts val="0"/>
-              </a:spcBef>
-              <a:spcAft>
-                <a:spcPts val="0"/>
-              </a:spcAft>
-              <a:buSzPts val="1800"/>
-              <a:buChar char="●"/>
-            </a:pPr>
-            <a:r>
-              <a:rPr lang="en-US"/>
-              <a:t>[Describe the main Method(s) you want to present]</a:t>
-            </a:r>
-            <a:endParaRPr/>
-          </a:p>
-          <a:p>
-            <a:pPr marL="457200" lvl="0" indent="-342900" algn="l" rtl="0">
-              <a:spcBef>
-                <a:spcPts val="0"/>
-              </a:spcBef>
-              <a:spcAft>
-                <a:spcPts val="0"/>
-              </a:spcAft>
-              <a:buSzPts val="1800"/>
-              <a:buChar char="●"/>
-            </a:pPr>
-            <a:r>
-              <a:rPr lang="en-US"/>
-              <a:t>[Advantages of the method, in comparison to what other method’s do]</a:t>
-            </a:r>
-            <a:endParaRPr/>
-          </a:p>
-          <a:p>
-            <a:pPr marL="457200" lvl="0" indent="-342900" algn="l" rtl="0">
-              <a:spcBef>
-                <a:spcPts val="0"/>
-              </a:spcBef>
-              <a:spcAft>
-                <a:spcPts val="0"/>
-              </a:spcAft>
-              <a:buSzPts val="1800"/>
-              <a:buChar char="●"/>
-            </a:pPr>
-            <a:r>
-              <a:rPr lang="en-US"/>
-              <a:t>[Disadvantages … - THINK CRITICALLY HERE !!!! ]</a:t>
-            </a:r>
-            <a:endParaRPr/>
-          </a:p>
-          <a:p>
-            <a:pPr marL="457200" lvl="0" indent="-342900" algn="l" rtl="0">
-              <a:spcBef>
-                <a:spcPts val="0"/>
-              </a:spcBef>
-              <a:spcAft>
-                <a:spcPts val="0"/>
-              </a:spcAft>
-              <a:buSzPts val="1800"/>
-              <a:buChar char="●"/>
-            </a:pPr>
-            <a:r>
-              <a:rPr lang="en-US"/>
-              <a:t>[Conclusion, outlook, summary]</a:t>
-            </a:r>
-            <a:endParaRPr/>
-          </a:p>
-        </p:txBody>
-      </p:sp>
-      <p:sp>
-        <p:nvSpPr>
-          <p:cNvPr id="333" name="Google Shape;333;p57"/>
-          <p:cNvSpPr txBox="1">
-            <a:spLocks noGrp="1"/>
-          </p:cNvSpPr>
-          <p:nvPr>
-            <p:ph type="sldNum" idx="12"/>
-          </p:nvPr>
-        </p:nvSpPr>
-        <p:spPr>
-          <a:xfrm>
-            <a:off x="6553200" y="4767264"/>
-            <a:ext cx="2133600" cy="273900"/>
-          </a:xfrm>
-          <a:prstGeom prst="rect">
-            <a:avLst/>
-          </a:prstGeom>
-        </p:spPr>
-        <p:txBody>
-          <a:bodyPr spcFirstLastPara="1" wrap="square" lIns="91425" tIns="45700" rIns="91425" bIns="45700" anchor="ctr" anchorCtr="0">
-            <a:normAutofit/>
-          </a:bodyPr>
-          <a:lstStyle/>
-          <a:p>
-            <a:pPr marL="0" lvl="0" indent="0" algn="r" rtl="0">
-              <a:spcBef>
-                <a:spcPts val="0"/>
-              </a:spcBef>
-              <a:spcAft>
-                <a:spcPts val="0"/>
-              </a:spcAft>
-              <a:buClr>
-                <a:srgbClr val="000000"/>
-              </a:buClr>
-              <a:buSzPts val="1000"/>
-              <a:buFont typeface="Arial"/>
-              <a:buNone/>
-            </a:pPr>
-            <a:fld id="{00000000-1234-1234-1234-123412341234}" type="slidenum">
-              <a:rPr lang="en-US"/>
-              <a:t>8</a:t>
-            </a:fld>
-            <a:endParaRPr/>
-          </a:p>
-        </p:txBody>
-      </p:sp>
-    </p:spTree>
-  </p:cSld>
-  <p:clrMapOvr>
-    <a:masterClrMapping/>
-  </p:clrMapOvr>
-</p:sld>
-</file>
-
-<file path=ppt/slides/slide9.xml><?xml version="1.0" encoding="utf-8"?>
-<p:sld xmlns:a="http://schemas.openxmlformats.org/drawingml/2006/main" xmlns:r="http://schemas.openxmlformats.org/officeDocument/2006/relationships" xmlns:p="http://schemas.openxmlformats.org/presentationml/2006/main">
-  <p:cSld>
-    <p:spTree>
-      <p:nvGrpSpPr>
-        <p:cNvPr id="1" name="Shape 362"/>
-        <p:cNvGrpSpPr/>
-        <p:nvPr/>
-      </p:nvGrpSpPr>
-      <p:grpSpPr>
-        <a:xfrm>
-          <a:off x="0" y="0"/>
-          <a:ext cx="0" cy="0"/>
-          <a:chOff x="0" y="0"/>
-          <a:chExt cx="0" cy="0"/>
-        </a:xfrm>
-      </p:grpSpPr>
-      <p:sp>
-        <p:nvSpPr>
-          <p:cNvPr id="363" name="Google Shape;363;p61"/>
-          <p:cNvSpPr txBox="1">
-            <a:spLocks noGrp="1"/>
-          </p:cNvSpPr>
-          <p:nvPr>
-            <p:ph type="title"/>
-          </p:nvPr>
-        </p:nvSpPr>
-        <p:spPr>
-          <a:xfrm>
-            <a:off x="457200" y="205979"/>
-            <a:ext cx="8229600" cy="857400"/>
-          </a:xfrm>
-          <a:prstGeom prst="rect">
-            <a:avLst/>
-          </a:prstGeom>
-        </p:spPr>
-        <p:txBody>
-          <a:bodyPr spcFirstLastPara="1" wrap="square" lIns="91425" tIns="45700" rIns="91425" bIns="45700" anchor="ctr" anchorCtr="0">
-            <a:normAutofit/>
-          </a:bodyPr>
-          <a:lstStyle/>
-          <a:p>
-            <a:pPr marL="0" lvl="0" indent="0" algn="ctr" rtl="0">
-              <a:spcBef>
-                <a:spcPts val="0"/>
-              </a:spcBef>
-              <a:spcAft>
-                <a:spcPts val="0"/>
-              </a:spcAft>
-              <a:buNone/>
-            </a:pPr>
-            <a:r>
-              <a:rPr lang="en-US"/>
-              <a:t>Summary</a:t>
-            </a:r>
-            <a:endParaRPr/>
-          </a:p>
-        </p:txBody>
-      </p:sp>
-      <p:sp>
-        <p:nvSpPr>
-          <p:cNvPr id="364" name="Google Shape;364;p61"/>
-          <p:cNvSpPr txBox="1">
-            <a:spLocks noGrp="1"/>
-          </p:cNvSpPr>
-          <p:nvPr>
-            <p:ph type="body" idx="1"/>
-          </p:nvPr>
-        </p:nvSpPr>
-        <p:spPr>
-          <a:xfrm>
-            <a:off x="457200" y="1200151"/>
-            <a:ext cx="8229600" cy="3394500"/>
-          </a:xfrm>
-          <a:prstGeom prst="rect">
-            <a:avLst/>
-          </a:prstGeom>
-        </p:spPr>
-        <p:txBody>
-          <a:bodyPr spcFirstLastPara="1" wrap="square" lIns="91425" tIns="45700" rIns="91425" bIns="45700" anchor="t" anchorCtr="0">
-            <a:normAutofit/>
-          </a:bodyPr>
-          <a:lstStyle/>
-          <a:p>
-            <a:pPr marL="0" lvl="0" indent="0" algn="l" rtl="0">
-              <a:spcBef>
-                <a:spcPts val="360"/>
-              </a:spcBef>
-              <a:spcAft>
-                <a:spcPts val="0"/>
-              </a:spcAft>
-              <a:buNone/>
-            </a:pPr>
-            <a:r>
-              <a:rPr lang="en-US"/>
-              <a:t>[I often like to just repeat again what we heard in the outline; hopefully people then draw a clear thread through the discussed topics:]</a:t>
-            </a:r>
-            <a:endParaRPr/>
-          </a:p>
-          <a:p>
-            <a:pPr marL="0" lvl="0" indent="0" algn="l" rtl="0">
-              <a:spcBef>
-                <a:spcPts val="360"/>
-              </a:spcBef>
-              <a:spcAft>
-                <a:spcPts val="0"/>
-              </a:spcAft>
-              <a:buNone/>
-            </a:pPr>
-            <a:endParaRPr/>
-          </a:p>
-          <a:p>
-            <a:pPr marL="457200" lvl="0" indent="-342900" algn="l" rtl="0">
-              <a:spcBef>
-                <a:spcPts val="360"/>
-              </a:spcBef>
-              <a:spcAft>
-                <a:spcPts val="0"/>
-              </a:spcAft>
-              <a:buSzPts val="1800"/>
-              <a:buChar char="●"/>
-            </a:pPr>
-            <a:r>
-              <a:rPr lang="en-US"/>
-              <a:t>[Icebreaker: Introduction to provide intuition, etc.]</a:t>
-            </a:r>
-            <a:endParaRPr/>
-          </a:p>
-          <a:p>
-            <a:pPr marL="457200" lvl="0" indent="-342900" algn="l" rtl="0">
-              <a:spcBef>
-                <a:spcPts val="0"/>
-              </a:spcBef>
-              <a:spcAft>
-                <a:spcPts val="0"/>
-              </a:spcAft>
-              <a:buSzPts val="1800"/>
-              <a:buChar char="●"/>
-            </a:pPr>
-            <a:r>
-              <a:rPr lang="en-US"/>
-              <a:t>[Problem description (use formulas if needed), e.g. Object Centric learning]</a:t>
-            </a:r>
-            <a:endParaRPr/>
-          </a:p>
-          <a:p>
-            <a:pPr marL="457200" lvl="0" indent="-342900" algn="l" rtl="0">
-              <a:spcBef>
-                <a:spcPts val="0"/>
-              </a:spcBef>
-              <a:spcAft>
-                <a:spcPts val="0"/>
-              </a:spcAft>
-              <a:buSzPts val="1800"/>
-              <a:buChar char="●"/>
-            </a:pPr>
-            <a:r>
-              <a:rPr lang="en-US"/>
-              <a:t>[Describe the main Method(s) you want to present]</a:t>
-            </a:r>
-            <a:endParaRPr/>
-          </a:p>
-          <a:p>
-            <a:pPr marL="457200" lvl="0" indent="-342900" algn="l" rtl="0">
-              <a:spcBef>
-                <a:spcPts val="0"/>
-              </a:spcBef>
-              <a:spcAft>
-                <a:spcPts val="0"/>
-              </a:spcAft>
-              <a:buSzPts val="1800"/>
-              <a:buChar char="●"/>
-            </a:pPr>
-            <a:r>
-              <a:rPr lang="en-US"/>
-              <a:t>[Advantages of the method, in comparison to what other method’s do]</a:t>
-            </a:r>
-            <a:endParaRPr/>
-          </a:p>
-          <a:p>
-            <a:pPr marL="457200" lvl="0" indent="-342900" algn="l" rtl="0">
-              <a:spcBef>
-                <a:spcPts val="0"/>
-              </a:spcBef>
-              <a:spcAft>
-                <a:spcPts val="0"/>
-              </a:spcAft>
-              <a:buSzPts val="1800"/>
-              <a:buChar char="●"/>
-            </a:pPr>
-            <a:r>
-              <a:rPr lang="en-US"/>
-              <a:t>[Disadvantages … - THINK CRITICALLY HERE !!!! ]</a:t>
-            </a:r>
-            <a:endParaRPr/>
-          </a:p>
-          <a:p>
-            <a:pPr marL="457200" lvl="0" indent="-342900" algn="l" rtl="0">
-              <a:spcBef>
-                <a:spcPts val="0"/>
-              </a:spcBef>
-              <a:spcAft>
-                <a:spcPts val="0"/>
-              </a:spcAft>
-              <a:buSzPts val="1800"/>
-              <a:buChar char="●"/>
-            </a:pPr>
-            <a:r>
-              <a:rPr lang="en-US"/>
-              <a:t>[Conclusion, outlook, summary]</a:t>
-            </a:r>
-            <a:endParaRPr/>
-          </a:p>
-        </p:txBody>
-      </p:sp>
-      <p:sp>
-        <p:nvSpPr>
-          <p:cNvPr id="365" name="Google Shape;365;p61"/>
-          <p:cNvSpPr txBox="1">
-            <a:spLocks noGrp="1"/>
-          </p:cNvSpPr>
-          <p:nvPr>
-            <p:ph type="sldNum" idx="12"/>
-          </p:nvPr>
-        </p:nvSpPr>
-        <p:spPr>
-          <a:xfrm>
-            <a:off x="6553200" y="4767264"/>
-            <a:ext cx="2133600" cy="273900"/>
-          </a:xfrm>
-          <a:prstGeom prst="rect">
-            <a:avLst/>
-          </a:prstGeom>
-        </p:spPr>
-        <p:txBody>
-          <a:bodyPr spcFirstLastPara="1" wrap="square" lIns="91425" tIns="45700" rIns="91425" bIns="45700" anchor="ctr" anchorCtr="0">
-            <a:normAutofit/>
-          </a:bodyPr>
-          <a:lstStyle/>
-          <a:p>
-            <a:pPr marL="0" lvl="0" indent="0" algn="r" rtl="0">
-              <a:spcBef>
-                <a:spcPts val="0"/>
-              </a:spcBef>
-              <a:spcAft>
-                <a:spcPts val="0"/>
-              </a:spcAft>
-              <a:buNone/>
-            </a:pPr>
-            <a:fld id="{00000000-1234-1234-1234-123412341234}" type="slidenum">
-              <a:rPr lang="en-US"/>
-              <a:t>9</a:t>
-            </a:fld>
-            <a:endParaRPr/>
-          </a:p>
-        </p:txBody>
-      </p:sp>
-    </p:spTree>
   </p:cSld>
   <p:clrMapOvr>
     <a:masterClrMapping/>

--- a/Presentation/DPO-Filomeno.pptx
+++ b/Presentation/DPO-Filomeno.pptx
@@ -6,7 +6,7 @@
     <p:sldMasterId id="2147483700" r:id="rId2"/>
   </p:sldMasterIdLst>
   <p:notesMasterIdLst>
-    <p:notesMasterId r:id="rId19"/>
+    <p:notesMasterId r:id="rId21"/>
   </p:notesMasterIdLst>
   <p:sldIdLst>
     <p:sldId id="256" r:id="rId3"/>
@@ -25,23 +25,25 @@
     <p:sldId id="264" r:id="rId16"/>
     <p:sldId id="269" r:id="rId17"/>
     <p:sldId id="270" r:id="rId18"/>
+    <p:sldId id="276" r:id="rId19"/>
+    <p:sldId id="277" r:id="rId20"/>
   </p:sldIdLst>
   <p:sldSz cx="9144000" cy="5143500" type="screen16x9"/>
   <p:notesSz cx="6858000" cy="9144000"/>
   <p:embeddedFontLst>
     <p:embeddedFont>
       <p:font typeface="Arial Black" panose="020B0604020202020204" pitchFamily="34" charset="0"/>
-      <p:regular r:id="rId20"/>
-      <p:bold r:id="rId21"/>
+      <p:regular r:id="rId22"/>
+      <p:bold r:id="rId23"/>
     </p:embeddedFont>
     <p:embeddedFont>
       <p:font typeface="Cambria Math" panose="02040503050406030204" pitchFamily="18" charset="0"/>
-      <p:regular r:id="rId22"/>
+      <p:regular r:id="rId24"/>
     </p:embeddedFont>
     <p:embeddedFont>
       <p:font typeface="Noto Sans Symbols" pitchFamily="2" charset="0"/>
-      <p:regular r:id="rId23"/>
-      <p:bold r:id="rId24"/>
+      <p:regular r:id="rId25"/>
+      <p:bold r:id="rId26"/>
     </p:embeddedFont>
   </p:embeddedFontLst>
   <p:defaultTextStyle>
@@ -7729,139 +7731,6 @@
           <a:xfrm>
             <a:off x="7068600" y="4768200"/>
             <a:ext cx="612900" cy="273900"/>
-          </a:xfrm>
-          <a:prstGeom prst="rect">
-            <a:avLst/>
-          </a:prstGeom>
-          <a:noFill/>
-          <a:ln>
-            <a:noFill/>
-          </a:ln>
-        </p:spPr>
-        <p:txBody>
-          <a:bodyPr spcFirstLastPara="1" wrap="square" lIns="68575" tIns="34275" rIns="68575" bIns="34275" anchor="b" anchorCtr="0">
-            <a:noAutofit/>
-          </a:bodyPr>
-          <a:lstStyle>
-            <a:lvl1pPr lvl="0" algn="r" rtl="0">
-              <a:spcBef>
-                <a:spcPts val="0"/>
-              </a:spcBef>
-              <a:spcAft>
-                <a:spcPts val="0"/>
-              </a:spcAft>
-              <a:buSzPts val="1100"/>
-              <a:buNone/>
-              <a:defRPr/>
-            </a:lvl1pPr>
-            <a:lvl2pPr lvl="1" algn="l" rtl="0">
-              <a:spcBef>
-                <a:spcPts val="0"/>
-              </a:spcBef>
-              <a:spcAft>
-                <a:spcPts val="0"/>
-              </a:spcAft>
-              <a:buSzPts val="1100"/>
-              <a:buNone/>
-              <a:defRPr/>
-            </a:lvl2pPr>
-            <a:lvl3pPr lvl="2" algn="l" rtl="0">
-              <a:spcBef>
-                <a:spcPts val="0"/>
-              </a:spcBef>
-              <a:spcAft>
-                <a:spcPts val="0"/>
-              </a:spcAft>
-              <a:buSzPts val="1100"/>
-              <a:buNone/>
-              <a:defRPr/>
-            </a:lvl3pPr>
-            <a:lvl4pPr lvl="3" algn="l" rtl="0">
-              <a:spcBef>
-                <a:spcPts val="0"/>
-              </a:spcBef>
-              <a:spcAft>
-                <a:spcPts val="0"/>
-              </a:spcAft>
-              <a:buSzPts val="1100"/>
-              <a:buNone/>
-              <a:defRPr/>
-            </a:lvl4pPr>
-            <a:lvl5pPr lvl="4" algn="l" rtl="0">
-              <a:spcBef>
-                <a:spcPts val="0"/>
-              </a:spcBef>
-              <a:spcAft>
-                <a:spcPts val="0"/>
-              </a:spcAft>
-              <a:buSzPts val="1100"/>
-              <a:buNone/>
-              <a:defRPr/>
-            </a:lvl5pPr>
-            <a:lvl6pPr lvl="5" algn="l" rtl="0">
-              <a:spcBef>
-                <a:spcPts val="0"/>
-              </a:spcBef>
-              <a:spcAft>
-                <a:spcPts val="0"/>
-              </a:spcAft>
-              <a:buSzPts val="1100"/>
-              <a:buNone/>
-              <a:defRPr/>
-            </a:lvl6pPr>
-            <a:lvl7pPr lvl="6" algn="l" rtl="0">
-              <a:spcBef>
-                <a:spcPts val="0"/>
-              </a:spcBef>
-              <a:spcAft>
-                <a:spcPts val="0"/>
-              </a:spcAft>
-              <a:buSzPts val="1100"/>
-              <a:buNone/>
-              <a:defRPr/>
-            </a:lvl7pPr>
-            <a:lvl8pPr lvl="7" algn="l" rtl="0">
-              <a:spcBef>
-                <a:spcPts val="0"/>
-              </a:spcBef>
-              <a:spcAft>
-                <a:spcPts val="0"/>
-              </a:spcAft>
-              <a:buSzPts val="1100"/>
-              <a:buNone/>
-              <a:defRPr/>
-            </a:lvl8pPr>
-            <a:lvl9pPr lvl="8" algn="l" rtl="0">
-              <a:spcBef>
-                <a:spcPts val="0"/>
-              </a:spcBef>
-              <a:spcAft>
-                <a:spcPts val="0"/>
-              </a:spcAft>
-              <a:buSzPts val="1100"/>
-              <a:buNone/>
-              <a:defRPr/>
-            </a:lvl9pPr>
-          </a:lstStyle>
-          <a:p>
-            <a:endParaRPr/>
-          </a:p>
-        </p:txBody>
-      </p:sp>
-      <p:sp>
-        <p:nvSpPr>
-          <p:cNvPr id="90" name="Google Shape;90;p18"/>
-          <p:cNvSpPr txBox="1">
-            <a:spLocks noGrp="1"/>
-          </p:cNvSpPr>
-          <p:nvPr>
-            <p:ph type="ftr" idx="11"/>
-          </p:nvPr>
-        </p:nvSpPr>
-        <p:spPr>
-          <a:xfrm>
-            <a:off x="4417200" y="4762800"/>
-            <a:ext cx="1819800" cy="273900"/>
           </a:xfrm>
           <a:prstGeom prst="rect">
             <a:avLst/>
@@ -39124,37 +38993,1053 @@
           <a:lstStyle/>
           <a:p>
             <a:r>
-              <a:rPr lang="en-US"/>
-              <a:t>Todo</a:t>
+              <a:rPr lang="en-US" dirty="0"/>
+              <a:t>Math Explanations - 1</a:t>
             </a:r>
           </a:p>
         </p:txBody>
       </p:sp>
-      <p:sp>
-        <p:nvSpPr>
-          <p:cNvPr id="3" name="Text Placeholder 2">
-            <a:extLst>
-              <a:ext uri="{FF2B5EF4-FFF2-40B4-BE49-F238E27FC236}">
-                <a16:creationId xmlns:a16="http://schemas.microsoft.com/office/drawing/2014/main" id="{BF649786-F573-04F9-DAA6-2FDD989DF251}"/>
-              </a:ext>
-            </a:extLst>
-          </p:cNvPr>
-          <p:cNvSpPr>
-            <a:spLocks noGrp="1"/>
-          </p:cNvSpPr>
-          <p:nvPr>
-            <p:ph type="body" idx="1"/>
-          </p:nvPr>
-        </p:nvSpPr>
-        <p:spPr/>
-        <p:txBody>
-          <a:bodyPr/>
-          <a:lstStyle/>
-          <a:p>
-            <a:endParaRPr lang="en-US"/>
-          </a:p>
-        </p:txBody>
-      </p:sp>
+      <mc:AlternateContent xmlns:mc="http://schemas.openxmlformats.org/markup-compatibility/2006" xmlns:a14="http://schemas.microsoft.com/office/drawing/2010/main">
+        <mc:Choice Requires="a14">
+          <p:sp>
+            <p:nvSpPr>
+              <p:cNvPr id="3" name="Text Placeholder 2">
+                <a:extLst>
+                  <a:ext uri="{FF2B5EF4-FFF2-40B4-BE49-F238E27FC236}">
+                    <a16:creationId xmlns:a16="http://schemas.microsoft.com/office/drawing/2014/main" id="{BF649786-F573-04F9-DAA6-2FDD989DF251}"/>
+                  </a:ext>
+                </a:extLst>
+              </p:cNvPr>
+              <p:cNvSpPr>
+                <a:spLocks noGrp="1"/>
+              </p:cNvSpPr>
+              <p:nvPr>
+                <p:ph type="body" idx="1"/>
+              </p:nvPr>
+            </p:nvSpPr>
+            <p:spPr/>
+            <p:txBody>
+              <a:bodyPr>
+                <a:normAutofit fontScale="92500" lnSpcReduction="20000"/>
+              </a:bodyPr>
+              <a:lstStyle/>
+              <a:p>
+                <a:pPr marL="114300" indent="0">
+                  <a:buNone/>
+                </a:pPr>
+                <a14:m>
+                  <m:oMathPara xmlns:m="http://schemas.openxmlformats.org/officeDocument/2006/math">
+                    <m:oMathParaPr>
+                      <m:jc m:val="centerGroup"/>
+                    </m:oMathParaPr>
+                    <m:oMath xmlns:m="http://schemas.openxmlformats.org/officeDocument/2006/math">
+                      <m:func>
+                        <m:funcPr>
+                          <m:ctrlPr>
+                            <a:rPr lang="en-US" i="1" smtClean="0">
+                              <a:latin typeface="Cambria Math" panose="02040503050406030204" pitchFamily="18" charset="0"/>
+                            </a:rPr>
+                          </m:ctrlPr>
+                        </m:funcPr>
+                        <m:fName>
+                          <m:limLow>
+                            <m:limLowPr>
+                              <m:ctrlPr>
+                                <a:rPr lang="en-US" i="1" smtClean="0">
+                                  <a:latin typeface="Cambria Math" panose="02040503050406030204" pitchFamily="18" charset="0"/>
+                                </a:rPr>
+                              </m:ctrlPr>
+                            </m:limLowPr>
+                            <m:e>
+                              <m:r>
+                                <m:rPr>
+                                  <m:sty m:val="p"/>
+                                </m:rPr>
+                                <a:rPr lang="en-US" i="0" smtClean="0">
+                                  <a:latin typeface="Cambria Math" panose="02040503050406030204" pitchFamily="18" charset="0"/>
+                                </a:rPr>
+                                <m:t>max</m:t>
+                              </m:r>
+                            </m:e>
+                            <m:lim>
+                              <m:sSub>
+                                <m:sSubPr>
+                                  <m:ctrlPr>
+                                    <a:rPr lang="en-US" i="1" smtClean="0">
+                                      <a:latin typeface="Cambria Math" panose="02040503050406030204" pitchFamily="18" charset="0"/>
+                                    </a:rPr>
+                                  </m:ctrlPr>
+                                </m:sSubPr>
+                                <m:e>
+                                  <m:r>
+                                    <a:rPr lang="en-US" i="1" smtClean="0">
+                                      <a:latin typeface="Cambria Math" panose="02040503050406030204" pitchFamily="18" charset="0"/>
+                                      <a:ea typeface="Cambria Math" panose="02040503050406030204" pitchFamily="18" charset="0"/>
+                                    </a:rPr>
+                                    <m:t>𝜋</m:t>
+                                  </m:r>
+                                </m:e>
+                                <m:sub>
+                                  <m:r>
+                                    <a:rPr lang="en-US" i="1" smtClean="0">
+                                      <a:latin typeface="Cambria Math" panose="02040503050406030204" pitchFamily="18" charset="0"/>
+                                      <a:ea typeface="Cambria Math" panose="02040503050406030204" pitchFamily="18" charset="0"/>
+                                    </a:rPr>
+                                    <m:t>𝜃</m:t>
+                                  </m:r>
+                                </m:sub>
+                              </m:sSub>
+                            </m:lim>
+                          </m:limLow>
+                        </m:fName>
+                        <m:e>
+                          <m:sSub>
+                            <m:sSubPr>
+                              <m:ctrlPr>
+                                <a:rPr lang="en-US" i="1" smtClean="0">
+                                  <a:latin typeface="Cambria Math" panose="02040503050406030204" pitchFamily="18" charset="0"/>
+                                </a:rPr>
+                              </m:ctrlPr>
+                            </m:sSubPr>
+                            <m:e>
+                              <m:r>
+                                <a:rPr lang="en-US" i="1" smtClean="0">
+                                  <a:latin typeface="Cambria Math" panose="02040503050406030204" pitchFamily="18" charset="0"/>
+                                  <a:ea typeface="Cambria Math" panose="02040503050406030204" pitchFamily="18" charset="0"/>
+                                </a:rPr>
+                                <m:t>𝔼</m:t>
+                              </m:r>
+                            </m:e>
+                            <m:sub>
+                              <m:r>
+                                <a:rPr lang="de-DE" b="0" i="1" smtClean="0">
+                                  <a:latin typeface="Cambria Math" panose="02040503050406030204" pitchFamily="18" charset="0"/>
+                                </a:rPr>
+                                <m:t>𝑥</m:t>
+                              </m:r>
+                              <m:r>
+                                <a:rPr lang="de-DE" b="0" i="1" smtClean="0">
+                                  <a:latin typeface="Cambria Math" panose="02040503050406030204" pitchFamily="18" charset="0"/>
+                                </a:rPr>
+                                <m:t>,</m:t>
+                              </m:r>
+                              <m:r>
+                                <a:rPr lang="de-DE" b="0" i="1" smtClean="0">
+                                  <a:latin typeface="Cambria Math" panose="02040503050406030204" pitchFamily="18" charset="0"/>
+                                </a:rPr>
+                                <m:t>𝑦</m:t>
+                              </m:r>
+                              <m:r>
+                                <a:rPr lang="de-DE" b="0" i="1" smtClean="0">
+                                  <a:latin typeface="Cambria Math" panose="02040503050406030204" pitchFamily="18" charset="0"/>
+                                  <a:ea typeface="Cambria Math" panose="02040503050406030204" pitchFamily="18" charset="0"/>
+                                </a:rPr>
+                                <m:t>~</m:t>
+                              </m:r>
+                              <m:sSub>
+                                <m:sSubPr>
+                                  <m:ctrlPr>
+                                    <a:rPr lang="de-DE" b="0" i="1" smtClean="0">
+                                      <a:latin typeface="Cambria Math" panose="02040503050406030204" pitchFamily="18" charset="0"/>
+                                      <a:ea typeface="Cambria Math" panose="02040503050406030204" pitchFamily="18" charset="0"/>
+                                    </a:rPr>
+                                  </m:ctrlPr>
+                                </m:sSubPr>
+                                <m:e>
+                                  <m:r>
+                                    <a:rPr lang="de-DE" b="0" i="1" smtClean="0">
+                                      <a:latin typeface="Cambria Math" panose="02040503050406030204" pitchFamily="18" charset="0"/>
+                                      <a:ea typeface="Cambria Math" panose="02040503050406030204" pitchFamily="18" charset="0"/>
+                                    </a:rPr>
+                                    <m:t>𝜋</m:t>
+                                  </m:r>
+                                </m:e>
+                                <m:sub>
+                                  <m:r>
+                                    <a:rPr lang="de-DE" b="0" i="1" smtClean="0">
+                                      <a:latin typeface="Cambria Math" panose="02040503050406030204" pitchFamily="18" charset="0"/>
+                                      <a:ea typeface="Cambria Math" panose="02040503050406030204" pitchFamily="18" charset="0"/>
+                                    </a:rPr>
+                                    <m:t>𝜃</m:t>
+                                  </m:r>
+                                </m:sub>
+                              </m:sSub>
+                            </m:sub>
+                          </m:sSub>
+                          <m:d>
+                            <m:dPr>
+                              <m:begChr m:val="["/>
+                              <m:endChr m:val="]"/>
+                              <m:ctrlPr>
+                                <a:rPr lang="en-US" i="1" smtClean="0">
+                                  <a:latin typeface="Cambria Math" panose="02040503050406030204" pitchFamily="18" charset="0"/>
+                                </a:rPr>
+                              </m:ctrlPr>
+                            </m:dPr>
+                            <m:e>
+                              <m:r>
+                                <a:rPr lang="de-DE" b="0" i="1" smtClean="0">
+                                  <a:latin typeface="Cambria Math" panose="02040503050406030204" pitchFamily="18" charset="0"/>
+                                </a:rPr>
+                                <m:t>𝑟</m:t>
+                              </m:r>
+                              <m:r>
+                                <a:rPr lang="de-DE" b="0" i="1" smtClean="0">
+                                  <a:latin typeface="Cambria Math" panose="02040503050406030204" pitchFamily="18" charset="0"/>
+                                </a:rPr>
+                                <m:t>(</m:t>
+                              </m:r>
+                              <m:r>
+                                <a:rPr lang="de-DE" b="0" i="1" smtClean="0">
+                                  <a:latin typeface="Cambria Math" panose="02040503050406030204" pitchFamily="18" charset="0"/>
+                                </a:rPr>
+                                <m:t>𝑥</m:t>
+                              </m:r>
+                              <m:r>
+                                <a:rPr lang="de-DE" b="0" i="1" smtClean="0">
+                                  <a:latin typeface="Cambria Math" panose="02040503050406030204" pitchFamily="18" charset="0"/>
+                                </a:rPr>
+                                <m:t>,</m:t>
+                              </m:r>
+                              <m:r>
+                                <a:rPr lang="de-DE" b="0" i="1" smtClean="0">
+                                  <a:latin typeface="Cambria Math" panose="02040503050406030204" pitchFamily="18" charset="0"/>
+                                </a:rPr>
+                                <m:t>𝑦</m:t>
+                              </m:r>
+                              <m:r>
+                                <a:rPr lang="de-DE" b="0" i="1" smtClean="0">
+                                  <a:latin typeface="Cambria Math" panose="02040503050406030204" pitchFamily="18" charset="0"/>
+                                </a:rPr>
+                                <m:t>)</m:t>
+                              </m:r>
+                            </m:e>
+                          </m:d>
+                          <m:r>
+                            <a:rPr lang="de-DE" b="0" i="1" smtClean="0">
+                              <a:latin typeface="Cambria Math" panose="02040503050406030204" pitchFamily="18" charset="0"/>
+                            </a:rPr>
+                            <m:t>−</m:t>
+                          </m:r>
+                          <m:r>
+                            <a:rPr lang="de-DE" b="0" i="1" smtClean="0">
+                              <a:latin typeface="Cambria Math" panose="02040503050406030204" pitchFamily="18" charset="0"/>
+                              <a:ea typeface="Cambria Math" panose="02040503050406030204" pitchFamily="18" charset="0"/>
+                            </a:rPr>
+                            <m:t>𝛽</m:t>
+                          </m:r>
+                          <m:sSub>
+                            <m:sSubPr>
+                              <m:ctrlPr>
+                                <a:rPr lang="de-DE" b="0" i="1" smtClean="0">
+                                  <a:latin typeface="Cambria Math" panose="02040503050406030204" pitchFamily="18" charset="0"/>
+                                  <a:ea typeface="Cambria Math" panose="02040503050406030204" pitchFamily="18" charset="0"/>
+                                </a:rPr>
+                              </m:ctrlPr>
+                            </m:sSubPr>
+                            <m:e>
+                              <m:r>
+                                <a:rPr lang="de-DE" b="0" i="1" smtClean="0">
+                                  <a:latin typeface="Cambria Math" panose="02040503050406030204" pitchFamily="18" charset="0"/>
+                                  <a:ea typeface="Cambria Math" panose="02040503050406030204" pitchFamily="18" charset="0"/>
+                                </a:rPr>
+                                <m:t>𝐷</m:t>
+                              </m:r>
+                            </m:e>
+                            <m:sub>
+                              <m:r>
+                                <a:rPr lang="de-DE" b="0" i="1" smtClean="0">
+                                  <a:latin typeface="Cambria Math" panose="02040503050406030204" pitchFamily="18" charset="0"/>
+                                  <a:ea typeface="Cambria Math" panose="02040503050406030204" pitchFamily="18" charset="0"/>
+                                </a:rPr>
+                                <m:t>𝐾𝐿</m:t>
+                              </m:r>
+                            </m:sub>
+                          </m:sSub>
+                          <m:d>
+                            <m:dPr>
+                              <m:begChr m:val="["/>
+                              <m:endChr m:val="]"/>
+                              <m:ctrlPr>
+                                <a:rPr lang="de-DE" b="0" i="1" smtClean="0">
+                                  <a:latin typeface="Cambria Math" panose="02040503050406030204" pitchFamily="18" charset="0"/>
+                                  <a:ea typeface="Cambria Math" panose="02040503050406030204" pitchFamily="18" charset="0"/>
+                                </a:rPr>
+                              </m:ctrlPr>
+                            </m:dPr>
+                            <m:e>
+                              <m:d>
+                                <m:dPr>
+                                  <m:begChr m:val=""/>
+                                  <m:endChr m:val="‖"/>
+                                  <m:ctrlPr>
+                                    <a:rPr lang="de-DE" b="0" i="1" smtClean="0">
+                                      <a:latin typeface="Cambria Math" panose="02040503050406030204" pitchFamily="18" charset="0"/>
+                                      <a:ea typeface="Cambria Math" panose="02040503050406030204" pitchFamily="18" charset="0"/>
+                                    </a:rPr>
+                                  </m:ctrlPr>
+                                </m:dPr>
+                                <m:e>
+                                  <m:sSub>
+                                    <m:sSubPr>
+                                      <m:ctrlPr>
+                                        <a:rPr lang="de-DE" i="1">
+                                          <a:latin typeface="Cambria Math" panose="02040503050406030204" pitchFamily="18" charset="0"/>
+                                          <a:ea typeface="Cambria Math" panose="02040503050406030204" pitchFamily="18" charset="0"/>
+                                        </a:rPr>
+                                      </m:ctrlPr>
+                                    </m:sSubPr>
+                                    <m:e>
+                                      <m:r>
+                                        <a:rPr lang="de-DE" i="1">
+                                          <a:latin typeface="Cambria Math" panose="02040503050406030204" pitchFamily="18" charset="0"/>
+                                          <a:ea typeface="Cambria Math" panose="02040503050406030204" pitchFamily="18" charset="0"/>
+                                        </a:rPr>
+                                        <m:t>𝜋</m:t>
+                                      </m:r>
+                                    </m:e>
+                                    <m:sub>
+                                      <m:r>
+                                        <a:rPr lang="de-DE" i="1">
+                                          <a:latin typeface="Cambria Math" panose="02040503050406030204" pitchFamily="18" charset="0"/>
+                                          <a:ea typeface="Cambria Math" panose="02040503050406030204" pitchFamily="18" charset="0"/>
+                                        </a:rPr>
+                                        <m:t>𝜃</m:t>
+                                      </m:r>
+                                    </m:sub>
+                                  </m:sSub>
+                                </m:e>
+                              </m:d>
+                              <m:sSub>
+                                <m:sSubPr>
+                                  <m:ctrlPr>
+                                    <a:rPr lang="de-DE" i="1">
+                                      <a:latin typeface="Cambria Math" panose="02040503050406030204" pitchFamily="18" charset="0"/>
+                                      <a:ea typeface="Cambria Math" panose="02040503050406030204" pitchFamily="18" charset="0"/>
+                                    </a:rPr>
+                                  </m:ctrlPr>
+                                </m:sSubPr>
+                                <m:e>
+                                  <m:r>
+                                    <a:rPr lang="de-DE" i="1">
+                                      <a:latin typeface="Cambria Math" panose="02040503050406030204" pitchFamily="18" charset="0"/>
+                                      <a:ea typeface="Cambria Math" panose="02040503050406030204" pitchFamily="18" charset="0"/>
+                                    </a:rPr>
+                                    <m:t>𝜋</m:t>
+                                  </m:r>
+                                </m:e>
+                                <m:sub>
+                                  <m:r>
+                                    <a:rPr lang="de-DE" b="0" i="1" smtClean="0">
+                                      <a:latin typeface="Cambria Math" panose="02040503050406030204" pitchFamily="18" charset="0"/>
+                                      <a:ea typeface="Cambria Math" panose="02040503050406030204" pitchFamily="18" charset="0"/>
+                                    </a:rPr>
+                                    <m:t>𝑟𝑒𝑓</m:t>
+                                  </m:r>
+                                </m:sub>
+                              </m:sSub>
+                            </m:e>
+                          </m:d>
+                        </m:e>
+                      </m:func>
+                    </m:oMath>
+                  </m:oMathPara>
+                </a14:m>
+                <a:endParaRPr lang="de-DE" dirty="0"/>
+              </a:p>
+              <a:p>
+                <a:pPr marL="114300" indent="0">
+                  <a:buNone/>
+                </a:pPr>
+                <a:r>
+                  <a:rPr lang="en-US" dirty="0"/>
+                  <a:t>Where: </a:t>
+                </a:r>
+              </a:p>
+              <a:p>
+                <a14:m>
+                  <m:oMath xmlns:m="http://schemas.openxmlformats.org/officeDocument/2006/math">
+                    <m:sSub>
+                      <m:sSubPr>
+                        <m:ctrlPr>
+                          <a:rPr lang="en-US" i="1" smtClean="0">
+                            <a:latin typeface="Cambria Math" panose="02040503050406030204" pitchFamily="18" charset="0"/>
+                          </a:rPr>
+                        </m:ctrlPr>
+                      </m:sSubPr>
+                      <m:e>
+                        <m:r>
+                          <a:rPr lang="en-US" i="1" smtClean="0">
+                            <a:latin typeface="Cambria Math" panose="02040503050406030204" pitchFamily="18" charset="0"/>
+                            <a:ea typeface="Cambria Math" panose="02040503050406030204" pitchFamily="18" charset="0"/>
+                          </a:rPr>
+                          <m:t>𝜋</m:t>
+                        </m:r>
+                      </m:e>
+                      <m:sub>
+                        <m:r>
+                          <a:rPr lang="en-US" i="1" smtClean="0">
+                            <a:latin typeface="Cambria Math" panose="02040503050406030204" pitchFamily="18" charset="0"/>
+                            <a:ea typeface="Cambria Math" panose="02040503050406030204" pitchFamily="18" charset="0"/>
+                          </a:rPr>
+                          <m:t>𝜃</m:t>
+                        </m:r>
+                      </m:sub>
+                    </m:sSub>
+                  </m:oMath>
+                </a14:m>
+                <a:r>
+                  <a:rPr lang="en-US" dirty="0"/>
+                  <a:t>: optimized policy, parameterized by </a:t>
+                </a:r>
+                <a14:m>
+                  <m:oMath xmlns:m="http://schemas.openxmlformats.org/officeDocument/2006/math">
+                    <m:r>
+                      <a:rPr lang="en-US" i="1" smtClean="0">
+                        <a:latin typeface="Cambria Math" panose="02040503050406030204" pitchFamily="18" charset="0"/>
+                        <a:ea typeface="Cambria Math" panose="02040503050406030204" pitchFamily="18" charset="0"/>
+                      </a:rPr>
+                      <m:t>𝜃</m:t>
+                    </m:r>
+                  </m:oMath>
+                </a14:m>
+                <a:r>
+                  <a:rPr lang="en-US" dirty="0"/>
+                  <a:t>. It represents the model we are training to align with human preferences.</a:t>
+                </a:r>
+              </a:p>
+              <a:p>
+                <a14:m>
+                  <m:oMath xmlns:m="http://schemas.openxmlformats.org/officeDocument/2006/math">
+                    <m:r>
+                      <a:rPr lang="de-DE" b="0" i="1" smtClean="0">
+                        <a:latin typeface="Cambria Math" panose="02040503050406030204" pitchFamily="18" charset="0"/>
+                      </a:rPr>
+                      <m:t>𝑥</m:t>
+                    </m:r>
+                  </m:oMath>
+                </a14:m>
+                <a:r>
+                  <a:rPr lang="en-US" dirty="0"/>
+                  <a:t>: the input or prompt given to the model</a:t>
+                </a:r>
+              </a:p>
+              <a:p>
+                <a14:m>
+                  <m:oMath xmlns:m="http://schemas.openxmlformats.org/officeDocument/2006/math">
+                    <m:r>
+                      <a:rPr lang="de-DE" b="0" i="1" smtClean="0">
+                        <a:latin typeface="Cambria Math" panose="02040503050406030204" pitchFamily="18" charset="0"/>
+                      </a:rPr>
+                      <m:t>𝑦</m:t>
+                    </m:r>
+                  </m:oMath>
+                </a14:m>
+                <a:r>
+                  <a:rPr lang="en-US" dirty="0"/>
+                  <a:t>: the response or output generated by the model based on the input </a:t>
+                </a:r>
+                <a14:m>
+                  <m:oMath xmlns:m="http://schemas.openxmlformats.org/officeDocument/2006/math">
+                    <m:r>
+                      <a:rPr lang="de-DE" b="0" i="1" smtClean="0">
+                        <a:latin typeface="Cambria Math" panose="02040503050406030204" pitchFamily="18" charset="0"/>
+                      </a:rPr>
+                      <m:t>𝑥</m:t>
+                    </m:r>
+                  </m:oMath>
+                </a14:m>
+                <a:endParaRPr lang="en-US" dirty="0"/>
+              </a:p>
+              <a:p>
+                <a14:m>
+                  <m:oMath xmlns:m="http://schemas.openxmlformats.org/officeDocument/2006/math">
+                    <m:r>
+                      <a:rPr lang="de-DE" b="0" i="1" smtClean="0">
+                        <a:latin typeface="Cambria Math" panose="02040503050406030204" pitchFamily="18" charset="0"/>
+                      </a:rPr>
+                      <m:t>𝑟</m:t>
+                    </m:r>
+                    <m:d>
+                      <m:dPr>
+                        <m:ctrlPr>
+                          <a:rPr lang="de-DE" b="0" i="1" smtClean="0">
+                            <a:latin typeface="Cambria Math" panose="02040503050406030204" pitchFamily="18" charset="0"/>
+                          </a:rPr>
+                        </m:ctrlPr>
+                      </m:dPr>
+                      <m:e>
+                        <m:r>
+                          <a:rPr lang="de-DE" b="0" i="1" smtClean="0">
+                            <a:latin typeface="Cambria Math" panose="02040503050406030204" pitchFamily="18" charset="0"/>
+                          </a:rPr>
+                          <m:t>𝑥</m:t>
+                        </m:r>
+                        <m:r>
+                          <a:rPr lang="de-DE" b="0" i="1" smtClean="0">
+                            <a:latin typeface="Cambria Math" panose="02040503050406030204" pitchFamily="18" charset="0"/>
+                          </a:rPr>
+                          <m:t>,</m:t>
+                        </m:r>
+                        <m:r>
+                          <a:rPr lang="de-DE" b="0" i="1" smtClean="0">
+                            <a:latin typeface="Cambria Math" panose="02040503050406030204" pitchFamily="18" charset="0"/>
+                          </a:rPr>
+                          <m:t>𝑦</m:t>
+                        </m:r>
+                      </m:e>
+                    </m:d>
+                  </m:oMath>
+                </a14:m>
+                <a:r>
+                  <a:rPr lang="en-US" dirty="0"/>
+                  <a:t>: reward function that measures the quality of the response </a:t>
+                </a:r>
+                <a14:m>
+                  <m:oMath xmlns:m="http://schemas.openxmlformats.org/officeDocument/2006/math">
+                    <m:r>
+                      <a:rPr lang="de-DE" b="0" i="1" smtClean="0">
+                        <a:latin typeface="Cambria Math" panose="02040503050406030204" pitchFamily="18" charset="0"/>
+                      </a:rPr>
+                      <m:t>𝑦</m:t>
+                    </m:r>
+                  </m:oMath>
+                </a14:m>
+                <a:r>
+                  <a:rPr lang="en-US" dirty="0"/>
+                  <a:t> given input </a:t>
+                </a:r>
+                <a14:m>
+                  <m:oMath xmlns:m="http://schemas.openxmlformats.org/officeDocument/2006/math">
+                    <m:r>
+                      <a:rPr lang="de-DE" b="0" i="1" smtClean="0">
+                        <a:latin typeface="Cambria Math" panose="02040503050406030204" pitchFamily="18" charset="0"/>
+                      </a:rPr>
+                      <m:t>𝑥</m:t>
+                    </m:r>
+                  </m:oMath>
+                </a14:m>
+                <a:endParaRPr lang="en-US" dirty="0"/>
+              </a:p>
+              <a:p>
+                <a14:m>
+                  <m:oMath xmlns:m="http://schemas.openxmlformats.org/officeDocument/2006/math">
+                    <m:sSub>
+                      <m:sSubPr>
+                        <m:ctrlPr>
+                          <a:rPr lang="en-US" i="1" smtClean="0">
+                            <a:latin typeface="Cambria Math" panose="02040503050406030204" pitchFamily="18" charset="0"/>
+                          </a:rPr>
+                        </m:ctrlPr>
+                      </m:sSubPr>
+                      <m:e>
+                        <m:r>
+                          <a:rPr lang="en-US" i="1" smtClean="0">
+                            <a:latin typeface="Cambria Math" panose="02040503050406030204" pitchFamily="18" charset="0"/>
+                            <a:ea typeface="Cambria Math" panose="02040503050406030204" pitchFamily="18" charset="0"/>
+                          </a:rPr>
+                          <m:t>𝔼</m:t>
+                        </m:r>
+                      </m:e>
+                      <m:sub>
+                        <m:r>
+                          <a:rPr lang="de-DE" b="0" i="1" smtClean="0">
+                            <a:latin typeface="Cambria Math" panose="02040503050406030204" pitchFamily="18" charset="0"/>
+                          </a:rPr>
+                          <m:t>𝑥</m:t>
+                        </m:r>
+                        <m:r>
+                          <a:rPr lang="de-DE" b="0" i="1" smtClean="0">
+                            <a:latin typeface="Cambria Math" panose="02040503050406030204" pitchFamily="18" charset="0"/>
+                          </a:rPr>
+                          <m:t>,</m:t>
+                        </m:r>
+                        <m:r>
+                          <a:rPr lang="de-DE" b="0" i="1" smtClean="0">
+                            <a:latin typeface="Cambria Math" panose="02040503050406030204" pitchFamily="18" charset="0"/>
+                          </a:rPr>
+                          <m:t>𝑦</m:t>
+                        </m:r>
+                        <m:r>
+                          <a:rPr lang="de-DE" b="0" i="1" smtClean="0">
+                            <a:latin typeface="Cambria Math" panose="02040503050406030204" pitchFamily="18" charset="0"/>
+                            <a:ea typeface="Cambria Math" panose="02040503050406030204" pitchFamily="18" charset="0"/>
+                          </a:rPr>
+                          <m:t>~</m:t>
+                        </m:r>
+                        <m:sSub>
+                          <m:sSubPr>
+                            <m:ctrlPr>
+                              <a:rPr lang="de-DE" b="0" i="1" smtClean="0">
+                                <a:latin typeface="Cambria Math" panose="02040503050406030204" pitchFamily="18" charset="0"/>
+                                <a:ea typeface="Cambria Math" panose="02040503050406030204" pitchFamily="18" charset="0"/>
+                              </a:rPr>
+                            </m:ctrlPr>
+                          </m:sSubPr>
+                          <m:e>
+                            <m:r>
+                              <a:rPr lang="de-DE" b="0" i="1" smtClean="0">
+                                <a:latin typeface="Cambria Math" panose="02040503050406030204" pitchFamily="18" charset="0"/>
+                                <a:ea typeface="Cambria Math" panose="02040503050406030204" pitchFamily="18" charset="0"/>
+                              </a:rPr>
+                              <m:t>𝜋</m:t>
+                            </m:r>
+                          </m:e>
+                          <m:sub>
+                            <m:r>
+                              <a:rPr lang="de-DE" b="0" i="1" smtClean="0">
+                                <a:latin typeface="Cambria Math" panose="02040503050406030204" pitchFamily="18" charset="0"/>
+                                <a:ea typeface="Cambria Math" panose="02040503050406030204" pitchFamily="18" charset="0"/>
+                              </a:rPr>
+                              <m:t>𝜃</m:t>
+                            </m:r>
+                          </m:sub>
+                        </m:sSub>
+                      </m:sub>
+                    </m:sSub>
+                    <m:d>
+                      <m:dPr>
+                        <m:begChr m:val="["/>
+                        <m:endChr m:val="]"/>
+                        <m:ctrlPr>
+                          <a:rPr lang="en-US" i="1" smtClean="0">
+                            <a:latin typeface="Cambria Math" panose="02040503050406030204" pitchFamily="18" charset="0"/>
+                          </a:rPr>
+                        </m:ctrlPr>
+                      </m:dPr>
+                      <m:e>
+                        <m:r>
+                          <a:rPr lang="de-DE" i="1">
+                            <a:latin typeface="Cambria Math" panose="02040503050406030204" pitchFamily="18" charset="0"/>
+                            <a:ea typeface="Cambria Math" panose="02040503050406030204" pitchFamily="18" charset="0"/>
+                          </a:rPr>
+                          <m:t>∙</m:t>
+                        </m:r>
+                      </m:e>
+                    </m:d>
+                  </m:oMath>
+                </a14:m>
+                <a:r>
+                  <a:rPr lang="en-US" dirty="0"/>
+                  <a:t>: expectation over the response </a:t>
+                </a:r>
+                <a14:m>
+                  <m:oMath xmlns:m="http://schemas.openxmlformats.org/officeDocument/2006/math">
+                    <m:r>
+                      <a:rPr lang="de-DE" b="0" i="1" smtClean="0">
+                        <a:latin typeface="Cambria Math" panose="02040503050406030204" pitchFamily="18" charset="0"/>
+                      </a:rPr>
+                      <m:t>𝑦</m:t>
+                    </m:r>
+                  </m:oMath>
+                </a14:m>
+                <a:r>
+                  <a:rPr lang="en-US" dirty="0"/>
+                  <a:t> generated by policy </a:t>
+                </a:r>
+                <a14:m>
+                  <m:oMath xmlns:m="http://schemas.openxmlformats.org/officeDocument/2006/math">
+                    <m:sSub>
+                      <m:sSubPr>
+                        <m:ctrlPr>
+                          <a:rPr lang="en-US" i="1" smtClean="0">
+                            <a:latin typeface="Cambria Math" panose="02040503050406030204" pitchFamily="18" charset="0"/>
+                          </a:rPr>
+                        </m:ctrlPr>
+                      </m:sSubPr>
+                      <m:e>
+                        <m:r>
+                          <a:rPr lang="en-US" i="1" smtClean="0">
+                            <a:latin typeface="Cambria Math" panose="02040503050406030204" pitchFamily="18" charset="0"/>
+                            <a:ea typeface="Cambria Math" panose="02040503050406030204" pitchFamily="18" charset="0"/>
+                          </a:rPr>
+                          <m:t>𝜋</m:t>
+                        </m:r>
+                      </m:e>
+                      <m:sub>
+                        <m:r>
+                          <a:rPr lang="en-US" i="1" smtClean="0">
+                            <a:latin typeface="Cambria Math" panose="02040503050406030204" pitchFamily="18" charset="0"/>
+                            <a:ea typeface="Cambria Math" panose="02040503050406030204" pitchFamily="18" charset="0"/>
+                          </a:rPr>
+                          <m:t>𝜃</m:t>
+                        </m:r>
+                      </m:sub>
+                    </m:sSub>
+                  </m:oMath>
+                </a14:m>
+                <a:endParaRPr lang="en-US" dirty="0"/>
+              </a:p>
+              <a:p>
+                <a14:m>
+                  <m:oMath xmlns:m="http://schemas.openxmlformats.org/officeDocument/2006/math">
+                    <m:sSub>
+                      <m:sSubPr>
+                        <m:ctrlPr>
+                          <a:rPr lang="de-DE" b="0" i="1" smtClean="0">
+                            <a:latin typeface="Cambria Math" panose="02040503050406030204" pitchFamily="18" charset="0"/>
+                            <a:ea typeface="Cambria Math" panose="02040503050406030204" pitchFamily="18" charset="0"/>
+                          </a:rPr>
+                        </m:ctrlPr>
+                      </m:sSubPr>
+                      <m:e>
+                        <m:r>
+                          <a:rPr lang="de-DE" b="0" i="1" smtClean="0">
+                            <a:latin typeface="Cambria Math" panose="02040503050406030204" pitchFamily="18" charset="0"/>
+                            <a:ea typeface="Cambria Math" panose="02040503050406030204" pitchFamily="18" charset="0"/>
+                          </a:rPr>
+                          <m:t>𝐷</m:t>
+                        </m:r>
+                      </m:e>
+                      <m:sub>
+                        <m:r>
+                          <a:rPr lang="de-DE" b="0" i="1" smtClean="0">
+                            <a:latin typeface="Cambria Math" panose="02040503050406030204" pitchFamily="18" charset="0"/>
+                            <a:ea typeface="Cambria Math" panose="02040503050406030204" pitchFamily="18" charset="0"/>
+                          </a:rPr>
+                          <m:t>𝐾𝐿</m:t>
+                        </m:r>
+                      </m:sub>
+                    </m:sSub>
+                    <m:d>
+                      <m:dPr>
+                        <m:begChr m:val="["/>
+                        <m:endChr m:val="]"/>
+                        <m:ctrlPr>
+                          <a:rPr lang="de-DE" b="0" i="1" smtClean="0">
+                            <a:latin typeface="Cambria Math" panose="02040503050406030204" pitchFamily="18" charset="0"/>
+                            <a:ea typeface="Cambria Math" panose="02040503050406030204" pitchFamily="18" charset="0"/>
+                          </a:rPr>
+                        </m:ctrlPr>
+                      </m:dPr>
+                      <m:e>
+                        <m:d>
+                          <m:dPr>
+                            <m:begChr m:val=""/>
+                            <m:endChr m:val="‖"/>
+                            <m:ctrlPr>
+                              <a:rPr lang="de-DE" b="0" i="1" smtClean="0">
+                                <a:latin typeface="Cambria Math" panose="02040503050406030204" pitchFamily="18" charset="0"/>
+                                <a:ea typeface="Cambria Math" panose="02040503050406030204" pitchFamily="18" charset="0"/>
+                              </a:rPr>
+                            </m:ctrlPr>
+                          </m:dPr>
+                          <m:e>
+                            <m:sSub>
+                              <m:sSubPr>
+                                <m:ctrlPr>
+                                  <a:rPr lang="de-DE" i="1">
+                                    <a:latin typeface="Cambria Math" panose="02040503050406030204" pitchFamily="18" charset="0"/>
+                                    <a:ea typeface="Cambria Math" panose="02040503050406030204" pitchFamily="18" charset="0"/>
+                                  </a:rPr>
+                                </m:ctrlPr>
+                              </m:sSubPr>
+                              <m:e>
+                                <m:r>
+                                  <a:rPr lang="de-DE" i="1">
+                                    <a:latin typeface="Cambria Math" panose="02040503050406030204" pitchFamily="18" charset="0"/>
+                                    <a:ea typeface="Cambria Math" panose="02040503050406030204" pitchFamily="18" charset="0"/>
+                                  </a:rPr>
+                                  <m:t>𝜋</m:t>
+                                </m:r>
+                              </m:e>
+                              <m:sub>
+                                <m:r>
+                                  <a:rPr lang="de-DE" i="1">
+                                    <a:latin typeface="Cambria Math" panose="02040503050406030204" pitchFamily="18" charset="0"/>
+                                    <a:ea typeface="Cambria Math" panose="02040503050406030204" pitchFamily="18" charset="0"/>
+                                  </a:rPr>
+                                  <m:t>𝜃</m:t>
+                                </m:r>
+                              </m:sub>
+                            </m:sSub>
+                          </m:e>
+                        </m:d>
+                        <m:sSub>
+                          <m:sSubPr>
+                            <m:ctrlPr>
+                              <a:rPr lang="de-DE" i="1">
+                                <a:latin typeface="Cambria Math" panose="02040503050406030204" pitchFamily="18" charset="0"/>
+                                <a:ea typeface="Cambria Math" panose="02040503050406030204" pitchFamily="18" charset="0"/>
+                              </a:rPr>
+                            </m:ctrlPr>
+                          </m:sSubPr>
+                          <m:e>
+                            <m:r>
+                              <a:rPr lang="de-DE" i="1">
+                                <a:latin typeface="Cambria Math" panose="02040503050406030204" pitchFamily="18" charset="0"/>
+                                <a:ea typeface="Cambria Math" panose="02040503050406030204" pitchFamily="18" charset="0"/>
+                              </a:rPr>
+                              <m:t>𝜋</m:t>
+                            </m:r>
+                          </m:e>
+                          <m:sub>
+                            <m:r>
+                              <a:rPr lang="de-DE" b="0" i="1" smtClean="0">
+                                <a:latin typeface="Cambria Math" panose="02040503050406030204" pitchFamily="18" charset="0"/>
+                                <a:ea typeface="Cambria Math" panose="02040503050406030204" pitchFamily="18" charset="0"/>
+                              </a:rPr>
+                              <m:t>𝑟𝑒𝑓</m:t>
+                            </m:r>
+                          </m:sub>
+                        </m:sSub>
+                      </m:e>
+                    </m:d>
+                  </m:oMath>
+                </a14:m>
+                <a:r>
+                  <a:rPr lang="en-US" dirty="0"/>
+                  <a:t>: KL-divergence between the current policy </a:t>
+                </a:r>
+                <a14:m>
+                  <m:oMath xmlns:m="http://schemas.openxmlformats.org/officeDocument/2006/math">
+                    <m:sSub>
+                      <m:sSubPr>
+                        <m:ctrlPr>
+                          <a:rPr lang="en-US" i="1">
+                            <a:latin typeface="Cambria Math" panose="02040503050406030204" pitchFamily="18" charset="0"/>
+                          </a:rPr>
+                        </m:ctrlPr>
+                      </m:sSubPr>
+                      <m:e>
+                        <m:r>
+                          <a:rPr lang="en-US" i="1">
+                            <a:latin typeface="Cambria Math" panose="02040503050406030204" pitchFamily="18" charset="0"/>
+                            <a:ea typeface="Cambria Math" panose="02040503050406030204" pitchFamily="18" charset="0"/>
+                          </a:rPr>
+                          <m:t>𝜋</m:t>
+                        </m:r>
+                      </m:e>
+                      <m:sub>
+                        <m:r>
+                          <a:rPr lang="en-US" i="1">
+                            <a:latin typeface="Cambria Math" panose="02040503050406030204" pitchFamily="18" charset="0"/>
+                            <a:ea typeface="Cambria Math" panose="02040503050406030204" pitchFamily="18" charset="0"/>
+                          </a:rPr>
+                          <m:t>𝜃</m:t>
+                        </m:r>
+                      </m:sub>
+                    </m:sSub>
+                  </m:oMath>
+                </a14:m>
+                <a:r>
+                  <a:rPr lang="en-US" dirty="0"/>
+                  <a:t> and a reference policy </a:t>
+                </a:r>
+                <a14:m>
+                  <m:oMath xmlns:m="http://schemas.openxmlformats.org/officeDocument/2006/math">
+                    <m:sSub>
+                      <m:sSubPr>
+                        <m:ctrlPr>
+                          <a:rPr lang="en-US" i="1">
+                            <a:latin typeface="Cambria Math" panose="02040503050406030204" pitchFamily="18" charset="0"/>
+                          </a:rPr>
+                        </m:ctrlPr>
+                      </m:sSubPr>
+                      <m:e>
+                        <m:r>
+                          <a:rPr lang="en-US" i="1">
+                            <a:latin typeface="Cambria Math" panose="02040503050406030204" pitchFamily="18" charset="0"/>
+                            <a:ea typeface="Cambria Math" panose="02040503050406030204" pitchFamily="18" charset="0"/>
+                          </a:rPr>
+                          <m:t>𝜋</m:t>
+                        </m:r>
+                      </m:e>
+                      <m:sub>
+                        <m:r>
+                          <a:rPr lang="de-DE" b="0" i="1" smtClean="0">
+                            <a:latin typeface="Cambria Math" panose="02040503050406030204" pitchFamily="18" charset="0"/>
+                            <a:ea typeface="Cambria Math" panose="02040503050406030204" pitchFamily="18" charset="0"/>
+                          </a:rPr>
+                          <m:t>𝑟𝑒𝑓</m:t>
+                        </m:r>
+                      </m:sub>
+                    </m:sSub>
+                  </m:oMath>
+                </a14:m>
+                <a:endParaRPr lang="en-US" dirty="0"/>
+              </a:p>
+              <a:p>
+                <a14:m>
+                  <m:oMath xmlns:m="http://schemas.openxmlformats.org/officeDocument/2006/math">
+                    <m:r>
+                      <a:rPr lang="en-US" i="1" smtClean="0">
+                        <a:latin typeface="Cambria Math" panose="02040503050406030204" pitchFamily="18" charset="0"/>
+                        <a:ea typeface="Cambria Math" panose="02040503050406030204" pitchFamily="18" charset="0"/>
+                      </a:rPr>
+                      <m:t>𝛽</m:t>
+                    </m:r>
+                  </m:oMath>
+                </a14:m>
+                <a:r>
+                  <a:rPr lang="en-US" dirty="0"/>
+                  <a:t>: hyperparameter that controls the trade-off between optimizing the reward function </a:t>
+                </a:r>
+                <a14:m>
+                  <m:oMath xmlns:m="http://schemas.openxmlformats.org/officeDocument/2006/math">
+                    <m:r>
+                      <a:rPr lang="de-DE" i="1">
+                        <a:latin typeface="Cambria Math" panose="02040503050406030204" pitchFamily="18" charset="0"/>
+                      </a:rPr>
+                      <m:t>𝑟</m:t>
+                    </m:r>
+                    <m:d>
+                      <m:dPr>
+                        <m:ctrlPr>
+                          <a:rPr lang="de-DE" i="1">
+                            <a:latin typeface="Cambria Math" panose="02040503050406030204" pitchFamily="18" charset="0"/>
+                          </a:rPr>
+                        </m:ctrlPr>
+                      </m:dPr>
+                      <m:e>
+                        <m:r>
+                          <a:rPr lang="de-DE" i="1">
+                            <a:latin typeface="Cambria Math" panose="02040503050406030204" pitchFamily="18" charset="0"/>
+                          </a:rPr>
+                          <m:t>𝑥</m:t>
+                        </m:r>
+                        <m:r>
+                          <a:rPr lang="de-DE" i="1">
+                            <a:latin typeface="Cambria Math" panose="02040503050406030204" pitchFamily="18" charset="0"/>
+                          </a:rPr>
+                          <m:t>,</m:t>
+                        </m:r>
+                        <m:r>
+                          <a:rPr lang="de-DE" i="1">
+                            <a:latin typeface="Cambria Math" panose="02040503050406030204" pitchFamily="18" charset="0"/>
+                          </a:rPr>
+                          <m:t>𝑦</m:t>
+                        </m:r>
+                      </m:e>
+                    </m:d>
+                  </m:oMath>
+                </a14:m>
+                <a:r>
+                  <a:rPr lang="en-US" dirty="0"/>
+                  <a:t> and staying close to the reference policy </a:t>
+                </a:r>
+                <a14:m>
+                  <m:oMath xmlns:m="http://schemas.openxmlformats.org/officeDocument/2006/math">
+                    <m:sSub>
+                      <m:sSubPr>
+                        <m:ctrlPr>
+                          <a:rPr lang="en-US" i="1">
+                            <a:latin typeface="Cambria Math" panose="02040503050406030204" pitchFamily="18" charset="0"/>
+                          </a:rPr>
+                        </m:ctrlPr>
+                      </m:sSubPr>
+                      <m:e>
+                        <m:r>
+                          <a:rPr lang="en-US" i="1">
+                            <a:latin typeface="Cambria Math" panose="02040503050406030204" pitchFamily="18" charset="0"/>
+                            <a:ea typeface="Cambria Math" panose="02040503050406030204" pitchFamily="18" charset="0"/>
+                          </a:rPr>
+                          <m:t>𝜋</m:t>
+                        </m:r>
+                      </m:e>
+                      <m:sub>
+                        <m:r>
+                          <a:rPr lang="de-DE" i="1">
+                            <a:latin typeface="Cambria Math" panose="02040503050406030204" pitchFamily="18" charset="0"/>
+                            <a:ea typeface="Cambria Math" panose="02040503050406030204" pitchFamily="18" charset="0"/>
+                          </a:rPr>
+                          <m:t>𝑟𝑒𝑓</m:t>
+                        </m:r>
+                      </m:sub>
+                    </m:sSub>
+                  </m:oMath>
+                </a14:m>
+                <a:endParaRPr lang="en-US" dirty="0"/>
+              </a:p>
+              <a:p>
+                <a14:m>
+                  <m:oMath xmlns:m="http://schemas.openxmlformats.org/officeDocument/2006/math">
+                    <m:sSub>
+                      <m:sSubPr>
+                        <m:ctrlPr>
+                          <a:rPr lang="en-US" i="1" smtClean="0">
+                            <a:latin typeface="Cambria Math" panose="02040503050406030204" pitchFamily="18" charset="0"/>
+                          </a:rPr>
+                        </m:ctrlPr>
+                      </m:sSubPr>
+                      <m:e>
+                        <m:r>
+                          <a:rPr lang="en-US" i="1">
+                            <a:latin typeface="Cambria Math" panose="02040503050406030204" pitchFamily="18" charset="0"/>
+                            <a:ea typeface="Cambria Math" panose="02040503050406030204" pitchFamily="18" charset="0"/>
+                          </a:rPr>
+                          <m:t>𝜋</m:t>
+                        </m:r>
+                      </m:e>
+                      <m:sub>
+                        <m:r>
+                          <a:rPr lang="de-DE" b="0" i="1" smtClean="0">
+                            <a:latin typeface="Cambria Math" panose="02040503050406030204" pitchFamily="18" charset="0"/>
+                            <a:ea typeface="Cambria Math" panose="02040503050406030204" pitchFamily="18" charset="0"/>
+                          </a:rPr>
+                          <m:t>𝑟𝑒𝑓</m:t>
+                        </m:r>
+                      </m:sub>
+                    </m:sSub>
+                  </m:oMath>
+                </a14:m>
+                <a:r>
+                  <a:rPr lang="en-US" dirty="0"/>
+                  <a:t>: the reference policy, often initialized as a supervised fine-tuned (SFT) model.</a:t>
+                </a:r>
+              </a:p>
+              <a:p>
+                <a:endParaRPr lang="en-US" dirty="0"/>
+              </a:p>
+              <a:p>
+                <a:pPr marL="114300" indent="0">
+                  <a:buNone/>
+                </a:pPr>
+                <a:endParaRPr lang="en-US" dirty="0"/>
+              </a:p>
+            </p:txBody>
+          </p:sp>
+        </mc:Choice>
+        <mc:Fallback xmlns="">
+          <p:sp>
+            <p:nvSpPr>
+              <p:cNvPr id="3" name="Text Placeholder 2">
+                <a:extLst>
+                  <a:ext uri="{FF2B5EF4-FFF2-40B4-BE49-F238E27FC236}">
+                    <a16:creationId xmlns:a16="http://schemas.microsoft.com/office/drawing/2014/main" id="{BF649786-F573-04F9-DAA6-2FDD989DF251}"/>
+                  </a:ext>
+                </a:extLst>
+              </p:cNvPr>
+              <p:cNvSpPr>
+                <a:spLocks noGrp="1" noRot="1" noChangeAspect="1" noMove="1" noResize="1" noEditPoints="1" noAdjustHandles="1" noChangeArrowheads="1" noChangeShapeType="1" noTextEdit="1"/>
+              </p:cNvSpPr>
+              <p:nvPr>
+                <p:ph type="body" idx="1"/>
+              </p:nvPr>
+            </p:nvSpPr>
+            <p:spPr>
+              <a:blipFill>
+                <a:blip r:embed="rId2"/>
+                <a:stretch>
+                  <a:fillRect t="-7836"/>
+                </a:stretch>
+              </a:blipFill>
+            </p:spPr>
+            <p:txBody>
+              <a:bodyPr/>
+              <a:lstStyle/>
+              <a:p>
+                <a:r>
+                  <a:rPr lang="en-US">
+                    <a:noFill/>
+                  </a:rPr>
+                  <a:t> </a:t>
+                </a:r>
+              </a:p>
+            </p:txBody>
+          </p:sp>
+        </mc:Fallback>
+      </mc:AlternateContent>
       <p:sp>
         <p:nvSpPr>
           <p:cNvPr id="4" name="Slide Number Placeholder 3">
@@ -39197,6 +40082,2207 @@
     <p:extLst>
       <p:ext uri="{BB962C8B-B14F-4D97-AF65-F5344CB8AC3E}">
         <p14:creationId xmlns:p14="http://schemas.microsoft.com/office/powerpoint/2010/main" val="1411808308"/>
+      </p:ext>
+    </p:extLst>
+  </p:cSld>
+  <p:clrMapOvr>
+    <a:masterClrMapping/>
+  </p:clrMapOvr>
+</p:sld>
+</file>
+
+<file path=ppt/slides/slide17.xml><?xml version="1.0" encoding="utf-8"?>
+<p:sld xmlns:a="http://schemas.openxmlformats.org/drawingml/2006/main" xmlns:r="http://schemas.openxmlformats.org/officeDocument/2006/relationships" xmlns:p="http://schemas.openxmlformats.org/presentationml/2006/main">
+  <p:cSld>
+    <p:spTree>
+      <p:nvGrpSpPr>
+        <p:cNvPr id="1" name="">
+          <a:extLst>
+            <a:ext uri="{FF2B5EF4-FFF2-40B4-BE49-F238E27FC236}">
+              <a16:creationId xmlns:a16="http://schemas.microsoft.com/office/drawing/2014/main" id="{6D3C7F7E-788B-C57F-E380-541A0D93E224}"/>
+            </a:ext>
+          </a:extLst>
+        </p:cNvPr>
+        <p:cNvGrpSpPr/>
+        <p:nvPr/>
+      </p:nvGrpSpPr>
+      <p:grpSpPr>
+        <a:xfrm>
+          <a:off x="0" y="0"/>
+          <a:ext cx="0" cy="0"/>
+          <a:chOff x="0" y="0"/>
+          <a:chExt cx="0" cy="0"/>
+        </a:xfrm>
+      </p:grpSpPr>
+      <p:sp>
+        <p:nvSpPr>
+          <p:cNvPr id="2" name="Title 1">
+            <a:extLst>
+              <a:ext uri="{FF2B5EF4-FFF2-40B4-BE49-F238E27FC236}">
+                <a16:creationId xmlns:a16="http://schemas.microsoft.com/office/drawing/2014/main" id="{4EB58723-583D-93BF-CDEF-C337FFF2CDC0}"/>
+              </a:ext>
+            </a:extLst>
+          </p:cNvPr>
+          <p:cNvSpPr>
+            <a:spLocks noGrp="1"/>
+          </p:cNvSpPr>
+          <p:nvPr>
+            <p:ph type="title"/>
+          </p:nvPr>
+        </p:nvSpPr>
+        <p:spPr/>
+        <p:txBody>
+          <a:bodyPr/>
+          <a:lstStyle/>
+          <a:p>
+            <a:r>
+              <a:rPr lang="en-US" dirty="0"/>
+              <a:t>Math Explanations - 2</a:t>
+            </a:r>
+          </a:p>
+        </p:txBody>
+      </p:sp>
+      <mc:AlternateContent xmlns:mc="http://schemas.openxmlformats.org/markup-compatibility/2006" xmlns:a14="http://schemas.microsoft.com/office/drawing/2010/main">
+        <mc:Choice Requires="a14">
+          <p:sp>
+            <p:nvSpPr>
+              <p:cNvPr id="3" name="Text Placeholder 2">
+                <a:extLst>
+                  <a:ext uri="{FF2B5EF4-FFF2-40B4-BE49-F238E27FC236}">
+                    <a16:creationId xmlns:a16="http://schemas.microsoft.com/office/drawing/2014/main" id="{7853FCC5-F1E6-E6E5-B94D-6A1986583E8D}"/>
+                  </a:ext>
+                </a:extLst>
+              </p:cNvPr>
+              <p:cNvSpPr>
+                <a:spLocks noGrp="1"/>
+              </p:cNvSpPr>
+              <p:nvPr>
+                <p:ph type="body" idx="1"/>
+              </p:nvPr>
+            </p:nvSpPr>
+            <p:spPr/>
+            <p:txBody>
+              <a:bodyPr>
+                <a:normAutofit fontScale="92500" lnSpcReduction="10000"/>
+              </a:bodyPr>
+              <a:lstStyle/>
+              <a:p>
+                <a:pPr marL="114300" indent="0">
+                  <a:buNone/>
+                </a:pPr>
+                <a14:m>
+                  <m:oMathPara xmlns:m="http://schemas.openxmlformats.org/officeDocument/2006/math">
+                    <m:oMathParaPr>
+                      <m:jc m:val="centerGroup"/>
+                    </m:oMathParaPr>
+                    <m:oMath xmlns:m="http://schemas.openxmlformats.org/officeDocument/2006/math">
+                      <m:r>
+                        <a:rPr lang="de-DE" i="1" smtClean="0">
+                          <a:latin typeface="Cambria Math" panose="02040503050406030204" pitchFamily="18" charset="0"/>
+                        </a:rPr>
+                        <m:t>𝑟</m:t>
+                      </m:r>
+                      <m:d>
+                        <m:dPr>
+                          <m:ctrlPr>
+                            <a:rPr lang="de-DE" i="1">
+                              <a:latin typeface="Cambria Math" panose="02040503050406030204" pitchFamily="18" charset="0"/>
+                            </a:rPr>
+                          </m:ctrlPr>
+                        </m:dPr>
+                        <m:e>
+                          <m:r>
+                            <a:rPr lang="de-DE" i="1">
+                              <a:latin typeface="Cambria Math" panose="02040503050406030204" pitchFamily="18" charset="0"/>
+                            </a:rPr>
+                            <m:t>𝑥</m:t>
+                          </m:r>
+                          <m:r>
+                            <a:rPr lang="de-DE" i="1">
+                              <a:latin typeface="Cambria Math" panose="02040503050406030204" pitchFamily="18" charset="0"/>
+                            </a:rPr>
+                            <m:t>,</m:t>
+                          </m:r>
+                          <m:r>
+                            <a:rPr lang="de-DE" i="1">
+                              <a:latin typeface="Cambria Math" panose="02040503050406030204" pitchFamily="18" charset="0"/>
+                            </a:rPr>
+                            <m:t>𝑦</m:t>
+                          </m:r>
+                        </m:e>
+                      </m:d>
+                      <m:r>
+                        <a:rPr lang="de-DE" i="1">
+                          <a:latin typeface="Cambria Math" panose="02040503050406030204" pitchFamily="18" charset="0"/>
+                        </a:rPr>
+                        <m:t>= </m:t>
+                      </m:r>
+                      <m:r>
+                        <a:rPr lang="de-DE" i="1">
+                          <a:latin typeface="Cambria Math" panose="02040503050406030204" pitchFamily="18" charset="0"/>
+                          <a:ea typeface="Cambria Math" panose="02040503050406030204" pitchFamily="18" charset="0"/>
+                        </a:rPr>
+                        <m:t>𝛽</m:t>
+                      </m:r>
+                      <m:r>
+                        <m:rPr>
+                          <m:nor/>
+                        </m:rPr>
+                        <a:rPr lang="de-DE">
+                          <a:latin typeface="Cambria Math" panose="02040503050406030204" pitchFamily="18" charset="0"/>
+                          <a:ea typeface="Cambria Math" panose="02040503050406030204" pitchFamily="18" charset="0"/>
+                        </a:rPr>
+                        <m:t>log</m:t>
+                      </m:r>
+                      <m:f>
+                        <m:fPr>
+                          <m:ctrlPr>
+                            <a:rPr lang="de-DE" i="1">
+                              <a:latin typeface="Cambria Math" panose="02040503050406030204" pitchFamily="18" charset="0"/>
+                              <a:ea typeface="Cambria Math" panose="02040503050406030204" pitchFamily="18" charset="0"/>
+                            </a:rPr>
+                          </m:ctrlPr>
+                        </m:fPr>
+                        <m:num>
+                          <m:sSub>
+                            <m:sSubPr>
+                              <m:ctrlPr>
+                                <a:rPr lang="en-US" i="1">
+                                  <a:latin typeface="Cambria Math" panose="02040503050406030204" pitchFamily="18" charset="0"/>
+                                </a:rPr>
+                              </m:ctrlPr>
+                            </m:sSubPr>
+                            <m:e>
+                              <m:r>
+                                <a:rPr lang="en-US" i="1">
+                                  <a:latin typeface="Cambria Math" panose="02040503050406030204" pitchFamily="18" charset="0"/>
+                                  <a:ea typeface="Cambria Math" panose="02040503050406030204" pitchFamily="18" charset="0"/>
+                                </a:rPr>
+                                <m:t>𝜋</m:t>
+                              </m:r>
+                            </m:e>
+                            <m:sub>
+                              <m:r>
+                                <a:rPr lang="en-US" i="1">
+                                  <a:latin typeface="Cambria Math" panose="02040503050406030204" pitchFamily="18" charset="0"/>
+                                  <a:ea typeface="Cambria Math" panose="02040503050406030204" pitchFamily="18" charset="0"/>
+                                </a:rPr>
+                                <m:t>𝜃</m:t>
+                              </m:r>
+                            </m:sub>
+                          </m:sSub>
+                          <m:r>
+                            <a:rPr lang="de-DE" i="1">
+                              <a:latin typeface="Cambria Math" panose="02040503050406030204" pitchFamily="18" charset="0"/>
+                              <a:ea typeface="Cambria Math" panose="02040503050406030204" pitchFamily="18" charset="0"/>
+                            </a:rPr>
+                            <m:t>(</m:t>
+                          </m:r>
+                          <m:d>
+                            <m:dPr>
+                              <m:begChr m:val=""/>
+                              <m:endChr m:val="|"/>
+                              <m:ctrlPr>
+                                <a:rPr lang="de-DE" i="1">
+                                  <a:latin typeface="Cambria Math" panose="02040503050406030204" pitchFamily="18" charset="0"/>
+                                  <a:ea typeface="Cambria Math" panose="02040503050406030204" pitchFamily="18" charset="0"/>
+                                </a:rPr>
+                              </m:ctrlPr>
+                            </m:dPr>
+                            <m:e>
+                              <m:r>
+                                <a:rPr lang="de-DE" i="1">
+                                  <a:latin typeface="Cambria Math" panose="02040503050406030204" pitchFamily="18" charset="0"/>
+                                  <a:ea typeface="Cambria Math" panose="02040503050406030204" pitchFamily="18" charset="0"/>
+                                </a:rPr>
+                                <m:t>𝑦</m:t>
+                              </m:r>
+                            </m:e>
+                          </m:d>
+                          <m:r>
+                            <a:rPr lang="de-DE" i="1">
+                              <a:latin typeface="Cambria Math" panose="02040503050406030204" pitchFamily="18" charset="0"/>
+                              <a:ea typeface="Cambria Math" panose="02040503050406030204" pitchFamily="18" charset="0"/>
+                            </a:rPr>
+                            <m:t>𝑥</m:t>
+                          </m:r>
+                          <m:r>
+                            <a:rPr lang="de-DE" i="1">
+                              <a:latin typeface="Cambria Math" panose="02040503050406030204" pitchFamily="18" charset="0"/>
+                              <a:ea typeface="Cambria Math" panose="02040503050406030204" pitchFamily="18" charset="0"/>
+                            </a:rPr>
+                            <m:t>)</m:t>
+                          </m:r>
+                        </m:num>
+                        <m:den>
+                          <m:sSub>
+                            <m:sSubPr>
+                              <m:ctrlPr>
+                                <a:rPr lang="en-US" i="1">
+                                  <a:latin typeface="Cambria Math" panose="02040503050406030204" pitchFamily="18" charset="0"/>
+                                </a:rPr>
+                              </m:ctrlPr>
+                            </m:sSubPr>
+                            <m:e>
+                              <m:r>
+                                <a:rPr lang="en-US" i="1">
+                                  <a:latin typeface="Cambria Math" panose="02040503050406030204" pitchFamily="18" charset="0"/>
+                                  <a:ea typeface="Cambria Math" panose="02040503050406030204" pitchFamily="18" charset="0"/>
+                                </a:rPr>
+                                <m:t>𝜋</m:t>
+                              </m:r>
+                            </m:e>
+                            <m:sub>
+                              <m:r>
+                                <a:rPr lang="de-DE" i="1">
+                                  <a:latin typeface="Cambria Math" panose="02040503050406030204" pitchFamily="18" charset="0"/>
+                                  <a:ea typeface="Cambria Math" panose="02040503050406030204" pitchFamily="18" charset="0"/>
+                                </a:rPr>
+                                <m:t>𝑟𝑒𝑓</m:t>
+                              </m:r>
+                            </m:sub>
+                          </m:sSub>
+                          <m:r>
+                            <a:rPr lang="de-DE" i="1">
+                              <a:latin typeface="Cambria Math" panose="02040503050406030204" pitchFamily="18" charset="0"/>
+                              <a:ea typeface="Cambria Math" panose="02040503050406030204" pitchFamily="18" charset="0"/>
+                            </a:rPr>
+                            <m:t>(</m:t>
+                          </m:r>
+                          <m:d>
+                            <m:dPr>
+                              <m:begChr m:val=""/>
+                              <m:endChr m:val="|"/>
+                              <m:ctrlPr>
+                                <a:rPr lang="de-DE" i="1">
+                                  <a:latin typeface="Cambria Math" panose="02040503050406030204" pitchFamily="18" charset="0"/>
+                                  <a:ea typeface="Cambria Math" panose="02040503050406030204" pitchFamily="18" charset="0"/>
+                                </a:rPr>
+                              </m:ctrlPr>
+                            </m:dPr>
+                            <m:e>
+                              <m:r>
+                                <a:rPr lang="de-DE" i="1">
+                                  <a:latin typeface="Cambria Math" panose="02040503050406030204" pitchFamily="18" charset="0"/>
+                                  <a:ea typeface="Cambria Math" panose="02040503050406030204" pitchFamily="18" charset="0"/>
+                                </a:rPr>
+                                <m:t>𝑦</m:t>
+                              </m:r>
+                            </m:e>
+                          </m:d>
+                          <m:r>
+                            <a:rPr lang="de-DE" i="1">
+                              <a:latin typeface="Cambria Math" panose="02040503050406030204" pitchFamily="18" charset="0"/>
+                              <a:ea typeface="Cambria Math" panose="02040503050406030204" pitchFamily="18" charset="0"/>
+                            </a:rPr>
+                            <m:t>𝑥</m:t>
+                          </m:r>
+                          <m:r>
+                            <a:rPr lang="de-DE" i="1">
+                              <a:latin typeface="Cambria Math" panose="02040503050406030204" pitchFamily="18" charset="0"/>
+                              <a:ea typeface="Cambria Math" panose="02040503050406030204" pitchFamily="18" charset="0"/>
+                            </a:rPr>
+                            <m:t>)</m:t>
+                          </m:r>
+                        </m:den>
+                      </m:f>
+                      <m:r>
+                        <a:rPr lang="de-DE" i="1">
+                          <a:latin typeface="Cambria Math" panose="02040503050406030204" pitchFamily="18" charset="0"/>
+                          <a:ea typeface="Cambria Math" panose="02040503050406030204" pitchFamily="18" charset="0"/>
+                        </a:rPr>
+                        <m:t>+</m:t>
+                      </m:r>
+                      <m:r>
+                        <a:rPr lang="de-DE" i="1">
+                          <a:latin typeface="Cambria Math" panose="02040503050406030204" pitchFamily="18" charset="0"/>
+                          <a:ea typeface="Cambria Math" panose="02040503050406030204" pitchFamily="18" charset="0"/>
+                        </a:rPr>
+                        <m:t>𝛽</m:t>
+                      </m:r>
+                      <m:r>
+                        <m:rPr>
+                          <m:nor/>
+                        </m:rPr>
+                        <a:rPr lang="de-DE">
+                          <a:latin typeface="Cambria Math" panose="02040503050406030204" pitchFamily="18" charset="0"/>
+                          <a:ea typeface="Cambria Math" panose="02040503050406030204" pitchFamily="18" charset="0"/>
+                        </a:rPr>
+                        <m:t>log</m:t>
+                      </m:r>
+                      <m:r>
+                        <a:rPr lang="de-DE" i="1">
+                          <a:latin typeface="Cambria Math" panose="02040503050406030204" pitchFamily="18" charset="0"/>
+                          <a:ea typeface="Cambria Math" panose="02040503050406030204" pitchFamily="18" charset="0"/>
+                        </a:rPr>
+                        <m:t>𝑍</m:t>
+                      </m:r>
+                      <m:r>
+                        <a:rPr lang="de-DE" i="1">
+                          <a:latin typeface="Cambria Math" panose="02040503050406030204" pitchFamily="18" charset="0"/>
+                          <a:ea typeface="Cambria Math" panose="02040503050406030204" pitchFamily="18" charset="0"/>
+                        </a:rPr>
+                        <m:t>(</m:t>
+                      </m:r>
+                      <m:r>
+                        <a:rPr lang="de-DE" i="1">
+                          <a:latin typeface="Cambria Math" panose="02040503050406030204" pitchFamily="18" charset="0"/>
+                          <a:ea typeface="Cambria Math" panose="02040503050406030204" pitchFamily="18" charset="0"/>
+                        </a:rPr>
+                        <m:t>𝑥</m:t>
+                      </m:r>
+                      <m:r>
+                        <a:rPr lang="de-DE" i="1">
+                          <a:latin typeface="Cambria Math" panose="02040503050406030204" pitchFamily="18" charset="0"/>
+                          <a:ea typeface="Cambria Math" panose="02040503050406030204" pitchFamily="18" charset="0"/>
+                        </a:rPr>
+                        <m:t>)</m:t>
+                      </m:r>
+                    </m:oMath>
+                  </m:oMathPara>
+                </a14:m>
+                <a:endParaRPr lang="de-DE" dirty="0"/>
+              </a:p>
+              <a:p>
+                <a:pPr marL="114300" indent="0">
+                  <a:buNone/>
+                </a:pPr>
+                <a:r>
+                  <a:rPr lang="en-US" dirty="0"/>
+                  <a:t>Where: </a:t>
+                </a:r>
+              </a:p>
+              <a:p>
+                <a14:m>
+                  <m:oMath xmlns:m="http://schemas.openxmlformats.org/officeDocument/2006/math">
+                    <m:sSub>
+                      <m:sSubPr>
+                        <m:ctrlPr>
+                          <a:rPr lang="en-US" i="1">
+                            <a:latin typeface="Cambria Math" panose="02040503050406030204" pitchFamily="18" charset="0"/>
+                          </a:rPr>
+                        </m:ctrlPr>
+                      </m:sSubPr>
+                      <m:e>
+                        <m:r>
+                          <a:rPr lang="en-US" i="1">
+                            <a:latin typeface="Cambria Math" panose="02040503050406030204" pitchFamily="18" charset="0"/>
+                            <a:ea typeface="Cambria Math" panose="02040503050406030204" pitchFamily="18" charset="0"/>
+                          </a:rPr>
+                          <m:t>𝜋</m:t>
+                        </m:r>
+                      </m:e>
+                      <m:sub>
+                        <m:r>
+                          <a:rPr lang="en-US" i="1">
+                            <a:latin typeface="Cambria Math" panose="02040503050406030204" pitchFamily="18" charset="0"/>
+                            <a:ea typeface="Cambria Math" panose="02040503050406030204" pitchFamily="18" charset="0"/>
+                          </a:rPr>
+                          <m:t>𝜃</m:t>
+                        </m:r>
+                      </m:sub>
+                    </m:sSub>
+                    <m:r>
+                      <a:rPr lang="de-DE" i="1">
+                        <a:latin typeface="Cambria Math" panose="02040503050406030204" pitchFamily="18" charset="0"/>
+                        <a:ea typeface="Cambria Math" panose="02040503050406030204" pitchFamily="18" charset="0"/>
+                      </a:rPr>
+                      <m:t>(</m:t>
+                    </m:r>
+                    <m:d>
+                      <m:dPr>
+                        <m:begChr m:val=""/>
+                        <m:endChr m:val="|"/>
+                        <m:ctrlPr>
+                          <a:rPr lang="de-DE" i="1">
+                            <a:latin typeface="Cambria Math" panose="02040503050406030204" pitchFamily="18" charset="0"/>
+                            <a:ea typeface="Cambria Math" panose="02040503050406030204" pitchFamily="18" charset="0"/>
+                          </a:rPr>
+                        </m:ctrlPr>
+                      </m:dPr>
+                      <m:e>
+                        <m:r>
+                          <a:rPr lang="de-DE" i="1">
+                            <a:latin typeface="Cambria Math" panose="02040503050406030204" pitchFamily="18" charset="0"/>
+                            <a:ea typeface="Cambria Math" panose="02040503050406030204" pitchFamily="18" charset="0"/>
+                          </a:rPr>
+                          <m:t>𝑦</m:t>
+                        </m:r>
+                      </m:e>
+                    </m:d>
+                    <m:r>
+                      <a:rPr lang="de-DE" i="1">
+                        <a:latin typeface="Cambria Math" panose="02040503050406030204" pitchFamily="18" charset="0"/>
+                        <a:ea typeface="Cambria Math" panose="02040503050406030204" pitchFamily="18" charset="0"/>
+                      </a:rPr>
+                      <m:t>𝑥</m:t>
+                    </m:r>
+                    <m:r>
+                      <a:rPr lang="de-DE" i="1">
+                        <a:latin typeface="Cambria Math" panose="02040503050406030204" pitchFamily="18" charset="0"/>
+                        <a:ea typeface="Cambria Math" panose="02040503050406030204" pitchFamily="18" charset="0"/>
+                      </a:rPr>
+                      <m:t>)</m:t>
+                    </m:r>
+                  </m:oMath>
+                </a14:m>
+                <a:r>
+                  <a:rPr lang="en-US" dirty="0"/>
+                  <a:t>: the current policy being optimized, which predicts the probability of generating </a:t>
+                </a:r>
+                <a14:m>
+                  <m:oMath xmlns:m="http://schemas.openxmlformats.org/officeDocument/2006/math">
+                    <m:r>
+                      <a:rPr lang="de-DE" b="0" i="1" smtClean="0">
+                        <a:latin typeface="Cambria Math" panose="02040503050406030204" pitchFamily="18" charset="0"/>
+                      </a:rPr>
+                      <m:t>𝑦</m:t>
+                    </m:r>
+                  </m:oMath>
+                </a14:m>
+                <a:r>
+                  <a:rPr lang="en-US" dirty="0"/>
+                  <a:t> given </a:t>
+                </a:r>
+                <a14:m>
+                  <m:oMath xmlns:m="http://schemas.openxmlformats.org/officeDocument/2006/math">
+                    <m:r>
+                      <a:rPr lang="de-DE" b="0" i="1" smtClean="0">
+                        <a:latin typeface="Cambria Math" panose="02040503050406030204" pitchFamily="18" charset="0"/>
+                      </a:rPr>
+                      <m:t>𝑥</m:t>
+                    </m:r>
+                  </m:oMath>
+                </a14:m>
+                <a:endParaRPr lang="de-DE" b="0" dirty="0"/>
+              </a:p>
+              <a:p>
+                <a14:m>
+                  <m:oMath xmlns:m="http://schemas.openxmlformats.org/officeDocument/2006/math">
+                    <m:r>
+                      <m:rPr>
+                        <m:nor/>
+                      </m:rPr>
+                      <a:rPr lang="de-DE" smtClean="0">
+                        <a:latin typeface="Cambria Math" panose="02040503050406030204" pitchFamily="18" charset="0"/>
+                        <a:ea typeface="Cambria Math" panose="02040503050406030204" pitchFamily="18" charset="0"/>
+                      </a:rPr>
+                      <m:t>log</m:t>
+                    </m:r>
+                    <m:f>
+                      <m:fPr>
+                        <m:ctrlPr>
+                          <a:rPr lang="de-DE" i="1">
+                            <a:latin typeface="Cambria Math" panose="02040503050406030204" pitchFamily="18" charset="0"/>
+                            <a:ea typeface="Cambria Math" panose="02040503050406030204" pitchFamily="18" charset="0"/>
+                          </a:rPr>
+                        </m:ctrlPr>
+                      </m:fPr>
+                      <m:num>
+                        <m:sSub>
+                          <m:sSubPr>
+                            <m:ctrlPr>
+                              <a:rPr lang="en-US" i="1">
+                                <a:latin typeface="Cambria Math" panose="02040503050406030204" pitchFamily="18" charset="0"/>
+                              </a:rPr>
+                            </m:ctrlPr>
+                          </m:sSubPr>
+                          <m:e>
+                            <m:r>
+                              <a:rPr lang="en-US" i="1">
+                                <a:latin typeface="Cambria Math" panose="02040503050406030204" pitchFamily="18" charset="0"/>
+                                <a:ea typeface="Cambria Math" panose="02040503050406030204" pitchFamily="18" charset="0"/>
+                              </a:rPr>
+                              <m:t>𝜋</m:t>
+                            </m:r>
+                          </m:e>
+                          <m:sub>
+                            <m:r>
+                              <a:rPr lang="en-US" i="1">
+                                <a:latin typeface="Cambria Math" panose="02040503050406030204" pitchFamily="18" charset="0"/>
+                                <a:ea typeface="Cambria Math" panose="02040503050406030204" pitchFamily="18" charset="0"/>
+                              </a:rPr>
+                              <m:t>𝜃</m:t>
+                            </m:r>
+                          </m:sub>
+                        </m:sSub>
+                        <m:r>
+                          <a:rPr lang="de-DE" i="1">
+                            <a:latin typeface="Cambria Math" panose="02040503050406030204" pitchFamily="18" charset="0"/>
+                            <a:ea typeface="Cambria Math" panose="02040503050406030204" pitchFamily="18" charset="0"/>
+                          </a:rPr>
+                          <m:t>(</m:t>
+                        </m:r>
+                        <m:d>
+                          <m:dPr>
+                            <m:begChr m:val=""/>
+                            <m:endChr m:val="|"/>
+                            <m:ctrlPr>
+                              <a:rPr lang="de-DE" i="1">
+                                <a:latin typeface="Cambria Math" panose="02040503050406030204" pitchFamily="18" charset="0"/>
+                                <a:ea typeface="Cambria Math" panose="02040503050406030204" pitchFamily="18" charset="0"/>
+                              </a:rPr>
+                            </m:ctrlPr>
+                          </m:dPr>
+                          <m:e>
+                            <m:r>
+                              <a:rPr lang="de-DE" i="1">
+                                <a:latin typeface="Cambria Math" panose="02040503050406030204" pitchFamily="18" charset="0"/>
+                                <a:ea typeface="Cambria Math" panose="02040503050406030204" pitchFamily="18" charset="0"/>
+                              </a:rPr>
+                              <m:t>𝑦</m:t>
+                            </m:r>
+                          </m:e>
+                        </m:d>
+                        <m:r>
+                          <a:rPr lang="de-DE" i="1">
+                            <a:latin typeface="Cambria Math" panose="02040503050406030204" pitchFamily="18" charset="0"/>
+                            <a:ea typeface="Cambria Math" panose="02040503050406030204" pitchFamily="18" charset="0"/>
+                          </a:rPr>
+                          <m:t>𝑥</m:t>
+                        </m:r>
+                        <m:r>
+                          <a:rPr lang="de-DE" i="1">
+                            <a:latin typeface="Cambria Math" panose="02040503050406030204" pitchFamily="18" charset="0"/>
+                            <a:ea typeface="Cambria Math" panose="02040503050406030204" pitchFamily="18" charset="0"/>
+                          </a:rPr>
+                          <m:t>)</m:t>
+                        </m:r>
+                      </m:num>
+                      <m:den>
+                        <m:sSub>
+                          <m:sSubPr>
+                            <m:ctrlPr>
+                              <a:rPr lang="en-US" i="1">
+                                <a:latin typeface="Cambria Math" panose="02040503050406030204" pitchFamily="18" charset="0"/>
+                              </a:rPr>
+                            </m:ctrlPr>
+                          </m:sSubPr>
+                          <m:e>
+                            <m:r>
+                              <a:rPr lang="en-US" i="1">
+                                <a:latin typeface="Cambria Math" panose="02040503050406030204" pitchFamily="18" charset="0"/>
+                                <a:ea typeface="Cambria Math" panose="02040503050406030204" pitchFamily="18" charset="0"/>
+                              </a:rPr>
+                              <m:t>𝜋</m:t>
+                            </m:r>
+                          </m:e>
+                          <m:sub>
+                            <m:r>
+                              <a:rPr lang="de-DE" i="1">
+                                <a:latin typeface="Cambria Math" panose="02040503050406030204" pitchFamily="18" charset="0"/>
+                                <a:ea typeface="Cambria Math" panose="02040503050406030204" pitchFamily="18" charset="0"/>
+                              </a:rPr>
+                              <m:t>𝑟𝑒𝑓</m:t>
+                            </m:r>
+                          </m:sub>
+                        </m:sSub>
+                        <m:r>
+                          <a:rPr lang="de-DE" i="1">
+                            <a:latin typeface="Cambria Math" panose="02040503050406030204" pitchFamily="18" charset="0"/>
+                            <a:ea typeface="Cambria Math" panose="02040503050406030204" pitchFamily="18" charset="0"/>
+                          </a:rPr>
+                          <m:t>(</m:t>
+                        </m:r>
+                        <m:d>
+                          <m:dPr>
+                            <m:begChr m:val=""/>
+                            <m:endChr m:val="|"/>
+                            <m:ctrlPr>
+                              <a:rPr lang="de-DE" i="1">
+                                <a:latin typeface="Cambria Math" panose="02040503050406030204" pitchFamily="18" charset="0"/>
+                                <a:ea typeface="Cambria Math" panose="02040503050406030204" pitchFamily="18" charset="0"/>
+                              </a:rPr>
+                            </m:ctrlPr>
+                          </m:dPr>
+                          <m:e>
+                            <m:r>
+                              <a:rPr lang="de-DE" i="1">
+                                <a:latin typeface="Cambria Math" panose="02040503050406030204" pitchFamily="18" charset="0"/>
+                                <a:ea typeface="Cambria Math" panose="02040503050406030204" pitchFamily="18" charset="0"/>
+                              </a:rPr>
+                              <m:t>𝑦</m:t>
+                            </m:r>
+                          </m:e>
+                        </m:d>
+                        <m:r>
+                          <a:rPr lang="de-DE" i="1">
+                            <a:latin typeface="Cambria Math" panose="02040503050406030204" pitchFamily="18" charset="0"/>
+                            <a:ea typeface="Cambria Math" panose="02040503050406030204" pitchFamily="18" charset="0"/>
+                          </a:rPr>
+                          <m:t>𝑥</m:t>
+                        </m:r>
+                        <m:r>
+                          <a:rPr lang="de-DE" i="1">
+                            <a:latin typeface="Cambria Math" panose="02040503050406030204" pitchFamily="18" charset="0"/>
+                            <a:ea typeface="Cambria Math" panose="02040503050406030204" pitchFamily="18" charset="0"/>
+                          </a:rPr>
+                          <m:t>)</m:t>
+                        </m:r>
+                      </m:den>
+                    </m:f>
+                  </m:oMath>
+                </a14:m>
+                <a:r>
+                  <a:rPr lang="en-US" dirty="0"/>
+                  <a:t>: log-ratio of the probabilities assigned by the current policy </a:t>
+                </a:r>
+                <a14:m>
+                  <m:oMath xmlns:m="http://schemas.openxmlformats.org/officeDocument/2006/math">
+                    <m:sSub>
+                      <m:sSubPr>
+                        <m:ctrlPr>
+                          <a:rPr lang="en-US" i="1">
+                            <a:latin typeface="Cambria Math" panose="02040503050406030204" pitchFamily="18" charset="0"/>
+                          </a:rPr>
+                        </m:ctrlPr>
+                      </m:sSubPr>
+                      <m:e>
+                        <m:r>
+                          <a:rPr lang="en-US" i="1">
+                            <a:latin typeface="Cambria Math" panose="02040503050406030204" pitchFamily="18" charset="0"/>
+                            <a:ea typeface="Cambria Math" panose="02040503050406030204" pitchFamily="18" charset="0"/>
+                          </a:rPr>
+                          <m:t>𝜋</m:t>
+                        </m:r>
+                      </m:e>
+                      <m:sub>
+                        <m:r>
+                          <a:rPr lang="en-US" i="1">
+                            <a:latin typeface="Cambria Math" panose="02040503050406030204" pitchFamily="18" charset="0"/>
+                            <a:ea typeface="Cambria Math" panose="02040503050406030204" pitchFamily="18" charset="0"/>
+                          </a:rPr>
+                          <m:t>𝜃</m:t>
+                        </m:r>
+                      </m:sub>
+                    </m:sSub>
+                  </m:oMath>
+                </a14:m>
+                <a:r>
+                  <a:rPr lang="en-US" dirty="0"/>
+                  <a:t> and reference policy </a:t>
+                </a:r>
+                <a14:m>
+                  <m:oMath xmlns:m="http://schemas.openxmlformats.org/officeDocument/2006/math">
+                    <m:sSub>
+                      <m:sSubPr>
+                        <m:ctrlPr>
+                          <a:rPr lang="en-US" i="1">
+                            <a:latin typeface="Cambria Math" panose="02040503050406030204" pitchFamily="18" charset="0"/>
+                          </a:rPr>
+                        </m:ctrlPr>
+                      </m:sSubPr>
+                      <m:e>
+                        <m:r>
+                          <a:rPr lang="en-US" i="1">
+                            <a:latin typeface="Cambria Math" panose="02040503050406030204" pitchFamily="18" charset="0"/>
+                            <a:ea typeface="Cambria Math" panose="02040503050406030204" pitchFamily="18" charset="0"/>
+                          </a:rPr>
+                          <m:t>𝜋</m:t>
+                        </m:r>
+                      </m:e>
+                      <m:sub>
+                        <m:r>
+                          <a:rPr lang="de-DE" b="0" i="1" smtClean="0">
+                            <a:latin typeface="Cambria Math" panose="02040503050406030204" pitchFamily="18" charset="0"/>
+                            <a:ea typeface="Cambria Math" panose="02040503050406030204" pitchFamily="18" charset="0"/>
+                          </a:rPr>
+                          <m:t>𝑟𝑒𝑓</m:t>
+                        </m:r>
+                      </m:sub>
+                    </m:sSub>
+                  </m:oMath>
+                </a14:m>
+                <a:r>
+                  <a:rPr lang="en-US" dirty="0"/>
+                  <a:t>, it measures how much the current policy has diverged from the reference policy for a given </a:t>
+                </a:r>
+                <a14:m>
+                  <m:oMath xmlns:m="http://schemas.openxmlformats.org/officeDocument/2006/math">
+                    <m:r>
+                      <a:rPr lang="de-DE" b="0" i="1" smtClean="0">
+                        <a:latin typeface="Cambria Math" panose="02040503050406030204" pitchFamily="18" charset="0"/>
+                      </a:rPr>
+                      <m:t>𝑦</m:t>
+                    </m:r>
+                  </m:oMath>
+                </a14:m>
+                <a:r>
+                  <a:rPr lang="en-US" dirty="0"/>
+                  <a:t>. Positive values mean </a:t>
+                </a:r>
+                <a14:m>
+                  <m:oMath xmlns:m="http://schemas.openxmlformats.org/officeDocument/2006/math">
+                    <m:sSub>
+                      <m:sSubPr>
+                        <m:ctrlPr>
+                          <a:rPr lang="en-US" i="1">
+                            <a:latin typeface="Cambria Math" panose="02040503050406030204" pitchFamily="18" charset="0"/>
+                          </a:rPr>
+                        </m:ctrlPr>
+                      </m:sSubPr>
+                      <m:e>
+                        <m:r>
+                          <a:rPr lang="en-US" i="1">
+                            <a:latin typeface="Cambria Math" panose="02040503050406030204" pitchFamily="18" charset="0"/>
+                            <a:ea typeface="Cambria Math" panose="02040503050406030204" pitchFamily="18" charset="0"/>
+                          </a:rPr>
+                          <m:t>𝜋</m:t>
+                        </m:r>
+                      </m:e>
+                      <m:sub>
+                        <m:r>
+                          <a:rPr lang="en-US" i="1">
+                            <a:latin typeface="Cambria Math" panose="02040503050406030204" pitchFamily="18" charset="0"/>
+                            <a:ea typeface="Cambria Math" panose="02040503050406030204" pitchFamily="18" charset="0"/>
+                          </a:rPr>
+                          <m:t>𝜃</m:t>
+                        </m:r>
+                      </m:sub>
+                    </m:sSub>
+                  </m:oMath>
+                </a14:m>
+                <a:r>
+                  <a:rPr lang="en-US" dirty="0"/>
+                  <a:t> assign higher probability to </a:t>
+                </a:r>
+                <a14:m>
+                  <m:oMath xmlns:m="http://schemas.openxmlformats.org/officeDocument/2006/math">
+                    <m:r>
+                      <a:rPr lang="de-DE" b="0" i="1" smtClean="0">
+                        <a:latin typeface="Cambria Math" panose="02040503050406030204" pitchFamily="18" charset="0"/>
+                      </a:rPr>
+                      <m:t>𝑦</m:t>
+                    </m:r>
+                  </m:oMath>
+                </a14:m>
+                <a:r>
+                  <a:rPr lang="en-US" dirty="0"/>
+                  <a:t> compared to </a:t>
+                </a:r>
+                <a14:m>
+                  <m:oMath xmlns:m="http://schemas.openxmlformats.org/officeDocument/2006/math">
+                    <m:sSub>
+                      <m:sSubPr>
+                        <m:ctrlPr>
+                          <a:rPr lang="en-US" i="1">
+                            <a:latin typeface="Cambria Math" panose="02040503050406030204" pitchFamily="18" charset="0"/>
+                          </a:rPr>
+                        </m:ctrlPr>
+                      </m:sSubPr>
+                      <m:e>
+                        <m:r>
+                          <a:rPr lang="en-US" i="1">
+                            <a:latin typeface="Cambria Math" panose="02040503050406030204" pitchFamily="18" charset="0"/>
+                            <a:ea typeface="Cambria Math" panose="02040503050406030204" pitchFamily="18" charset="0"/>
+                          </a:rPr>
+                          <m:t>𝜋</m:t>
+                        </m:r>
+                      </m:e>
+                      <m:sub>
+                        <m:r>
+                          <a:rPr lang="de-DE" b="0" i="1" smtClean="0">
+                            <a:latin typeface="Cambria Math" panose="02040503050406030204" pitchFamily="18" charset="0"/>
+                            <a:ea typeface="Cambria Math" panose="02040503050406030204" pitchFamily="18" charset="0"/>
+                          </a:rPr>
+                          <m:t>𝑟𝑒𝑓</m:t>
+                        </m:r>
+                      </m:sub>
+                    </m:sSub>
+                  </m:oMath>
+                </a14:m>
+                <a:endParaRPr lang="en-US" dirty="0"/>
+              </a:p>
+              <a:p>
+                <a14:m>
+                  <m:oMath xmlns:m="http://schemas.openxmlformats.org/officeDocument/2006/math">
+                    <m:r>
+                      <m:rPr>
+                        <m:nor/>
+                      </m:rPr>
+                      <a:rPr lang="de-DE" smtClean="0">
+                        <a:latin typeface="Cambria Math" panose="02040503050406030204" pitchFamily="18" charset="0"/>
+                        <a:ea typeface="Cambria Math" panose="02040503050406030204" pitchFamily="18" charset="0"/>
+                      </a:rPr>
+                      <m:t>log</m:t>
+                    </m:r>
+                    <m:r>
+                      <a:rPr lang="de-DE" i="1">
+                        <a:latin typeface="Cambria Math" panose="02040503050406030204" pitchFamily="18" charset="0"/>
+                        <a:ea typeface="Cambria Math" panose="02040503050406030204" pitchFamily="18" charset="0"/>
+                      </a:rPr>
+                      <m:t>𝑍</m:t>
+                    </m:r>
+                    <m:r>
+                      <a:rPr lang="de-DE" i="1">
+                        <a:latin typeface="Cambria Math" panose="02040503050406030204" pitchFamily="18" charset="0"/>
+                        <a:ea typeface="Cambria Math" panose="02040503050406030204" pitchFamily="18" charset="0"/>
+                      </a:rPr>
+                      <m:t>(</m:t>
+                    </m:r>
+                    <m:r>
+                      <a:rPr lang="de-DE" i="1">
+                        <a:latin typeface="Cambria Math" panose="02040503050406030204" pitchFamily="18" charset="0"/>
+                        <a:ea typeface="Cambria Math" panose="02040503050406030204" pitchFamily="18" charset="0"/>
+                      </a:rPr>
+                      <m:t>𝑥</m:t>
+                    </m:r>
+                    <m:r>
+                      <a:rPr lang="de-DE" i="1">
+                        <a:latin typeface="Cambria Math" panose="02040503050406030204" pitchFamily="18" charset="0"/>
+                        <a:ea typeface="Cambria Math" panose="02040503050406030204" pitchFamily="18" charset="0"/>
+                      </a:rPr>
+                      <m:t>)</m:t>
+                    </m:r>
+                  </m:oMath>
+                </a14:m>
+                <a:r>
+                  <a:rPr lang="de-DE" dirty="0"/>
+                  <a:t>: </a:t>
+                </a:r>
+                <a:r>
+                  <a:rPr lang="de-DE" dirty="0" err="1"/>
+                  <a:t>normalization</a:t>
+                </a:r>
+                <a:r>
+                  <a:rPr lang="de-DE" dirty="0"/>
+                  <a:t> </a:t>
+                </a:r>
+                <a:r>
+                  <a:rPr lang="de-DE" dirty="0" err="1"/>
+                  <a:t>term</a:t>
+                </a:r>
+                <a:r>
+                  <a:rPr lang="de-DE" dirty="0"/>
+                  <a:t>, </a:t>
+                </a:r>
+                <a:r>
+                  <a:rPr lang="de-DE" dirty="0" err="1"/>
+                  <a:t>ensuring</a:t>
+                </a:r>
+                <a:r>
+                  <a:rPr lang="de-DE" dirty="0"/>
+                  <a:t> </a:t>
+                </a:r>
+                <a:r>
+                  <a:rPr lang="de-DE" dirty="0" err="1"/>
+                  <a:t>the</a:t>
+                </a:r>
+                <a:r>
+                  <a:rPr lang="de-DE" dirty="0"/>
+                  <a:t> </a:t>
+                </a:r>
+                <a:r>
+                  <a:rPr lang="de-DE" dirty="0" err="1"/>
+                  <a:t>reward</a:t>
+                </a:r>
+                <a:r>
+                  <a:rPr lang="de-DE" dirty="0"/>
+                  <a:t> </a:t>
+                </a:r>
+                <a:r>
+                  <a:rPr lang="de-DE" dirty="0" err="1"/>
+                  <a:t>remains</a:t>
+                </a:r>
+                <a:r>
+                  <a:rPr lang="de-DE" dirty="0"/>
+                  <a:t> </a:t>
+                </a:r>
+                <a:r>
+                  <a:rPr lang="de-DE" dirty="0" err="1"/>
+                  <a:t>consistent</a:t>
+                </a:r>
+                <a:r>
+                  <a:rPr lang="de-DE" dirty="0"/>
+                  <a:t> </a:t>
+                </a:r>
+                <a:r>
+                  <a:rPr lang="de-DE" dirty="0" err="1"/>
+                  <a:t>across</a:t>
+                </a:r>
+                <a:r>
+                  <a:rPr lang="de-DE" dirty="0"/>
+                  <a:t> all </a:t>
+                </a:r>
+                <a:r>
+                  <a:rPr lang="de-DE" dirty="0" err="1"/>
+                  <a:t>output</a:t>
+                </a:r>
+                <a:r>
+                  <a:rPr lang="de-DE" dirty="0"/>
+                  <a:t> </a:t>
+                </a:r>
+                <a14:m>
+                  <m:oMath xmlns:m="http://schemas.openxmlformats.org/officeDocument/2006/math">
+                    <m:r>
+                      <a:rPr lang="de-DE" b="0" i="1" smtClean="0">
+                        <a:latin typeface="Cambria Math" panose="02040503050406030204" pitchFamily="18" charset="0"/>
+                      </a:rPr>
+                      <m:t>𝑦</m:t>
+                    </m:r>
+                  </m:oMath>
+                </a14:m>
+                <a:endParaRPr lang="en-US" dirty="0"/>
+              </a:p>
+              <a:p>
+                <a:endParaRPr lang="en-US" dirty="0"/>
+              </a:p>
+              <a:p>
+                <a:pPr marL="114300" indent="0">
+                  <a:buNone/>
+                </a:pPr>
+                <a14:m>
+                  <m:oMathPara xmlns:m="http://schemas.openxmlformats.org/officeDocument/2006/math">
+                    <m:oMathParaPr>
+                      <m:jc m:val="center"/>
+                    </m:oMathParaPr>
+                    <m:oMath xmlns:m="http://schemas.openxmlformats.org/officeDocument/2006/math">
+                      <m:r>
+                        <a:rPr lang="de-DE" b="0" i="1" smtClean="0">
+                          <a:latin typeface="Cambria Math" panose="02040503050406030204" pitchFamily="18" charset="0"/>
+                        </a:rPr>
+                        <m:t>𝑍</m:t>
+                      </m:r>
+                      <m:d>
+                        <m:dPr>
+                          <m:ctrlPr>
+                            <a:rPr lang="de-DE" b="0" i="1" smtClean="0">
+                              <a:latin typeface="Cambria Math" panose="02040503050406030204" pitchFamily="18" charset="0"/>
+                            </a:rPr>
+                          </m:ctrlPr>
+                        </m:dPr>
+                        <m:e>
+                          <m:r>
+                            <a:rPr lang="de-DE" b="0" i="1" smtClean="0">
+                              <a:latin typeface="Cambria Math" panose="02040503050406030204" pitchFamily="18" charset="0"/>
+                            </a:rPr>
+                            <m:t>𝑥</m:t>
+                          </m:r>
+                        </m:e>
+                      </m:d>
+                      <m:r>
+                        <a:rPr lang="de-DE" b="0" i="1" smtClean="0">
+                          <a:latin typeface="Cambria Math" panose="02040503050406030204" pitchFamily="18" charset="0"/>
+                        </a:rPr>
+                        <m:t>= </m:t>
+                      </m:r>
+                      <m:nary>
+                        <m:naryPr>
+                          <m:chr m:val="∑"/>
+                          <m:supHide m:val="on"/>
+                          <m:ctrlPr>
+                            <a:rPr lang="de-DE" b="0" i="1" smtClean="0">
+                              <a:latin typeface="Cambria Math" panose="02040503050406030204" pitchFamily="18" charset="0"/>
+                            </a:rPr>
+                          </m:ctrlPr>
+                        </m:naryPr>
+                        <m:sub>
+                          <m:r>
+                            <m:rPr>
+                              <m:brk m:alnAt="7"/>
+                            </m:rPr>
+                            <a:rPr lang="de-DE" b="0" i="1" smtClean="0">
+                              <a:latin typeface="Cambria Math" panose="02040503050406030204" pitchFamily="18" charset="0"/>
+                            </a:rPr>
+                            <m:t>𝑦</m:t>
+                          </m:r>
+                        </m:sub>
+                        <m:sup/>
+                        <m:e>
+                          <m:sSub>
+                            <m:sSubPr>
+                              <m:ctrlPr>
+                                <a:rPr lang="de-DE" b="0" i="1" smtClean="0">
+                                  <a:latin typeface="Cambria Math" panose="02040503050406030204" pitchFamily="18" charset="0"/>
+                                </a:rPr>
+                              </m:ctrlPr>
+                            </m:sSubPr>
+                            <m:e>
+                              <m:r>
+                                <a:rPr lang="de-DE" b="0" i="1" smtClean="0">
+                                  <a:latin typeface="Cambria Math" panose="02040503050406030204" pitchFamily="18" charset="0"/>
+                                  <a:ea typeface="Cambria Math" panose="02040503050406030204" pitchFamily="18" charset="0"/>
+                                </a:rPr>
+                                <m:t>𝜋</m:t>
+                              </m:r>
+                            </m:e>
+                            <m:sub>
+                              <m:r>
+                                <a:rPr lang="de-DE" b="0" i="1" smtClean="0">
+                                  <a:latin typeface="Cambria Math" panose="02040503050406030204" pitchFamily="18" charset="0"/>
+                                </a:rPr>
+                                <m:t>𝑟𝑒𝑓</m:t>
+                              </m:r>
+                            </m:sub>
+                          </m:sSub>
+                          <m:d>
+                            <m:dPr>
+                              <m:ctrlPr>
+                                <a:rPr lang="de-DE" b="0" i="1" smtClean="0">
+                                  <a:latin typeface="Cambria Math" panose="02040503050406030204" pitchFamily="18" charset="0"/>
+                                </a:rPr>
+                              </m:ctrlPr>
+                            </m:dPr>
+                            <m:e>
+                              <m:d>
+                                <m:dPr>
+                                  <m:begChr m:val=""/>
+                                  <m:endChr m:val="|"/>
+                                  <m:ctrlPr>
+                                    <a:rPr lang="de-DE" b="0" i="1" smtClean="0">
+                                      <a:latin typeface="Cambria Math" panose="02040503050406030204" pitchFamily="18" charset="0"/>
+                                    </a:rPr>
+                                  </m:ctrlPr>
+                                </m:dPr>
+                                <m:e>
+                                  <m:r>
+                                    <a:rPr lang="de-DE" b="0" i="1" smtClean="0">
+                                      <a:latin typeface="Cambria Math" panose="02040503050406030204" pitchFamily="18" charset="0"/>
+                                    </a:rPr>
+                                    <m:t>𝑦</m:t>
+                                  </m:r>
+                                </m:e>
+                              </m:d>
+                              <m:r>
+                                <a:rPr lang="de-DE" b="0" i="1" smtClean="0">
+                                  <a:latin typeface="Cambria Math" panose="02040503050406030204" pitchFamily="18" charset="0"/>
+                                </a:rPr>
+                                <m:t>𝑥</m:t>
+                              </m:r>
+                            </m:e>
+                          </m:d>
+                          <m:r>
+                            <m:rPr>
+                              <m:nor/>
+                            </m:rPr>
+                            <a:rPr lang="de-DE" b="0" i="0" smtClean="0">
+                              <a:latin typeface="Cambria Math" panose="02040503050406030204" pitchFamily="18" charset="0"/>
+                            </a:rPr>
+                            <m:t>exp</m:t>
+                          </m:r>
+                          <m:d>
+                            <m:dPr>
+                              <m:ctrlPr>
+                                <a:rPr lang="de-DE" b="0" i="1" smtClean="0">
+                                  <a:latin typeface="Cambria Math" panose="02040503050406030204" pitchFamily="18" charset="0"/>
+                                </a:rPr>
+                              </m:ctrlPr>
+                            </m:dPr>
+                            <m:e>
+                              <m:f>
+                                <m:fPr>
+                                  <m:ctrlPr>
+                                    <a:rPr lang="de-DE" b="0" i="1" smtClean="0">
+                                      <a:latin typeface="Cambria Math" panose="02040503050406030204" pitchFamily="18" charset="0"/>
+                                    </a:rPr>
+                                  </m:ctrlPr>
+                                </m:fPr>
+                                <m:num>
+                                  <m:r>
+                                    <a:rPr lang="de-DE" b="0" i="1" smtClean="0">
+                                      <a:latin typeface="Cambria Math" panose="02040503050406030204" pitchFamily="18" charset="0"/>
+                                    </a:rPr>
+                                    <m:t>1</m:t>
+                                  </m:r>
+                                </m:num>
+                                <m:den>
+                                  <m:r>
+                                    <a:rPr lang="de-DE" b="0" i="1" smtClean="0">
+                                      <a:latin typeface="Cambria Math" panose="02040503050406030204" pitchFamily="18" charset="0"/>
+                                      <a:ea typeface="Cambria Math" panose="02040503050406030204" pitchFamily="18" charset="0"/>
+                                    </a:rPr>
+                                    <m:t>𝛽</m:t>
+                                  </m:r>
+                                </m:den>
+                              </m:f>
+                              <m:r>
+                                <a:rPr lang="de-DE" b="0" i="1" smtClean="0">
+                                  <a:latin typeface="Cambria Math" panose="02040503050406030204" pitchFamily="18" charset="0"/>
+                                </a:rPr>
+                                <m:t>𝑟</m:t>
+                              </m:r>
+                              <m:d>
+                                <m:dPr>
+                                  <m:ctrlPr>
+                                    <a:rPr lang="de-DE" b="0" i="1" smtClean="0">
+                                      <a:latin typeface="Cambria Math" panose="02040503050406030204" pitchFamily="18" charset="0"/>
+                                    </a:rPr>
+                                  </m:ctrlPr>
+                                </m:dPr>
+                                <m:e>
+                                  <m:r>
+                                    <a:rPr lang="de-DE" b="0" i="1" smtClean="0">
+                                      <a:latin typeface="Cambria Math" panose="02040503050406030204" pitchFamily="18" charset="0"/>
+                                    </a:rPr>
+                                    <m:t>𝑥</m:t>
+                                  </m:r>
+                                  <m:r>
+                                    <a:rPr lang="de-DE" b="0" i="1" smtClean="0">
+                                      <a:latin typeface="Cambria Math" panose="02040503050406030204" pitchFamily="18" charset="0"/>
+                                    </a:rPr>
+                                    <m:t>,</m:t>
+                                  </m:r>
+                                  <m:r>
+                                    <a:rPr lang="de-DE" b="0" i="1" smtClean="0">
+                                      <a:latin typeface="Cambria Math" panose="02040503050406030204" pitchFamily="18" charset="0"/>
+                                    </a:rPr>
+                                    <m:t>𝑦</m:t>
+                                  </m:r>
+                                </m:e>
+                              </m:d>
+                            </m:e>
+                          </m:d>
+                        </m:e>
+                      </m:nary>
+                    </m:oMath>
+                  </m:oMathPara>
+                </a14:m>
+                <a:endParaRPr lang="en-US" dirty="0"/>
+              </a:p>
+              <a:p>
+                <a:pPr marL="114300" indent="0">
+                  <a:buNone/>
+                </a:pPr>
+                <a:endParaRPr lang="en-US" dirty="0"/>
+              </a:p>
+            </p:txBody>
+          </p:sp>
+        </mc:Choice>
+        <mc:Fallback xmlns="">
+          <p:sp>
+            <p:nvSpPr>
+              <p:cNvPr id="3" name="Text Placeholder 2">
+                <a:extLst>
+                  <a:ext uri="{FF2B5EF4-FFF2-40B4-BE49-F238E27FC236}">
+                    <a16:creationId xmlns:a16="http://schemas.microsoft.com/office/drawing/2014/main" id="{7853FCC5-F1E6-E6E5-B94D-6A1986583E8D}"/>
+                  </a:ext>
+                </a:extLst>
+              </p:cNvPr>
+              <p:cNvSpPr>
+                <a:spLocks noGrp="1" noRot="1" noChangeAspect="1" noMove="1" noResize="1" noEditPoints="1" noAdjustHandles="1" noChangeArrowheads="1" noChangeShapeType="1" noTextEdit="1"/>
+              </p:cNvSpPr>
+              <p:nvPr>
+                <p:ph type="body" idx="1"/>
+              </p:nvPr>
+            </p:nvSpPr>
+            <p:spPr>
+              <a:blipFill>
+                <a:blip r:embed="rId2"/>
+                <a:stretch>
+                  <a:fillRect t="-7836" r="-309" b="-28731"/>
+                </a:stretch>
+              </a:blipFill>
+            </p:spPr>
+            <p:txBody>
+              <a:bodyPr/>
+              <a:lstStyle/>
+              <a:p>
+                <a:r>
+                  <a:rPr lang="en-US">
+                    <a:noFill/>
+                  </a:rPr>
+                  <a:t> </a:t>
+                </a:r>
+              </a:p>
+            </p:txBody>
+          </p:sp>
+        </mc:Fallback>
+      </mc:AlternateContent>
+      <p:sp>
+        <p:nvSpPr>
+          <p:cNvPr id="4" name="Slide Number Placeholder 3">
+            <a:extLst>
+              <a:ext uri="{FF2B5EF4-FFF2-40B4-BE49-F238E27FC236}">
+                <a16:creationId xmlns:a16="http://schemas.microsoft.com/office/drawing/2014/main" id="{81DA165A-DFA8-8BE4-A752-5D01FD760BCC}"/>
+              </a:ext>
+            </a:extLst>
+          </p:cNvPr>
+          <p:cNvSpPr>
+            <a:spLocks noGrp="1"/>
+          </p:cNvSpPr>
+          <p:nvPr>
+            <p:ph type="sldNum" idx="12"/>
+          </p:nvPr>
+        </p:nvSpPr>
+        <p:spPr/>
+        <p:txBody>
+          <a:bodyPr/>
+          <a:lstStyle/>
+          <a:p>
+            <a:pPr marL="0" lvl="0" indent="0" algn="r" rtl="0">
+              <a:spcBef>
+                <a:spcPts val="0"/>
+              </a:spcBef>
+              <a:spcAft>
+                <a:spcPts val="0"/>
+              </a:spcAft>
+              <a:buNone/>
+            </a:pPr>
+            <a:fld id="{00000000-1234-1234-1234-123412341234}" type="slidenum">
+              <a:rPr lang="en-US" smtClean="0"/>
+              <a:t>17</a:t>
+            </a:fld>
+            <a:endParaRPr lang="en-US"/>
+          </a:p>
+        </p:txBody>
+      </p:sp>
+    </p:spTree>
+    <p:extLst>
+      <p:ext uri="{BB962C8B-B14F-4D97-AF65-F5344CB8AC3E}">
+        <p14:creationId xmlns:p14="http://schemas.microsoft.com/office/powerpoint/2010/main" val="840539049"/>
+      </p:ext>
+    </p:extLst>
+  </p:cSld>
+  <p:clrMapOvr>
+    <a:masterClrMapping/>
+  </p:clrMapOvr>
+</p:sld>
+</file>
+
+<file path=ppt/slides/slide18.xml><?xml version="1.0" encoding="utf-8"?>
+<p:sld xmlns:a="http://schemas.openxmlformats.org/drawingml/2006/main" xmlns:r="http://schemas.openxmlformats.org/officeDocument/2006/relationships" xmlns:p="http://schemas.openxmlformats.org/presentationml/2006/main">
+  <p:cSld>
+    <p:spTree>
+      <p:nvGrpSpPr>
+        <p:cNvPr id="1" name=""/>
+        <p:cNvGrpSpPr/>
+        <p:nvPr/>
+      </p:nvGrpSpPr>
+      <p:grpSpPr>
+        <a:xfrm>
+          <a:off x="0" y="0"/>
+          <a:ext cx="0" cy="0"/>
+          <a:chOff x="0" y="0"/>
+          <a:chExt cx="0" cy="0"/>
+        </a:xfrm>
+      </p:grpSpPr>
+      <p:sp>
+        <p:nvSpPr>
+          <p:cNvPr id="2" name="Title 1">
+            <a:extLst>
+              <a:ext uri="{FF2B5EF4-FFF2-40B4-BE49-F238E27FC236}">
+                <a16:creationId xmlns:a16="http://schemas.microsoft.com/office/drawing/2014/main" id="{885DDE23-8708-E028-3F74-D0E34F41DE0D}"/>
+              </a:ext>
+            </a:extLst>
+          </p:cNvPr>
+          <p:cNvSpPr>
+            <a:spLocks noGrp="1"/>
+          </p:cNvSpPr>
+          <p:nvPr>
+            <p:ph type="title"/>
+          </p:nvPr>
+        </p:nvSpPr>
+        <p:spPr/>
+        <p:txBody>
+          <a:bodyPr/>
+          <a:lstStyle/>
+          <a:p>
+            <a:r>
+              <a:rPr lang="en-US" dirty="0"/>
+              <a:t>Math Explanations - 3</a:t>
+            </a:r>
+          </a:p>
+        </p:txBody>
+      </p:sp>
+      <mc:AlternateContent xmlns:mc="http://schemas.openxmlformats.org/markup-compatibility/2006">
+        <mc:Choice xmlns:a14="http://schemas.microsoft.com/office/drawing/2010/main" Requires="a14">
+          <p:sp>
+            <p:nvSpPr>
+              <p:cNvPr id="3" name="Text Placeholder 2">
+                <a:extLst>
+                  <a:ext uri="{FF2B5EF4-FFF2-40B4-BE49-F238E27FC236}">
+                    <a16:creationId xmlns:a16="http://schemas.microsoft.com/office/drawing/2014/main" id="{C6898559-CCDD-DFC4-B18B-C82D739962DB}"/>
+                  </a:ext>
+                </a:extLst>
+              </p:cNvPr>
+              <p:cNvSpPr>
+                <a:spLocks noGrp="1"/>
+              </p:cNvSpPr>
+              <p:nvPr>
+                <p:ph type="body" idx="1"/>
+              </p:nvPr>
+            </p:nvSpPr>
+            <p:spPr/>
+            <p:txBody>
+              <a:bodyPr/>
+              <a:lstStyle/>
+              <a:p>
+                <a:pPr marL="114300" indent="0">
+                  <a:buNone/>
+                </a:pPr>
+                <a14:m>
+                  <m:oMathPara xmlns:m="http://schemas.openxmlformats.org/officeDocument/2006/math">
+                    <m:oMathParaPr>
+                      <m:jc m:val="centerGroup"/>
+                    </m:oMathParaPr>
+                    <m:oMath xmlns:m="http://schemas.openxmlformats.org/officeDocument/2006/math">
+                      <m:sSub>
+                        <m:sSubPr>
+                          <m:ctrlPr>
+                            <a:rPr lang="en-US" i="1" smtClean="0">
+                              <a:latin typeface="Cambria Math" panose="02040503050406030204" pitchFamily="18" charset="0"/>
+                            </a:rPr>
+                          </m:ctrlPr>
+                        </m:sSubPr>
+                        <m:e>
+                          <m:r>
+                            <a:rPr lang="en-US" i="1" smtClean="0">
+                              <a:latin typeface="Cambria Math" panose="02040503050406030204" pitchFamily="18" charset="0"/>
+                              <a:ea typeface="Cambria Math" panose="02040503050406030204" pitchFamily="18" charset="0"/>
+                            </a:rPr>
+                            <m:t>ℒ</m:t>
+                          </m:r>
+                        </m:e>
+                        <m:sub>
+                          <m:r>
+                            <a:rPr lang="de-DE" b="0" i="1" smtClean="0">
+                              <a:latin typeface="Cambria Math" panose="02040503050406030204" pitchFamily="18" charset="0"/>
+                            </a:rPr>
+                            <m:t>𝐷𝑃𝑂</m:t>
+                          </m:r>
+                        </m:sub>
+                      </m:sSub>
+                      <m:r>
+                        <a:rPr lang="de-DE" b="0" i="1" smtClean="0">
+                          <a:latin typeface="Cambria Math" panose="02040503050406030204" pitchFamily="18" charset="0"/>
+                        </a:rPr>
+                        <m:t>=−</m:t>
+                      </m:r>
+                      <m:sSub>
+                        <m:sSubPr>
+                          <m:ctrlPr>
+                            <a:rPr lang="de-DE" b="0" i="1" smtClean="0">
+                              <a:latin typeface="Cambria Math" panose="02040503050406030204" pitchFamily="18" charset="0"/>
+                            </a:rPr>
+                          </m:ctrlPr>
+                        </m:sSubPr>
+                        <m:e>
+                          <m:r>
+                            <a:rPr lang="de-DE" b="0" i="1" smtClean="0">
+                              <a:latin typeface="Cambria Math" panose="02040503050406030204" pitchFamily="18" charset="0"/>
+                              <a:ea typeface="Cambria Math" panose="02040503050406030204" pitchFamily="18" charset="0"/>
+                            </a:rPr>
+                            <m:t>𝔼</m:t>
+                          </m:r>
+                        </m:e>
+                        <m:sub>
+                          <m:r>
+                            <a:rPr lang="de-DE" b="0" i="1" smtClean="0">
+                              <a:latin typeface="Cambria Math" panose="02040503050406030204" pitchFamily="18" charset="0"/>
+                            </a:rPr>
+                            <m:t>(</m:t>
+                          </m:r>
+                          <m:r>
+                            <a:rPr lang="de-DE" b="0" i="1" smtClean="0">
+                              <a:latin typeface="Cambria Math" panose="02040503050406030204" pitchFamily="18" charset="0"/>
+                            </a:rPr>
+                            <m:t>𝑥</m:t>
+                          </m:r>
+                          <m:r>
+                            <a:rPr lang="de-DE" b="0" i="1" smtClean="0">
+                              <a:latin typeface="Cambria Math" panose="02040503050406030204" pitchFamily="18" charset="0"/>
+                            </a:rPr>
+                            <m:t>,</m:t>
+                          </m:r>
+                          <m:sSub>
+                            <m:sSubPr>
+                              <m:ctrlPr>
+                                <a:rPr lang="de-DE" b="0" i="1" smtClean="0">
+                                  <a:latin typeface="Cambria Math" panose="02040503050406030204" pitchFamily="18" charset="0"/>
+                                </a:rPr>
+                              </m:ctrlPr>
+                            </m:sSubPr>
+                            <m:e>
+                              <m:r>
+                                <a:rPr lang="de-DE" b="0" i="1" smtClean="0">
+                                  <a:latin typeface="Cambria Math" panose="02040503050406030204" pitchFamily="18" charset="0"/>
+                                </a:rPr>
+                                <m:t>𝑦</m:t>
+                              </m:r>
+                            </m:e>
+                            <m:sub>
+                              <m:r>
+                                <a:rPr lang="de-DE" b="0" i="1" smtClean="0">
+                                  <a:latin typeface="Cambria Math" panose="02040503050406030204" pitchFamily="18" charset="0"/>
+                                </a:rPr>
+                                <m:t>𝑤</m:t>
+                              </m:r>
+                            </m:sub>
+                          </m:sSub>
+                          <m:r>
+                            <a:rPr lang="de-DE" b="0" i="1" smtClean="0">
+                              <a:latin typeface="Cambria Math" panose="02040503050406030204" pitchFamily="18" charset="0"/>
+                            </a:rPr>
+                            <m:t>,</m:t>
+                          </m:r>
+                          <m:sSub>
+                            <m:sSubPr>
+                              <m:ctrlPr>
+                                <a:rPr lang="de-DE" b="0" i="1" smtClean="0">
+                                  <a:latin typeface="Cambria Math" panose="02040503050406030204" pitchFamily="18" charset="0"/>
+                                </a:rPr>
+                              </m:ctrlPr>
+                            </m:sSubPr>
+                            <m:e>
+                              <m:r>
+                                <a:rPr lang="de-DE" b="0" i="1" smtClean="0">
+                                  <a:latin typeface="Cambria Math" panose="02040503050406030204" pitchFamily="18" charset="0"/>
+                                </a:rPr>
+                                <m:t>𝑦</m:t>
+                              </m:r>
+                            </m:e>
+                            <m:sub>
+                              <m:r>
+                                <a:rPr lang="de-DE" b="0" i="1" smtClean="0">
+                                  <a:latin typeface="Cambria Math" panose="02040503050406030204" pitchFamily="18" charset="0"/>
+                                </a:rPr>
+                                <m:t>𝑙</m:t>
+                              </m:r>
+                            </m:sub>
+                          </m:sSub>
+                          <m:r>
+                            <a:rPr lang="de-DE" b="0" i="1" smtClean="0">
+                              <a:latin typeface="Cambria Math" panose="02040503050406030204" pitchFamily="18" charset="0"/>
+                            </a:rPr>
+                            <m:t>)</m:t>
+                          </m:r>
+                          <m:r>
+                            <a:rPr lang="de-DE" b="0" i="1" smtClean="0">
+                              <a:latin typeface="Cambria Math" panose="02040503050406030204" pitchFamily="18" charset="0"/>
+                              <a:ea typeface="Cambria Math" panose="02040503050406030204" pitchFamily="18" charset="0"/>
+                            </a:rPr>
+                            <m:t>~</m:t>
+                          </m:r>
+                          <m:r>
+                            <a:rPr lang="de-DE" b="0" i="1" smtClean="0">
+                              <a:latin typeface="Cambria Math" panose="02040503050406030204" pitchFamily="18" charset="0"/>
+                              <a:ea typeface="Cambria Math" panose="02040503050406030204" pitchFamily="18" charset="0"/>
+                            </a:rPr>
+                            <m:t>𝐷</m:t>
+                          </m:r>
+                        </m:sub>
+                      </m:sSub>
+                      <m:d>
+                        <m:dPr>
+                          <m:begChr m:val="["/>
+                          <m:endChr m:val="]"/>
+                          <m:ctrlPr>
+                            <a:rPr lang="de-DE" b="0" i="1" smtClean="0">
+                              <a:latin typeface="Cambria Math" panose="02040503050406030204" pitchFamily="18" charset="0"/>
+                            </a:rPr>
+                          </m:ctrlPr>
+                        </m:dPr>
+                        <m:e>
+                          <m:r>
+                            <m:rPr>
+                              <m:nor/>
+                            </m:rPr>
+                            <a:rPr lang="de-DE" b="0" i="0" smtClean="0">
+                              <a:latin typeface="Cambria Math" panose="02040503050406030204" pitchFamily="18" charset="0"/>
+                            </a:rPr>
+                            <m:t>log</m:t>
+                          </m:r>
+                          <m:r>
+                            <a:rPr lang="de-DE" b="0" i="1" smtClean="0">
+                              <a:latin typeface="Cambria Math" panose="02040503050406030204" pitchFamily="18" charset="0"/>
+                              <a:ea typeface="Cambria Math" panose="02040503050406030204" pitchFamily="18" charset="0"/>
+                            </a:rPr>
+                            <m:t>𝜎</m:t>
+                          </m:r>
+                          <m:d>
+                            <m:dPr>
+                              <m:ctrlPr>
+                                <a:rPr lang="de-DE" b="0" i="1" smtClean="0">
+                                  <a:latin typeface="Cambria Math" panose="02040503050406030204" pitchFamily="18" charset="0"/>
+                                  <a:ea typeface="Cambria Math" panose="02040503050406030204" pitchFamily="18" charset="0"/>
+                                </a:rPr>
+                              </m:ctrlPr>
+                            </m:dPr>
+                            <m:e>
+                              <m:r>
+                                <a:rPr lang="de-DE" b="0" i="1" smtClean="0">
+                                  <a:latin typeface="Cambria Math" panose="02040503050406030204" pitchFamily="18" charset="0"/>
+                                  <a:ea typeface="Cambria Math" panose="02040503050406030204" pitchFamily="18" charset="0"/>
+                                </a:rPr>
+                                <m:t>𝛽</m:t>
+                              </m:r>
+                              <m:d>
+                                <m:dPr>
+                                  <m:ctrlPr>
+                                    <a:rPr lang="de-DE" b="0" i="1" smtClean="0">
+                                      <a:latin typeface="Cambria Math" panose="02040503050406030204" pitchFamily="18" charset="0"/>
+                                      <a:ea typeface="Cambria Math" panose="02040503050406030204" pitchFamily="18" charset="0"/>
+                                    </a:rPr>
+                                  </m:ctrlPr>
+                                </m:dPr>
+                                <m:e>
+                                  <m:r>
+                                    <m:rPr>
+                                      <m:nor/>
+                                    </m:rPr>
+                                    <a:rPr lang="de-DE" b="0" i="0" smtClean="0">
+                                      <a:latin typeface="Cambria Math" panose="02040503050406030204" pitchFamily="18" charset="0"/>
+                                      <a:ea typeface="Cambria Math" panose="02040503050406030204" pitchFamily="18" charset="0"/>
+                                    </a:rPr>
+                                    <m:t>log</m:t>
+                                  </m:r>
+                                  <m:f>
+                                    <m:fPr>
+                                      <m:ctrlPr>
+                                        <a:rPr lang="de-DE" b="0" i="1" smtClean="0">
+                                          <a:latin typeface="Cambria Math" panose="02040503050406030204" pitchFamily="18" charset="0"/>
+                                          <a:ea typeface="Cambria Math" panose="02040503050406030204" pitchFamily="18" charset="0"/>
+                                        </a:rPr>
+                                      </m:ctrlPr>
+                                    </m:fPr>
+                                    <m:num>
+                                      <m:sSub>
+                                        <m:sSubPr>
+                                          <m:ctrlPr>
+                                            <a:rPr lang="en-US" i="1">
+                                              <a:latin typeface="Cambria Math" panose="02040503050406030204" pitchFamily="18" charset="0"/>
+                                            </a:rPr>
+                                          </m:ctrlPr>
+                                        </m:sSubPr>
+                                        <m:e>
+                                          <m:r>
+                                            <a:rPr lang="en-US" i="1">
+                                              <a:latin typeface="Cambria Math" panose="02040503050406030204" pitchFamily="18" charset="0"/>
+                                              <a:ea typeface="Cambria Math" panose="02040503050406030204" pitchFamily="18" charset="0"/>
+                                            </a:rPr>
+                                            <m:t>𝜋</m:t>
+                                          </m:r>
+                                        </m:e>
+                                        <m:sub>
+                                          <m:r>
+                                            <a:rPr lang="en-US" i="1">
+                                              <a:latin typeface="Cambria Math" panose="02040503050406030204" pitchFamily="18" charset="0"/>
+                                              <a:ea typeface="Cambria Math" panose="02040503050406030204" pitchFamily="18" charset="0"/>
+                                            </a:rPr>
+                                            <m:t>𝜃</m:t>
+                                          </m:r>
+                                        </m:sub>
+                                      </m:sSub>
+                                      <m:r>
+                                        <a:rPr lang="de-DE" i="1">
+                                          <a:latin typeface="Cambria Math" panose="02040503050406030204" pitchFamily="18" charset="0"/>
+                                          <a:ea typeface="Cambria Math" panose="02040503050406030204" pitchFamily="18" charset="0"/>
+                                        </a:rPr>
+                                        <m:t>(</m:t>
+                                      </m:r>
+                                      <m:d>
+                                        <m:dPr>
+                                          <m:begChr m:val=""/>
+                                          <m:endChr m:val="|"/>
+                                          <m:ctrlPr>
+                                            <a:rPr lang="de-DE" i="1">
+                                              <a:latin typeface="Cambria Math" panose="02040503050406030204" pitchFamily="18" charset="0"/>
+                                              <a:ea typeface="Cambria Math" panose="02040503050406030204" pitchFamily="18" charset="0"/>
+                                            </a:rPr>
+                                          </m:ctrlPr>
+                                        </m:dPr>
+                                        <m:e>
+                                          <m:sSub>
+                                            <m:sSubPr>
+                                              <m:ctrlPr>
+                                                <a:rPr lang="de-DE" i="1" smtClean="0">
+                                                  <a:latin typeface="Cambria Math" panose="02040503050406030204" pitchFamily="18" charset="0"/>
+                                                  <a:ea typeface="Cambria Math" panose="02040503050406030204" pitchFamily="18" charset="0"/>
+                                                </a:rPr>
+                                              </m:ctrlPr>
+                                            </m:sSubPr>
+                                            <m:e>
+                                              <m:r>
+                                                <a:rPr lang="de-DE" b="0" i="1" smtClean="0">
+                                                  <a:latin typeface="Cambria Math" panose="02040503050406030204" pitchFamily="18" charset="0"/>
+                                                  <a:ea typeface="Cambria Math" panose="02040503050406030204" pitchFamily="18" charset="0"/>
+                                                </a:rPr>
+                                                <m:t>𝑦</m:t>
+                                              </m:r>
+                                            </m:e>
+                                            <m:sub>
+                                              <m:r>
+                                                <a:rPr lang="de-DE" b="0" i="1" smtClean="0">
+                                                  <a:latin typeface="Cambria Math" panose="02040503050406030204" pitchFamily="18" charset="0"/>
+                                                  <a:ea typeface="Cambria Math" panose="02040503050406030204" pitchFamily="18" charset="0"/>
+                                                </a:rPr>
+                                                <m:t>𝑤</m:t>
+                                              </m:r>
+                                            </m:sub>
+                                          </m:sSub>
+                                        </m:e>
+                                      </m:d>
+                                      <m:r>
+                                        <a:rPr lang="de-DE" i="1">
+                                          <a:latin typeface="Cambria Math" panose="02040503050406030204" pitchFamily="18" charset="0"/>
+                                          <a:ea typeface="Cambria Math" panose="02040503050406030204" pitchFamily="18" charset="0"/>
+                                        </a:rPr>
+                                        <m:t>𝑥</m:t>
+                                      </m:r>
+                                      <m:r>
+                                        <a:rPr lang="de-DE" i="1">
+                                          <a:latin typeface="Cambria Math" panose="02040503050406030204" pitchFamily="18" charset="0"/>
+                                          <a:ea typeface="Cambria Math" panose="02040503050406030204" pitchFamily="18" charset="0"/>
+                                        </a:rPr>
+                                        <m:t>)</m:t>
+                                      </m:r>
+                                    </m:num>
+                                    <m:den>
+                                      <m:sSub>
+                                        <m:sSubPr>
+                                          <m:ctrlPr>
+                                            <a:rPr lang="en-US" i="1">
+                                              <a:latin typeface="Cambria Math" panose="02040503050406030204" pitchFamily="18" charset="0"/>
+                                            </a:rPr>
+                                          </m:ctrlPr>
+                                        </m:sSubPr>
+                                        <m:e>
+                                          <m:r>
+                                            <a:rPr lang="en-US" i="1">
+                                              <a:latin typeface="Cambria Math" panose="02040503050406030204" pitchFamily="18" charset="0"/>
+                                              <a:ea typeface="Cambria Math" panose="02040503050406030204" pitchFamily="18" charset="0"/>
+                                            </a:rPr>
+                                            <m:t>𝜋</m:t>
+                                          </m:r>
+                                        </m:e>
+                                        <m:sub>
+                                          <m:r>
+                                            <a:rPr lang="de-DE" b="0" i="1" smtClean="0">
+                                              <a:latin typeface="Cambria Math" panose="02040503050406030204" pitchFamily="18" charset="0"/>
+                                              <a:ea typeface="Cambria Math" panose="02040503050406030204" pitchFamily="18" charset="0"/>
+                                            </a:rPr>
+                                            <m:t>𝑟𝑒𝑓</m:t>
+                                          </m:r>
+                                        </m:sub>
+                                      </m:sSub>
+                                      <m:r>
+                                        <a:rPr lang="de-DE" i="1">
+                                          <a:latin typeface="Cambria Math" panose="02040503050406030204" pitchFamily="18" charset="0"/>
+                                          <a:ea typeface="Cambria Math" panose="02040503050406030204" pitchFamily="18" charset="0"/>
+                                        </a:rPr>
+                                        <m:t>(</m:t>
+                                      </m:r>
+                                      <m:d>
+                                        <m:dPr>
+                                          <m:begChr m:val=""/>
+                                          <m:endChr m:val="|"/>
+                                          <m:ctrlPr>
+                                            <a:rPr lang="de-DE" i="1">
+                                              <a:latin typeface="Cambria Math" panose="02040503050406030204" pitchFamily="18" charset="0"/>
+                                              <a:ea typeface="Cambria Math" panose="02040503050406030204" pitchFamily="18" charset="0"/>
+                                            </a:rPr>
+                                          </m:ctrlPr>
+                                        </m:dPr>
+                                        <m:e>
+                                          <m:sSub>
+                                            <m:sSubPr>
+                                              <m:ctrlPr>
+                                                <a:rPr lang="de-DE" i="1">
+                                                  <a:latin typeface="Cambria Math" panose="02040503050406030204" pitchFamily="18" charset="0"/>
+                                                  <a:ea typeface="Cambria Math" panose="02040503050406030204" pitchFamily="18" charset="0"/>
+                                                </a:rPr>
+                                              </m:ctrlPr>
+                                            </m:sSubPr>
+                                            <m:e>
+                                              <m:r>
+                                                <a:rPr lang="de-DE" i="1">
+                                                  <a:latin typeface="Cambria Math" panose="02040503050406030204" pitchFamily="18" charset="0"/>
+                                                  <a:ea typeface="Cambria Math" panose="02040503050406030204" pitchFamily="18" charset="0"/>
+                                                </a:rPr>
+                                                <m:t>𝑦</m:t>
+                                              </m:r>
+                                            </m:e>
+                                            <m:sub>
+                                              <m:r>
+                                                <a:rPr lang="de-DE" i="1">
+                                                  <a:latin typeface="Cambria Math" panose="02040503050406030204" pitchFamily="18" charset="0"/>
+                                                  <a:ea typeface="Cambria Math" panose="02040503050406030204" pitchFamily="18" charset="0"/>
+                                                </a:rPr>
+                                                <m:t>𝑤</m:t>
+                                              </m:r>
+                                            </m:sub>
+                                          </m:sSub>
+                                        </m:e>
+                                      </m:d>
+                                      <m:r>
+                                        <a:rPr lang="de-DE" i="1">
+                                          <a:latin typeface="Cambria Math" panose="02040503050406030204" pitchFamily="18" charset="0"/>
+                                          <a:ea typeface="Cambria Math" panose="02040503050406030204" pitchFamily="18" charset="0"/>
+                                        </a:rPr>
+                                        <m:t>𝑥</m:t>
+                                      </m:r>
+                                      <m:r>
+                                        <a:rPr lang="de-DE" i="1">
+                                          <a:latin typeface="Cambria Math" panose="02040503050406030204" pitchFamily="18" charset="0"/>
+                                          <a:ea typeface="Cambria Math" panose="02040503050406030204" pitchFamily="18" charset="0"/>
+                                        </a:rPr>
+                                        <m:t>)</m:t>
+                                      </m:r>
+                                    </m:den>
+                                  </m:f>
+                                  <m:r>
+                                    <a:rPr lang="de-DE" b="0" i="1" smtClean="0">
+                                      <a:latin typeface="Cambria Math" panose="02040503050406030204" pitchFamily="18" charset="0"/>
+                                      <a:ea typeface="Cambria Math" panose="02040503050406030204" pitchFamily="18" charset="0"/>
+                                    </a:rPr>
+                                    <m:t>−</m:t>
+                                  </m:r>
+                                  <m:r>
+                                    <m:rPr>
+                                      <m:nor/>
+                                    </m:rPr>
+                                    <a:rPr lang="de-DE">
+                                      <a:latin typeface="Cambria Math" panose="02040503050406030204" pitchFamily="18" charset="0"/>
+                                      <a:ea typeface="Cambria Math" panose="02040503050406030204" pitchFamily="18" charset="0"/>
+                                    </a:rPr>
+                                    <m:t>log</m:t>
+                                  </m:r>
+                                  <m:f>
+                                    <m:fPr>
+                                      <m:ctrlPr>
+                                        <a:rPr lang="de-DE" i="1">
+                                          <a:latin typeface="Cambria Math" panose="02040503050406030204" pitchFamily="18" charset="0"/>
+                                          <a:ea typeface="Cambria Math" panose="02040503050406030204" pitchFamily="18" charset="0"/>
+                                        </a:rPr>
+                                      </m:ctrlPr>
+                                    </m:fPr>
+                                    <m:num>
+                                      <m:sSub>
+                                        <m:sSubPr>
+                                          <m:ctrlPr>
+                                            <a:rPr lang="en-US" i="1">
+                                              <a:latin typeface="Cambria Math" panose="02040503050406030204" pitchFamily="18" charset="0"/>
+                                            </a:rPr>
+                                          </m:ctrlPr>
+                                        </m:sSubPr>
+                                        <m:e>
+                                          <m:r>
+                                            <a:rPr lang="en-US" i="1">
+                                              <a:latin typeface="Cambria Math" panose="02040503050406030204" pitchFamily="18" charset="0"/>
+                                              <a:ea typeface="Cambria Math" panose="02040503050406030204" pitchFamily="18" charset="0"/>
+                                            </a:rPr>
+                                            <m:t>𝜋</m:t>
+                                          </m:r>
+                                        </m:e>
+                                        <m:sub>
+                                          <m:r>
+                                            <a:rPr lang="en-US" i="1">
+                                              <a:latin typeface="Cambria Math" panose="02040503050406030204" pitchFamily="18" charset="0"/>
+                                              <a:ea typeface="Cambria Math" panose="02040503050406030204" pitchFamily="18" charset="0"/>
+                                            </a:rPr>
+                                            <m:t>𝜃</m:t>
+                                          </m:r>
+                                        </m:sub>
+                                      </m:sSub>
+                                      <m:r>
+                                        <a:rPr lang="de-DE" i="1">
+                                          <a:latin typeface="Cambria Math" panose="02040503050406030204" pitchFamily="18" charset="0"/>
+                                          <a:ea typeface="Cambria Math" panose="02040503050406030204" pitchFamily="18" charset="0"/>
+                                        </a:rPr>
+                                        <m:t>(</m:t>
+                                      </m:r>
+                                      <m:d>
+                                        <m:dPr>
+                                          <m:begChr m:val=""/>
+                                          <m:endChr m:val="|"/>
+                                          <m:ctrlPr>
+                                            <a:rPr lang="de-DE" i="1">
+                                              <a:latin typeface="Cambria Math" panose="02040503050406030204" pitchFamily="18" charset="0"/>
+                                              <a:ea typeface="Cambria Math" panose="02040503050406030204" pitchFamily="18" charset="0"/>
+                                            </a:rPr>
+                                          </m:ctrlPr>
+                                        </m:dPr>
+                                        <m:e>
+                                          <m:sSub>
+                                            <m:sSubPr>
+                                              <m:ctrlPr>
+                                                <a:rPr lang="de-DE" i="1">
+                                                  <a:latin typeface="Cambria Math" panose="02040503050406030204" pitchFamily="18" charset="0"/>
+                                                  <a:ea typeface="Cambria Math" panose="02040503050406030204" pitchFamily="18" charset="0"/>
+                                                </a:rPr>
+                                              </m:ctrlPr>
+                                            </m:sSubPr>
+                                            <m:e>
+                                              <m:r>
+                                                <a:rPr lang="de-DE" i="1">
+                                                  <a:latin typeface="Cambria Math" panose="02040503050406030204" pitchFamily="18" charset="0"/>
+                                                  <a:ea typeface="Cambria Math" panose="02040503050406030204" pitchFamily="18" charset="0"/>
+                                                </a:rPr>
+                                                <m:t>𝑦</m:t>
+                                              </m:r>
+                                            </m:e>
+                                            <m:sub>
+                                              <m:r>
+                                                <a:rPr lang="de-DE" b="0" i="1" smtClean="0">
+                                                  <a:latin typeface="Cambria Math" panose="02040503050406030204" pitchFamily="18" charset="0"/>
+                                                  <a:ea typeface="Cambria Math" panose="02040503050406030204" pitchFamily="18" charset="0"/>
+                                                </a:rPr>
+                                                <m:t>𝑙</m:t>
+                                              </m:r>
+                                            </m:sub>
+                                          </m:sSub>
+                                        </m:e>
+                                      </m:d>
+                                      <m:r>
+                                        <a:rPr lang="de-DE" i="1">
+                                          <a:latin typeface="Cambria Math" panose="02040503050406030204" pitchFamily="18" charset="0"/>
+                                          <a:ea typeface="Cambria Math" panose="02040503050406030204" pitchFamily="18" charset="0"/>
+                                        </a:rPr>
+                                        <m:t>𝑥</m:t>
+                                      </m:r>
+                                      <m:r>
+                                        <a:rPr lang="de-DE" i="1">
+                                          <a:latin typeface="Cambria Math" panose="02040503050406030204" pitchFamily="18" charset="0"/>
+                                          <a:ea typeface="Cambria Math" panose="02040503050406030204" pitchFamily="18" charset="0"/>
+                                        </a:rPr>
+                                        <m:t>)</m:t>
+                                      </m:r>
+                                    </m:num>
+                                    <m:den>
+                                      <m:sSub>
+                                        <m:sSubPr>
+                                          <m:ctrlPr>
+                                            <a:rPr lang="en-US" i="1">
+                                              <a:latin typeface="Cambria Math" panose="02040503050406030204" pitchFamily="18" charset="0"/>
+                                            </a:rPr>
+                                          </m:ctrlPr>
+                                        </m:sSubPr>
+                                        <m:e>
+                                          <m:r>
+                                            <a:rPr lang="en-US" i="1">
+                                              <a:latin typeface="Cambria Math" panose="02040503050406030204" pitchFamily="18" charset="0"/>
+                                              <a:ea typeface="Cambria Math" panose="02040503050406030204" pitchFamily="18" charset="0"/>
+                                            </a:rPr>
+                                            <m:t>𝜋</m:t>
+                                          </m:r>
+                                        </m:e>
+                                        <m:sub>
+                                          <m:r>
+                                            <a:rPr lang="de-DE" i="1">
+                                              <a:latin typeface="Cambria Math" panose="02040503050406030204" pitchFamily="18" charset="0"/>
+                                              <a:ea typeface="Cambria Math" panose="02040503050406030204" pitchFamily="18" charset="0"/>
+                                            </a:rPr>
+                                            <m:t>𝑟𝑒𝑓</m:t>
+                                          </m:r>
+                                        </m:sub>
+                                      </m:sSub>
+                                      <m:r>
+                                        <a:rPr lang="de-DE" i="1">
+                                          <a:latin typeface="Cambria Math" panose="02040503050406030204" pitchFamily="18" charset="0"/>
+                                          <a:ea typeface="Cambria Math" panose="02040503050406030204" pitchFamily="18" charset="0"/>
+                                        </a:rPr>
+                                        <m:t>(</m:t>
+                                      </m:r>
+                                      <m:d>
+                                        <m:dPr>
+                                          <m:begChr m:val=""/>
+                                          <m:endChr m:val="|"/>
+                                          <m:ctrlPr>
+                                            <a:rPr lang="de-DE" i="1">
+                                              <a:latin typeface="Cambria Math" panose="02040503050406030204" pitchFamily="18" charset="0"/>
+                                              <a:ea typeface="Cambria Math" panose="02040503050406030204" pitchFamily="18" charset="0"/>
+                                            </a:rPr>
+                                          </m:ctrlPr>
+                                        </m:dPr>
+                                        <m:e>
+                                          <m:sSub>
+                                            <m:sSubPr>
+                                              <m:ctrlPr>
+                                                <a:rPr lang="de-DE" i="1">
+                                                  <a:latin typeface="Cambria Math" panose="02040503050406030204" pitchFamily="18" charset="0"/>
+                                                  <a:ea typeface="Cambria Math" panose="02040503050406030204" pitchFamily="18" charset="0"/>
+                                                </a:rPr>
+                                              </m:ctrlPr>
+                                            </m:sSubPr>
+                                            <m:e>
+                                              <m:r>
+                                                <a:rPr lang="de-DE" i="1">
+                                                  <a:latin typeface="Cambria Math" panose="02040503050406030204" pitchFamily="18" charset="0"/>
+                                                  <a:ea typeface="Cambria Math" panose="02040503050406030204" pitchFamily="18" charset="0"/>
+                                                </a:rPr>
+                                                <m:t>𝑦</m:t>
+                                              </m:r>
+                                            </m:e>
+                                            <m:sub>
+                                              <m:r>
+                                                <a:rPr lang="de-DE" b="0" i="1" smtClean="0">
+                                                  <a:latin typeface="Cambria Math" panose="02040503050406030204" pitchFamily="18" charset="0"/>
+                                                  <a:ea typeface="Cambria Math" panose="02040503050406030204" pitchFamily="18" charset="0"/>
+                                                </a:rPr>
+                                                <m:t>𝑙</m:t>
+                                              </m:r>
+                                            </m:sub>
+                                          </m:sSub>
+                                        </m:e>
+                                      </m:d>
+                                      <m:r>
+                                        <a:rPr lang="de-DE" i="1">
+                                          <a:latin typeface="Cambria Math" panose="02040503050406030204" pitchFamily="18" charset="0"/>
+                                          <a:ea typeface="Cambria Math" panose="02040503050406030204" pitchFamily="18" charset="0"/>
+                                        </a:rPr>
+                                        <m:t>𝑥</m:t>
+                                      </m:r>
+                                      <m:r>
+                                        <a:rPr lang="de-DE" i="1">
+                                          <a:latin typeface="Cambria Math" panose="02040503050406030204" pitchFamily="18" charset="0"/>
+                                          <a:ea typeface="Cambria Math" panose="02040503050406030204" pitchFamily="18" charset="0"/>
+                                        </a:rPr>
+                                        <m:t>)</m:t>
+                                      </m:r>
+                                    </m:den>
+                                  </m:f>
+                                </m:e>
+                              </m:d>
+                            </m:e>
+                          </m:d>
+                        </m:e>
+                      </m:d>
+                    </m:oMath>
+                  </m:oMathPara>
+                </a14:m>
+                <a:endParaRPr lang="en-US" dirty="0"/>
+              </a:p>
+              <a:p>
+                <a:pPr marL="114300" indent="0">
+                  <a:buNone/>
+                </a:pPr>
+                <a:r>
+                  <a:rPr lang="en-US" dirty="0"/>
+                  <a:t>Where:</a:t>
+                </a:r>
+              </a:p>
+              <a:p>
+                <a14:m>
+                  <m:oMath xmlns:m="http://schemas.openxmlformats.org/officeDocument/2006/math">
+                    <m:sSub>
+                      <m:sSubPr>
+                        <m:ctrlPr>
+                          <a:rPr lang="en-US" i="1">
+                            <a:latin typeface="Cambria Math" panose="02040503050406030204" pitchFamily="18" charset="0"/>
+                          </a:rPr>
+                        </m:ctrlPr>
+                      </m:sSubPr>
+                      <m:e>
+                        <m:r>
+                          <a:rPr lang="en-US" i="1">
+                            <a:latin typeface="Cambria Math" panose="02040503050406030204" pitchFamily="18" charset="0"/>
+                            <a:ea typeface="Cambria Math" panose="02040503050406030204" pitchFamily="18" charset="0"/>
+                          </a:rPr>
+                          <m:t>ℒ</m:t>
+                        </m:r>
+                      </m:e>
+                      <m:sub>
+                        <m:r>
+                          <a:rPr lang="de-DE" i="1">
+                            <a:latin typeface="Cambria Math" panose="02040503050406030204" pitchFamily="18" charset="0"/>
+                          </a:rPr>
+                          <m:t>𝐷𝑃𝑂</m:t>
+                        </m:r>
+                      </m:sub>
+                    </m:sSub>
+                  </m:oMath>
+                </a14:m>
+                <a:r>
+                  <a:rPr lang="en-US" dirty="0"/>
+                  <a:t>: Direct Preference Optimization (DPO) loss</a:t>
+                </a:r>
+              </a:p>
+              <a:p>
+                <a14:m>
+                  <m:oMath xmlns:m="http://schemas.openxmlformats.org/officeDocument/2006/math">
+                    <m:r>
+                      <a:rPr lang="de-DE" b="0" i="1" smtClean="0">
+                        <a:latin typeface="Cambria Math" panose="02040503050406030204" pitchFamily="18" charset="0"/>
+                      </a:rPr>
+                      <m:t>𝐷</m:t>
+                    </m:r>
+                  </m:oMath>
+                </a14:m>
+                <a:r>
+                  <a:rPr lang="en-US" dirty="0"/>
+                  <a:t>: data distribution consist of the triplets:</a:t>
+                </a:r>
+              </a:p>
+              <a:p>
+                <a:pPr lvl="1"/>
+                <a14:m>
+                  <m:oMath xmlns:m="http://schemas.openxmlformats.org/officeDocument/2006/math">
+                    <m:r>
+                      <a:rPr lang="de-DE" b="0" i="1" smtClean="0">
+                        <a:latin typeface="Cambria Math" panose="02040503050406030204" pitchFamily="18" charset="0"/>
+                      </a:rPr>
+                      <m:t>𝑥</m:t>
+                    </m:r>
+                  </m:oMath>
+                </a14:m>
+                <a:r>
+                  <a:rPr lang="en-US" dirty="0"/>
+                  <a:t>: input/prompt</a:t>
+                </a:r>
+              </a:p>
+              <a:p>
+                <a:pPr lvl="1"/>
+                <a14:m>
+                  <m:oMath xmlns:m="http://schemas.openxmlformats.org/officeDocument/2006/math">
+                    <m:sSub>
+                      <m:sSubPr>
+                        <m:ctrlPr>
+                          <a:rPr lang="en-US" i="1" smtClean="0">
+                            <a:latin typeface="Cambria Math" panose="02040503050406030204" pitchFamily="18" charset="0"/>
+                          </a:rPr>
+                        </m:ctrlPr>
+                      </m:sSubPr>
+                      <m:e>
+                        <m:r>
+                          <a:rPr lang="de-DE" b="0" i="1" smtClean="0">
+                            <a:latin typeface="Cambria Math" panose="02040503050406030204" pitchFamily="18" charset="0"/>
+                          </a:rPr>
+                          <m:t>𝑦</m:t>
+                        </m:r>
+                      </m:e>
+                      <m:sub>
+                        <m:r>
+                          <a:rPr lang="de-DE" b="0" i="1" smtClean="0">
+                            <a:latin typeface="Cambria Math" panose="02040503050406030204" pitchFamily="18" charset="0"/>
+                          </a:rPr>
+                          <m:t>𝑤</m:t>
+                        </m:r>
+                      </m:sub>
+                    </m:sSub>
+                  </m:oMath>
+                </a14:m>
+                <a:r>
+                  <a:rPr lang="en-US" dirty="0"/>
+                  <a:t>: Preferred response (winning competition), chosen by humans based on quality</a:t>
+                </a:r>
+              </a:p>
+              <a:p>
+                <a:pPr lvl="1"/>
+                <a14:m>
+                  <m:oMath xmlns:m="http://schemas.openxmlformats.org/officeDocument/2006/math">
+                    <m:sSub>
+                      <m:sSubPr>
+                        <m:ctrlPr>
+                          <a:rPr lang="en-US" i="1" smtClean="0">
+                            <a:latin typeface="Cambria Math" panose="02040503050406030204" pitchFamily="18" charset="0"/>
+                          </a:rPr>
+                        </m:ctrlPr>
+                      </m:sSubPr>
+                      <m:e>
+                        <m:r>
+                          <a:rPr lang="de-DE" b="0" i="1" smtClean="0">
+                            <a:latin typeface="Cambria Math" panose="02040503050406030204" pitchFamily="18" charset="0"/>
+                          </a:rPr>
+                          <m:t>𝑦</m:t>
+                        </m:r>
+                      </m:e>
+                      <m:sub>
+                        <m:r>
+                          <a:rPr lang="de-DE" b="0" i="1" smtClean="0">
+                            <a:latin typeface="Cambria Math" panose="02040503050406030204" pitchFamily="18" charset="0"/>
+                          </a:rPr>
+                          <m:t>𝑙</m:t>
+                        </m:r>
+                      </m:sub>
+                    </m:sSub>
+                  </m:oMath>
+                </a14:m>
+                <a:r>
+                  <a:rPr lang="en-US" dirty="0"/>
+                  <a:t>: Dispreferred response (losing competition), which was not favored</a:t>
+                </a:r>
+              </a:p>
+              <a:p>
+                <a:pPr marL="571500" lvl="1" indent="0">
+                  <a:buNone/>
+                </a:pPr>
+                <a:endParaRPr lang="en-US" dirty="0"/>
+              </a:p>
+            </p:txBody>
+          </p:sp>
+        </mc:Choice>
+        <mc:Fallback>
+          <p:sp>
+            <p:nvSpPr>
+              <p:cNvPr id="3" name="Text Placeholder 2">
+                <a:extLst>
+                  <a:ext uri="{FF2B5EF4-FFF2-40B4-BE49-F238E27FC236}">
+                    <a16:creationId xmlns:a16="http://schemas.microsoft.com/office/drawing/2014/main" id="{C6898559-CCDD-DFC4-B18B-C82D739962DB}"/>
+                  </a:ext>
+                </a:extLst>
+              </p:cNvPr>
+              <p:cNvSpPr>
+                <a:spLocks noGrp="1" noRot="1" noChangeAspect="1" noMove="1" noResize="1" noEditPoints="1" noAdjustHandles="1" noChangeArrowheads="1" noChangeShapeType="1" noTextEdit="1"/>
+              </p:cNvSpPr>
+              <p:nvPr>
+                <p:ph type="body" idx="1"/>
+              </p:nvPr>
+            </p:nvSpPr>
+            <p:spPr>
+              <a:blipFill>
+                <a:blip r:embed="rId2"/>
+                <a:stretch>
+                  <a:fillRect t="-6716"/>
+                </a:stretch>
+              </a:blipFill>
+            </p:spPr>
+            <p:txBody>
+              <a:bodyPr/>
+              <a:lstStyle/>
+              <a:p>
+                <a:r>
+                  <a:rPr lang="en-US">
+                    <a:noFill/>
+                  </a:rPr>
+                  <a:t> </a:t>
+                </a:r>
+              </a:p>
+            </p:txBody>
+          </p:sp>
+        </mc:Fallback>
+      </mc:AlternateContent>
+      <p:sp>
+        <p:nvSpPr>
+          <p:cNvPr id="4" name="Slide Number Placeholder 3">
+            <a:extLst>
+              <a:ext uri="{FF2B5EF4-FFF2-40B4-BE49-F238E27FC236}">
+                <a16:creationId xmlns:a16="http://schemas.microsoft.com/office/drawing/2014/main" id="{6808027A-917F-D254-6E8E-46EDEFBF8629}"/>
+              </a:ext>
+            </a:extLst>
+          </p:cNvPr>
+          <p:cNvSpPr>
+            <a:spLocks noGrp="1"/>
+          </p:cNvSpPr>
+          <p:nvPr>
+            <p:ph type="sldNum" idx="12"/>
+          </p:nvPr>
+        </p:nvSpPr>
+        <p:spPr/>
+        <p:txBody>
+          <a:bodyPr/>
+          <a:lstStyle/>
+          <a:p>
+            <a:pPr marL="0" lvl="0" indent="0" algn="r" rtl="0">
+              <a:spcBef>
+                <a:spcPts val="0"/>
+              </a:spcBef>
+              <a:spcAft>
+                <a:spcPts val="0"/>
+              </a:spcAft>
+              <a:buNone/>
+            </a:pPr>
+            <a:fld id="{00000000-1234-1234-1234-123412341234}" type="slidenum">
+              <a:rPr lang="en-US" smtClean="0"/>
+              <a:t>18</a:t>
+            </a:fld>
+            <a:endParaRPr lang="en-US"/>
+          </a:p>
+        </p:txBody>
+      </p:sp>
+    </p:spTree>
+    <p:extLst>
+      <p:ext uri="{BB962C8B-B14F-4D97-AF65-F5344CB8AC3E}">
+        <p14:creationId xmlns:p14="http://schemas.microsoft.com/office/powerpoint/2010/main" val="417389237"/>
       </p:ext>
     </p:extLst>
   </p:cSld>
@@ -43312,7 +46398,7 @@
           <p:nvPr>
             <p:extLst>
               <p:ext uri="{D42A27DB-BD31-4B8C-83A1-F6EECF244321}">
-                <p14:modId xmlns:p14="http://schemas.microsoft.com/office/powerpoint/2010/main" val="3885850542"/>
+                <p14:modId xmlns:p14="http://schemas.microsoft.com/office/powerpoint/2010/main" val="3039394172"/>
               </p:ext>
             </p:extLst>
           </p:nvPr>
@@ -43837,10 +46923,9 @@
                     <a:lstStyle/>
                     <a:p>
                       <a:r>
-                        <a:rPr lang="en-US" dirty="0" err="1"/>
-                        <a:t>Samplying</a:t>
+                        <a:rPr lang="en-US" dirty="0"/>
+                        <a:t>Sampling</a:t>
                       </a:r>
-                      <a:endParaRPr lang="en-US" dirty="0"/>
                     </a:p>
                   </a:txBody>
                   <a:tcPr anchor="ctr">
